--- a/presentation/Diabetes_Prediction_Presentation.pptx
+++ b/presentation/Diabetes_Prediction_Presentation.pptx
@@ -2,7 +2,7 @@
 <file path=ppt/presentation.xml><?xml version="1.0" encoding="utf-8"?>
 <p:presentation xmlns:a="http://schemas.openxmlformats.org/drawingml/2006/main" xmlns:r="http://schemas.openxmlformats.org/officeDocument/2006/relationships" xmlns:p="http://schemas.openxmlformats.org/presentationml/2006/main" saveSubsetFonts="1" autoCompressPictures="0">
   <p:sldMasterIdLst>
-    <p:sldMasterId id="2147483648" r:id="rId1"/>
+    <p:sldMasterId id="2147483732" r:id="rId1"/>
   </p:sldMasterIdLst>
   <p:sldIdLst>
     <p:sldId id="256" r:id="rId2"/>
@@ -10,19 +10,24 @@
     <p:sldId id="258" r:id="rId4"/>
     <p:sldId id="259" r:id="rId5"/>
     <p:sldId id="272" r:id="rId6"/>
-    <p:sldId id="260" r:id="rId7"/>
-    <p:sldId id="261" r:id="rId8"/>
-    <p:sldId id="262" r:id="rId9"/>
-    <p:sldId id="263" r:id="rId10"/>
-    <p:sldId id="264" r:id="rId11"/>
-    <p:sldId id="265" r:id="rId12"/>
-    <p:sldId id="273" r:id="rId13"/>
-    <p:sldId id="274" r:id="rId14"/>
-    <p:sldId id="267" r:id="rId15"/>
-    <p:sldId id="268" r:id="rId16"/>
-    <p:sldId id="269" r:id="rId17"/>
-    <p:sldId id="270" r:id="rId18"/>
-    <p:sldId id="271" r:id="rId19"/>
+    <p:sldId id="277" r:id="rId7"/>
+    <p:sldId id="275" r:id="rId8"/>
+    <p:sldId id="276" r:id="rId9"/>
+    <p:sldId id="279" r:id="rId10"/>
+    <p:sldId id="260" r:id="rId11"/>
+    <p:sldId id="261" r:id="rId12"/>
+    <p:sldId id="262" r:id="rId13"/>
+    <p:sldId id="263" r:id="rId14"/>
+    <p:sldId id="264" r:id="rId15"/>
+    <p:sldId id="273" r:id="rId16"/>
+    <p:sldId id="280" r:id="rId17"/>
+    <p:sldId id="281" r:id="rId18"/>
+    <p:sldId id="274" r:id="rId19"/>
+    <p:sldId id="282" r:id="rId20"/>
+    <p:sldId id="267" r:id="rId21"/>
+    <p:sldId id="268" r:id="rId22"/>
+    <p:sldId id="269" r:id="rId23"/>
+    <p:sldId id="271" r:id="rId24"/>
   </p:sldIdLst>
   <p:sldSz cx="9144000" cy="6858000" type="screen4x3"/>
   <p:notesSz cx="6858000" cy="9144000"/>
@@ -124,12 +129,12 @@
   <p:extLst>
     <p:ext uri="{EFAFB233-063F-42B5-8137-9DF3F51BA10A}">
       <p15:sldGuideLst xmlns:p15="http://schemas.microsoft.com/office/powerpoint/2012/main">
-        <p15:guide id="1" orient="horz" pos="2160">
+        <p15:guide id="1" orient="horz" pos="2160" userDrawn="1">
           <p15:clr>
             <a:srgbClr val="A4A3A4"/>
           </p15:clr>
         </p15:guide>
-        <p15:guide id="2" pos="2880">
+        <p15:guide id="2" pos="2880" userDrawn="1">
           <p15:clr>
             <a:srgbClr val="A4A3A4"/>
           </p15:clr>
@@ -138,6 +143,15 @@
     </p:ext>
   </p:extLst>
 </p:presentation>
+</file>
+
+<file path=ppt/revisionInfo.xml><?xml version="1.0" encoding="utf-8"?>
+<p1510:revInfo xmlns:a="http://schemas.openxmlformats.org/drawingml/2006/main" xmlns:r="http://schemas.openxmlformats.org/officeDocument/2006/relationships" xmlns:p1510="http://schemas.microsoft.com/office/powerpoint/2015/10/main">
+  <p1510:revLst>
+    <p1510:client id="{1CF4135A-ACF9-4025-99B7-EC2273F66ADD}" v="595" dt="2025-12-13T19:58:35.928"/>
+    <p1510:client id="{CA638677-AEE4-4794-9FD4-79BB8A84417D}" v="354" dt="2025-12-13T13:13:13.700"/>
+  </p1510:revLst>
+</p1510:revInfo>
 </file>
 
 <file path=ppt/slideLayouts/slideLayout1.xml><?xml version="1.0" encoding="utf-8"?>
@@ -157,6 +171,36 @@
           <a:chExt cx="0" cy="0"/>
         </a:xfrm>
       </p:grpSpPr>
+      <p:pic>
+        <p:nvPicPr>
+          <p:cNvPr id="11" name="Picture 10" descr="Celestia-R1---OverlayTitleSD.png"/>
+          <p:cNvPicPr>
+            <a:picLocks noChangeAspect="1"/>
+          </p:cNvPicPr>
+          <p:nvPr/>
+        </p:nvPicPr>
+        <p:blipFill>
+          <a:blip r:embed="rId2">
+            <a:extLst>
+              <a:ext uri="{28A0092B-C50C-407E-A947-70E740481C1C}">
+                <a14:useLocalDpi xmlns:a14="http://schemas.microsoft.com/office/drawing/2010/main" val="0"/>
+              </a:ext>
+            </a:extLst>
+          </a:blip>
+          <a:stretch>
+            <a:fillRect/>
+          </a:stretch>
+        </p:blipFill>
+        <p:spPr>
+          <a:xfrm>
+            <a:off x="0" y="0"/>
+            <a:ext cx="7397750" cy="6858000"/>
+          </a:xfrm>
+          <a:prstGeom prst="rect">
+            <a:avLst/>
+          </a:prstGeom>
+        </p:spPr>
+      </p:pic>
       <p:sp>
         <p:nvSpPr>
           <p:cNvPr id="2" name="Title 1"/>
@@ -169,16 +213,24 @@
         </p:nvSpPr>
         <p:spPr>
           <a:xfrm>
-            <a:off x="685800" y="2130425"/>
-            <a:ext cx="7772400" cy="1470025"/>
-          </a:xfrm>
-        </p:spPr>
-        <p:txBody>
-          <a:bodyPr/>
-          <a:lstStyle/>
-          <a:p>
-            <a:r>
-              <a:rPr lang="en-US"/>
+            <a:off x="2743973" y="1964267"/>
+            <a:ext cx="5714228" cy="2421464"/>
+          </a:xfrm>
+        </p:spPr>
+        <p:txBody>
+          <a:bodyPr anchor="b">
+            <a:normAutofit/>
+          </a:bodyPr>
+          <a:lstStyle>
+            <a:lvl1pPr algn="r">
+              <a:defRPr sz="4400">
+                <a:effectLst/>
+              </a:defRPr>
+            </a:lvl1pPr>
+          </a:lstStyle>
+          <a:p>
+            <a:r>
+              <a:rPr lang="en-US" dirty="0"/>
               <a:t>Click to edit Master title style</a:t>
             </a:r>
           </a:p>
@@ -196,14 +248,24 @@
         </p:nvSpPr>
         <p:spPr>
           <a:xfrm>
-            <a:off x="1371600" y="3886200"/>
-            <a:ext cx="6400800" cy="1752600"/>
-          </a:xfrm>
-        </p:spPr>
-        <p:txBody>
-          <a:bodyPr/>
+            <a:off x="2743973" y="4385733"/>
+            <a:ext cx="5714228" cy="1405467"/>
+          </a:xfrm>
+        </p:spPr>
+        <p:txBody>
+          <a:bodyPr anchor="t">
+            <a:normAutofit/>
+          </a:bodyPr>
           <a:lstStyle>
-            <a:lvl1pPr marL="0" indent="0" algn="ctr">
+            <a:lvl1pPr marL="0" indent="0" algn="r">
+              <a:buNone/>
+              <a:defRPr sz="1800" cap="all">
+                <a:solidFill>
+                  <a:schemeClr val="tx1"/>
+                </a:solidFill>
+              </a:defRPr>
+            </a:lvl1pPr>
+            <a:lvl2pPr marL="457200" indent="0" algn="ctr">
               <a:buNone/>
               <a:defRPr>
                 <a:solidFill>
@@ -212,8 +274,8 @@
                   </a:schemeClr>
                 </a:solidFill>
               </a:defRPr>
-            </a:lvl1pPr>
-            <a:lvl2pPr marL="457200" indent="0" algn="ctr">
+            </a:lvl2pPr>
+            <a:lvl3pPr marL="914400" indent="0" algn="ctr">
               <a:buNone/>
               <a:defRPr>
                 <a:solidFill>
@@ -222,8 +284,8 @@
                   </a:schemeClr>
                 </a:solidFill>
               </a:defRPr>
-            </a:lvl2pPr>
-            <a:lvl3pPr marL="914400" indent="0" algn="ctr">
+            </a:lvl3pPr>
+            <a:lvl4pPr marL="1371600" indent="0" algn="ctr">
               <a:buNone/>
               <a:defRPr>
                 <a:solidFill>
@@ -232,8 +294,8 @@
                   </a:schemeClr>
                 </a:solidFill>
               </a:defRPr>
-            </a:lvl3pPr>
-            <a:lvl4pPr marL="1371600" indent="0" algn="ctr">
+            </a:lvl4pPr>
+            <a:lvl5pPr marL="1828800" indent="0" algn="ctr">
               <a:buNone/>
               <a:defRPr>
                 <a:solidFill>
@@ -242,8 +304,8 @@
                   </a:schemeClr>
                 </a:solidFill>
               </a:defRPr>
-            </a:lvl4pPr>
-            <a:lvl5pPr marL="1828800" indent="0" algn="ctr">
+            </a:lvl5pPr>
+            <a:lvl6pPr marL="2286000" indent="0" algn="ctr">
               <a:buNone/>
               <a:defRPr>
                 <a:solidFill>
@@ -252,8 +314,8 @@
                   </a:schemeClr>
                 </a:solidFill>
               </a:defRPr>
-            </a:lvl5pPr>
-            <a:lvl6pPr marL="2286000" indent="0" algn="ctr">
+            </a:lvl6pPr>
+            <a:lvl7pPr marL="2743200" indent="0" algn="ctr">
               <a:buNone/>
               <a:defRPr>
                 <a:solidFill>
@@ -262,8 +324,8 @@
                   </a:schemeClr>
                 </a:solidFill>
               </a:defRPr>
-            </a:lvl6pPr>
-            <a:lvl7pPr marL="2743200" indent="0" algn="ctr">
+            </a:lvl7pPr>
+            <a:lvl8pPr marL="3200400" indent="0" algn="ctr">
               <a:buNone/>
               <a:defRPr>
                 <a:solidFill>
@@ -272,8 +334,8 @@
                   </a:schemeClr>
                 </a:solidFill>
               </a:defRPr>
-            </a:lvl7pPr>
-            <a:lvl8pPr marL="3200400" indent="0" algn="ctr">
+            </a:lvl8pPr>
+            <a:lvl9pPr marL="3657600" indent="0" algn="ctr">
               <a:buNone/>
               <a:defRPr>
                 <a:solidFill>
@@ -282,21 +344,11 @@
                   </a:schemeClr>
                 </a:solidFill>
               </a:defRPr>
-            </a:lvl8pPr>
-            <a:lvl9pPr marL="3657600" indent="0" algn="ctr">
-              <a:buNone/>
-              <a:defRPr>
-                <a:solidFill>
-                  <a:schemeClr val="tx1">
-                    <a:tint val="75000"/>
-                  </a:schemeClr>
-                </a:solidFill>
-              </a:defRPr>
             </a:lvl9pPr>
           </a:lstStyle>
           <a:p>
             <a:r>
-              <a:rPr lang="en-US"/>
+              <a:rPr lang="en-US" dirty="0"/>
               <a:t>Click to edit Master subtitle style</a:t>
             </a:r>
           </a:p>
@@ -312,16 +364,22 @@
             <p:ph type="dt" sz="half" idx="10"/>
           </p:nvPr>
         </p:nvSpPr>
-        <p:spPr/>
+        <p:spPr>
+          <a:xfrm>
+            <a:off x="6752311" y="5870576"/>
+            <a:ext cx="1212173" cy="377825"/>
+          </a:xfrm>
+        </p:spPr>
         <p:txBody>
           <a:bodyPr/>
           <a:lstStyle/>
           <a:p>
-            <a:fld id="{5BCAD085-E8A6-8845-BD4E-CB4CCA059FC4}" type="datetimeFigureOut">
-              <a:rPr lang="en-US" smtClean="0"/>
-              <a:t>12/11/2025</a:t>
+            <a:fld id="{B61BEF0D-F0BB-DE4B-95CE-6DB70DBA9567}" type="datetimeFigureOut">
+              <a:rPr lang="en-US" dirty="0"/>
+              <a:pPr/>
+              <a:t>12/13/2025</a:t>
             </a:fld>
-            <a:endParaRPr lang="en-US"/>
+            <a:endParaRPr lang="en-US" dirty="0"/>
           </a:p>
         </p:txBody>
       </p:sp>
@@ -335,12 +393,17 @@
             <p:ph type="ftr" sz="quarter" idx="11"/>
           </p:nvPr>
         </p:nvSpPr>
-        <p:spPr/>
+        <p:spPr>
+          <a:xfrm>
+            <a:off x="2743973" y="5870576"/>
+            <a:ext cx="3932137" cy="377825"/>
+          </a:xfrm>
+        </p:spPr>
         <p:txBody>
           <a:bodyPr/>
           <a:lstStyle/>
           <a:p>
-            <a:endParaRPr lang="en-US"/>
+            <a:endParaRPr lang="en-US" dirty="0"/>
           </a:p>
         </p:txBody>
       </p:sp>
@@ -354,23 +417,29 @@
             <p:ph type="sldNum" sz="quarter" idx="12"/>
           </p:nvPr>
         </p:nvSpPr>
-        <p:spPr/>
+        <p:spPr>
+          <a:xfrm>
+            <a:off x="8040685" y="5870576"/>
+            <a:ext cx="417516" cy="377825"/>
+          </a:xfrm>
+        </p:spPr>
         <p:txBody>
           <a:bodyPr/>
           <a:lstStyle/>
           <a:p>
-            <a:fld id="{C1FF6DA9-008F-8B48-92A6-B652298478BF}" type="slidenum">
-              <a:rPr lang="en-US" smtClean="0"/>
+            <a:fld id="{D57F1E4F-1CFF-5643-939E-217C01CDF565}" type="slidenum">
+              <a:rPr lang="en-US" dirty="0"/>
+              <a:pPr/>
               <a:t>‹#›</a:t>
             </a:fld>
-            <a:endParaRPr lang="en-US"/>
+            <a:endParaRPr lang="en-US" dirty="0"/>
           </a:p>
         </p:txBody>
       </p:sp>
     </p:spTree>
     <p:extLst>
       <p:ext uri="{BB962C8B-B14F-4D97-AF65-F5344CB8AC3E}">
-        <p14:creationId xmlns:p14="http://schemas.microsoft.com/office/powerpoint/2010/main" val="3168075583"/>
+        <p14:creationId xmlns:p14="http://schemas.microsoft.com/office/powerpoint/2010/main" val="3926741700"/>
       </p:ext>
     </p:extLst>
   </p:cSld>
@@ -381,6 +450,2317 @@
 </file>
 
 <file path=ppt/slideLayouts/slideLayout10.xml><?xml version="1.0" encoding="utf-8"?>
+<p:sldLayout xmlns:a="http://schemas.openxmlformats.org/drawingml/2006/main" xmlns:r="http://schemas.openxmlformats.org/officeDocument/2006/relationships" xmlns:p="http://schemas.openxmlformats.org/presentationml/2006/main" preserve="1">
+  <p:cSld name="Panoramic Picture with Caption">
+    <p:spTree>
+      <p:nvGrpSpPr>
+        <p:cNvPr id="1" name=""/>
+        <p:cNvGrpSpPr/>
+        <p:nvPr/>
+      </p:nvGrpSpPr>
+      <p:grpSpPr>
+        <a:xfrm>
+          <a:off x="0" y="0"/>
+          <a:ext cx="0" cy="0"/>
+          <a:chOff x="0" y="0"/>
+          <a:chExt cx="0" cy="0"/>
+        </a:xfrm>
+      </p:grpSpPr>
+      <p:pic>
+        <p:nvPicPr>
+          <p:cNvPr id="10" name="Picture 9" descr="Celestia-R1---OverlayContentSD.png"/>
+          <p:cNvPicPr>
+            <a:picLocks noChangeAspect="1"/>
+          </p:cNvPicPr>
+          <p:nvPr/>
+        </p:nvPicPr>
+        <p:blipFill>
+          <a:blip r:embed="rId2">
+            <a:extLst>
+              <a:ext uri="{28A0092B-C50C-407E-A947-70E740481C1C}">
+                <a14:useLocalDpi xmlns:a14="http://schemas.microsoft.com/office/drawing/2010/main" val="0"/>
+              </a:ext>
+            </a:extLst>
+          </a:blip>
+          <a:stretch>
+            <a:fillRect/>
+          </a:stretch>
+        </p:blipFill>
+        <p:spPr>
+          <a:xfrm>
+            <a:off x="13956" y="0"/>
+            <a:ext cx="9118600" cy="6858000"/>
+          </a:xfrm>
+          <a:prstGeom prst="rect">
+            <a:avLst/>
+          </a:prstGeom>
+        </p:spPr>
+      </p:pic>
+      <p:sp>
+        <p:nvSpPr>
+          <p:cNvPr id="2" name="Title 1"/>
+          <p:cNvSpPr>
+            <a:spLocks noGrp="1"/>
+          </p:cNvSpPr>
+          <p:nvPr>
+            <p:ph type="title"/>
+          </p:nvPr>
+        </p:nvSpPr>
+        <p:spPr>
+          <a:xfrm>
+            <a:off x="457201" y="4732865"/>
+            <a:ext cx="7772400" cy="566738"/>
+          </a:xfrm>
+        </p:spPr>
+        <p:txBody>
+          <a:bodyPr anchor="b">
+            <a:normAutofit/>
+          </a:bodyPr>
+          <a:lstStyle>
+            <a:lvl1pPr algn="l">
+              <a:defRPr sz="2000" b="0"/>
+            </a:lvl1pPr>
+          </a:lstStyle>
+          <a:p>
+            <a:r>
+              <a:rPr lang="en-US" dirty="0"/>
+              <a:t>Click to edit Master title style</a:t>
+            </a:r>
+          </a:p>
+        </p:txBody>
+      </p:sp>
+      <p:sp>
+        <p:nvSpPr>
+          <p:cNvPr id="3" name="Picture Placeholder 2"/>
+          <p:cNvSpPr>
+            <a:spLocks noGrp="1" noChangeAspect="1"/>
+          </p:cNvSpPr>
+          <p:nvPr>
+            <p:ph type="pic" idx="1"/>
+          </p:nvPr>
+        </p:nvSpPr>
+        <p:spPr>
+          <a:xfrm>
+            <a:off x="914401" y="932112"/>
+            <a:ext cx="6858000" cy="3164976"/>
+          </a:xfrm>
+          <a:prstGeom prst="roundRect">
+            <a:avLst>
+              <a:gd name="adj" fmla="val 4380"/>
+            </a:avLst>
+          </a:prstGeom>
+          <a:ln w="50800" cap="sq" cmpd="dbl">
+            <a:gradFill flip="none" rotWithShape="1">
+              <a:gsLst>
+                <a:gs pos="0">
+                  <a:srgbClr val="FFFFFF"/>
+                </a:gs>
+                <a:gs pos="100000">
+                  <a:schemeClr val="tx1">
+                    <a:alpha val="0"/>
+                  </a:schemeClr>
+                </a:gs>
+              </a:gsLst>
+              <a:path path="circle">
+                <a:fillToRect l="50000" t="50000" r="50000" b="50000"/>
+              </a:path>
+              <a:tileRect/>
+            </a:gradFill>
+            <a:miter lim="800000"/>
+          </a:ln>
+          <a:effectLst>
+            <a:outerShdw blurRad="254000" algn="tl" rotWithShape="0">
+              <a:srgbClr val="000000">
+                <a:alpha val="43000"/>
+              </a:srgbClr>
+            </a:outerShdw>
+          </a:effectLst>
+        </p:spPr>
+        <p:txBody>
+          <a:bodyPr vert="horz" lIns="91440" tIns="45720" rIns="91440" bIns="45720" rtlCol="0" anchor="t">
+            <a:normAutofit/>
+          </a:bodyPr>
+          <a:lstStyle>
+            <a:lvl1pPr>
+              <a:defRPr lang="en-US" sz="1600"/>
+            </a:lvl1pPr>
+          </a:lstStyle>
+          <a:p>
+            <a:pPr marL="0" lvl="0" indent="0" algn="ctr">
+              <a:buNone/>
+            </a:pPr>
+            <a:endParaRPr lang="en-US" dirty="0"/>
+          </a:p>
+        </p:txBody>
+      </p:sp>
+      <p:sp>
+        <p:nvSpPr>
+          <p:cNvPr id="4" name="Text Placeholder 3"/>
+          <p:cNvSpPr>
+            <a:spLocks noGrp="1"/>
+          </p:cNvSpPr>
+          <p:nvPr>
+            <p:ph type="body" sz="half" idx="2"/>
+          </p:nvPr>
+        </p:nvSpPr>
+        <p:spPr>
+          <a:xfrm>
+            <a:off x="457201" y="5299603"/>
+            <a:ext cx="7772400" cy="493712"/>
+          </a:xfrm>
+        </p:spPr>
+        <p:txBody>
+          <a:bodyPr>
+            <a:normAutofit/>
+          </a:bodyPr>
+          <a:lstStyle>
+            <a:lvl1pPr marL="0" indent="0">
+              <a:buNone/>
+              <a:defRPr sz="1400"/>
+            </a:lvl1pPr>
+            <a:lvl2pPr marL="457200" indent="0">
+              <a:buNone/>
+              <a:defRPr sz="1200"/>
+            </a:lvl2pPr>
+            <a:lvl3pPr marL="914400" indent="0">
+              <a:buNone/>
+              <a:defRPr sz="1000"/>
+            </a:lvl3pPr>
+            <a:lvl4pPr marL="1371600" indent="0">
+              <a:buNone/>
+              <a:defRPr sz="900"/>
+            </a:lvl4pPr>
+            <a:lvl5pPr marL="1828800" indent="0">
+              <a:buNone/>
+              <a:defRPr sz="900"/>
+            </a:lvl5pPr>
+            <a:lvl6pPr marL="2286000" indent="0">
+              <a:buNone/>
+              <a:defRPr sz="900"/>
+            </a:lvl6pPr>
+            <a:lvl7pPr marL="2743200" indent="0">
+              <a:buNone/>
+              <a:defRPr sz="900"/>
+            </a:lvl7pPr>
+            <a:lvl8pPr marL="3200400" indent="0">
+              <a:buNone/>
+              <a:defRPr sz="900"/>
+            </a:lvl8pPr>
+            <a:lvl9pPr marL="3657600" indent="0">
+              <a:buNone/>
+              <a:defRPr sz="900"/>
+            </a:lvl9pPr>
+          </a:lstStyle>
+          <a:p>
+            <a:pPr lvl="0"/>
+            <a:r>
+              <a:rPr lang="en-US" dirty="0"/>
+              <a:t>Click to edit Master text styles</a:t>
+            </a:r>
+          </a:p>
+        </p:txBody>
+      </p:sp>
+      <p:sp>
+        <p:nvSpPr>
+          <p:cNvPr id="5" name="Date Placeholder 4"/>
+          <p:cNvSpPr>
+            <a:spLocks noGrp="1"/>
+          </p:cNvSpPr>
+          <p:nvPr>
+            <p:ph type="dt" sz="half" idx="10"/>
+          </p:nvPr>
+        </p:nvSpPr>
+        <p:spPr/>
+        <p:txBody>
+          <a:bodyPr/>
+          <a:lstStyle/>
+          <a:p>
+            <a:fld id="{B61BEF0D-F0BB-DE4B-95CE-6DB70DBA9567}" type="datetimeFigureOut">
+              <a:rPr lang="en-US" dirty="0"/>
+              <a:pPr/>
+              <a:t>12/13/2025</a:t>
+            </a:fld>
+            <a:endParaRPr lang="en-US" dirty="0"/>
+          </a:p>
+        </p:txBody>
+      </p:sp>
+      <p:sp>
+        <p:nvSpPr>
+          <p:cNvPr id="6" name="Footer Placeholder 5"/>
+          <p:cNvSpPr>
+            <a:spLocks noGrp="1"/>
+          </p:cNvSpPr>
+          <p:nvPr>
+            <p:ph type="ftr" sz="quarter" idx="11"/>
+          </p:nvPr>
+        </p:nvSpPr>
+        <p:spPr/>
+        <p:txBody>
+          <a:bodyPr/>
+          <a:lstStyle/>
+          <a:p>
+            <a:endParaRPr lang="en-US" dirty="0"/>
+          </a:p>
+        </p:txBody>
+      </p:sp>
+      <p:sp>
+        <p:nvSpPr>
+          <p:cNvPr id="7" name="Slide Number Placeholder 6"/>
+          <p:cNvSpPr>
+            <a:spLocks noGrp="1"/>
+          </p:cNvSpPr>
+          <p:nvPr>
+            <p:ph type="sldNum" sz="quarter" idx="12"/>
+          </p:nvPr>
+        </p:nvSpPr>
+        <p:spPr/>
+        <p:txBody>
+          <a:bodyPr/>
+          <a:lstStyle/>
+          <a:p>
+            <a:fld id="{D57F1E4F-1CFF-5643-939E-217C01CDF565}" type="slidenum">
+              <a:rPr lang="en-US" dirty="0"/>
+              <a:pPr/>
+              <a:t>‹#›</a:t>
+            </a:fld>
+            <a:endParaRPr lang="en-US" dirty="0"/>
+          </a:p>
+        </p:txBody>
+      </p:sp>
+    </p:spTree>
+    <p:extLst>
+      <p:ext uri="{BB962C8B-B14F-4D97-AF65-F5344CB8AC3E}">
+        <p14:creationId xmlns:p14="http://schemas.microsoft.com/office/powerpoint/2010/main" val="2513664861"/>
+      </p:ext>
+    </p:extLst>
+  </p:cSld>
+  <p:clrMapOvr>
+    <a:masterClrMapping/>
+  </p:clrMapOvr>
+</p:sldLayout>
+</file>
+
+<file path=ppt/slideLayouts/slideLayout11.xml><?xml version="1.0" encoding="utf-8"?>
+<p:sldLayout xmlns:a="http://schemas.openxmlformats.org/drawingml/2006/main" xmlns:r="http://schemas.openxmlformats.org/officeDocument/2006/relationships" xmlns:p="http://schemas.openxmlformats.org/presentationml/2006/main" preserve="1">
+  <p:cSld name="Title and Caption">
+    <p:spTree>
+      <p:nvGrpSpPr>
+        <p:cNvPr id="1" name=""/>
+        <p:cNvGrpSpPr/>
+        <p:nvPr/>
+      </p:nvGrpSpPr>
+      <p:grpSpPr>
+        <a:xfrm>
+          <a:off x="0" y="0"/>
+          <a:ext cx="0" cy="0"/>
+          <a:chOff x="0" y="0"/>
+          <a:chExt cx="0" cy="0"/>
+        </a:xfrm>
+      </p:grpSpPr>
+      <p:pic>
+        <p:nvPicPr>
+          <p:cNvPr id="7" name="Picture 6" descr="Celestia-R1---OverlayContentSD.png"/>
+          <p:cNvPicPr>
+            <a:picLocks noChangeAspect="1"/>
+          </p:cNvPicPr>
+          <p:nvPr/>
+        </p:nvPicPr>
+        <p:blipFill>
+          <a:blip r:embed="rId2">
+            <a:extLst>
+              <a:ext uri="{28A0092B-C50C-407E-A947-70E740481C1C}">
+                <a14:useLocalDpi xmlns:a14="http://schemas.microsoft.com/office/drawing/2010/main" val="0"/>
+              </a:ext>
+            </a:extLst>
+          </a:blip>
+          <a:stretch>
+            <a:fillRect/>
+          </a:stretch>
+        </p:blipFill>
+        <p:spPr>
+          <a:xfrm>
+            <a:off x="13956" y="0"/>
+            <a:ext cx="9118600" cy="6858000"/>
+          </a:xfrm>
+          <a:prstGeom prst="rect">
+            <a:avLst/>
+          </a:prstGeom>
+        </p:spPr>
+      </p:pic>
+      <p:sp>
+        <p:nvSpPr>
+          <p:cNvPr id="2" name="Title 1"/>
+          <p:cNvSpPr>
+            <a:spLocks noGrp="1"/>
+          </p:cNvSpPr>
+          <p:nvPr>
+            <p:ph type="title"/>
+          </p:nvPr>
+        </p:nvSpPr>
+        <p:spPr>
+          <a:xfrm>
+            <a:off x="457203" y="609602"/>
+            <a:ext cx="7772399" cy="3124199"/>
+          </a:xfrm>
+        </p:spPr>
+        <p:txBody>
+          <a:bodyPr anchor="ctr">
+            <a:normAutofit/>
+          </a:bodyPr>
+          <a:lstStyle>
+            <a:lvl1pPr algn="l">
+              <a:defRPr sz="3200" b="0" cap="none"/>
+            </a:lvl1pPr>
+          </a:lstStyle>
+          <a:p>
+            <a:r>
+              <a:rPr lang="en-US" dirty="0"/>
+              <a:t>Click to edit Master title style</a:t>
+            </a:r>
+          </a:p>
+        </p:txBody>
+      </p:sp>
+      <p:sp>
+        <p:nvSpPr>
+          <p:cNvPr id="3" name="Text Placeholder 2"/>
+          <p:cNvSpPr>
+            <a:spLocks noGrp="1"/>
+          </p:cNvSpPr>
+          <p:nvPr>
+            <p:ph type="body" idx="1"/>
+          </p:nvPr>
+        </p:nvSpPr>
+        <p:spPr>
+          <a:xfrm>
+            <a:off x="457202" y="4343400"/>
+            <a:ext cx="7772399" cy="1447800"/>
+          </a:xfrm>
+        </p:spPr>
+        <p:txBody>
+          <a:bodyPr anchor="ctr">
+            <a:normAutofit/>
+          </a:bodyPr>
+          <a:lstStyle>
+            <a:lvl1pPr marL="0" indent="0" algn="l">
+              <a:buNone/>
+              <a:defRPr sz="2000">
+                <a:solidFill>
+                  <a:schemeClr val="tx1"/>
+                </a:solidFill>
+              </a:defRPr>
+            </a:lvl1pPr>
+            <a:lvl2pPr marL="457200" indent="0">
+              <a:buNone/>
+              <a:defRPr sz="1800">
+                <a:solidFill>
+                  <a:schemeClr val="tx1">
+                    <a:tint val="75000"/>
+                  </a:schemeClr>
+                </a:solidFill>
+              </a:defRPr>
+            </a:lvl2pPr>
+            <a:lvl3pPr marL="914400" indent="0">
+              <a:buNone/>
+              <a:defRPr sz="1600">
+                <a:solidFill>
+                  <a:schemeClr val="tx1">
+                    <a:tint val="75000"/>
+                  </a:schemeClr>
+                </a:solidFill>
+              </a:defRPr>
+            </a:lvl3pPr>
+            <a:lvl4pPr marL="1371600" indent="0">
+              <a:buNone/>
+              <a:defRPr sz="1400">
+                <a:solidFill>
+                  <a:schemeClr val="tx1">
+                    <a:tint val="75000"/>
+                  </a:schemeClr>
+                </a:solidFill>
+              </a:defRPr>
+            </a:lvl4pPr>
+            <a:lvl5pPr marL="1828800" indent="0">
+              <a:buNone/>
+              <a:defRPr sz="1400">
+                <a:solidFill>
+                  <a:schemeClr val="tx1">
+                    <a:tint val="75000"/>
+                  </a:schemeClr>
+                </a:solidFill>
+              </a:defRPr>
+            </a:lvl5pPr>
+            <a:lvl6pPr marL="2286000" indent="0">
+              <a:buNone/>
+              <a:defRPr sz="1400">
+                <a:solidFill>
+                  <a:schemeClr val="tx1">
+                    <a:tint val="75000"/>
+                  </a:schemeClr>
+                </a:solidFill>
+              </a:defRPr>
+            </a:lvl6pPr>
+            <a:lvl7pPr marL="2743200" indent="0">
+              <a:buNone/>
+              <a:defRPr sz="1400">
+                <a:solidFill>
+                  <a:schemeClr val="tx1">
+                    <a:tint val="75000"/>
+                  </a:schemeClr>
+                </a:solidFill>
+              </a:defRPr>
+            </a:lvl7pPr>
+            <a:lvl8pPr marL="3200400" indent="0">
+              <a:buNone/>
+              <a:defRPr sz="1400">
+                <a:solidFill>
+                  <a:schemeClr val="tx1">
+                    <a:tint val="75000"/>
+                  </a:schemeClr>
+                </a:solidFill>
+              </a:defRPr>
+            </a:lvl8pPr>
+            <a:lvl9pPr marL="3657600" indent="0">
+              <a:buNone/>
+              <a:defRPr sz="1400">
+                <a:solidFill>
+                  <a:schemeClr val="tx1">
+                    <a:tint val="75000"/>
+                  </a:schemeClr>
+                </a:solidFill>
+              </a:defRPr>
+            </a:lvl9pPr>
+          </a:lstStyle>
+          <a:p>
+            <a:pPr lvl="0"/>
+            <a:r>
+              <a:rPr lang="en-US" dirty="0"/>
+              <a:t>Click to edit Master text styles</a:t>
+            </a:r>
+          </a:p>
+        </p:txBody>
+      </p:sp>
+      <p:sp>
+        <p:nvSpPr>
+          <p:cNvPr id="4" name="Date Placeholder 3"/>
+          <p:cNvSpPr>
+            <a:spLocks noGrp="1"/>
+          </p:cNvSpPr>
+          <p:nvPr>
+            <p:ph type="dt" sz="half" idx="10"/>
+          </p:nvPr>
+        </p:nvSpPr>
+        <p:spPr/>
+        <p:txBody>
+          <a:bodyPr/>
+          <a:lstStyle/>
+          <a:p>
+            <a:fld id="{B61BEF0D-F0BB-DE4B-95CE-6DB70DBA9567}" type="datetimeFigureOut">
+              <a:rPr lang="en-US" dirty="0"/>
+              <a:pPr/>
+              <a:t>12/13/2025</a:t>
+            </a:fld>
+            <a:endParaRPr lang="en-US" dirty="0"/>
+          </a:p>
+        </p:txBody>
+      </p:sp>
+      <p:sp>
+        <p:nvSpPr>
+          <p:cNvPr id="5" name="Footer Placeholder 4"/>
+          <p:cNvSpPr>
+            <a:spLocks noGrp="1"/>
+          </p:cNvSpPr>
+          <p:nvPr>
+            <p:ph type="ftr" sz="quarter" idx="11"/>
+          </p:nvPr>
+        </p:nvSpPr>
+        <p:spPr/>
+        <p:txBody>
+          <a:bodyPr/>
+          <a:lstStyle/>
+          <a:p>
+            <a:endParaRPr lang="en-US" dirty="0"/>
+          </a:p>
+        </p:txBody>
+      </p:sp>
+      <p:sp>
+        <p:nvSpPr>
+          <p:cNvPr id="6" name="Slide Number Placeholder 5"/>
+          <p:cNvSpPr>
+            <a:spLocks noGrp="1"/>
+          </p:cNvSpPr>
+          <p:nvPr>
+            <p:ph type="sldNum" sz="quarter" idx="12"/>
+          </p:nvPr>
+        </p:nvSpPr>
+        <p:spPr/>
+        <p:txBody>
+          <a:bodyPr/>
+          <a:lstStyle/>
+          <a:p>
+            <a:fld id="{D57F1E4F-1CFF-5643-939E-217C01CDF565}" type="slidenum">
+              <a:rPr lang="en-US" dirty="0"/>
+              <a:pPr/>
+              <a:t>‹#›</a:t>
+            </a:fld>
+            <a:endParaRPr lang="en-US" dirty="0"/>
+          </a:p>
+        </p:txBody>
+      </p:sp>
+    </p:spTree>
+    <p:extLst>
+      <p:ext uri="{BB962C8B-B14F-4D97-AF65-F5344CB8AC3E}">
+        <p14:creationId xmlns:p14="http://schemas.microsoft.com/office/powerpoint/2010/main" val="3964336031"/>
+      </p:ext>
+    </p:extLst>
+  </p:cSld>
+  <p:clrMapOvr>
+    <a:masterClrMapping/>
+  </p:clrMapOvr>
+</p:sldLayout>
+</file>
+
+<file path=ppt/slideLayouts/slideLayout12.xml><?xml version="1.0" encoding="utf-8"?>
+<p:sldLayout xmlns:a="http://schemas.openxmlformats.org/drawingml/2006/main" xmlns:r="http://schemas.openxmlformats.org/officeDocument/2006/relationships" xmlns:p="http://schemas.openxmlformats.org/presentationml/2006/main" preserve="1">
+  <p:cSld name="Quote with Caption">
+    <p:spTree>
+      <p:nvGrpSpPr>
+        <p:cNvPr id="1" name=""/>
+        <p:cNvGrpSpPr/>
+        <p:nvPr/>
+      </p:nvGrpSpPr>
+      <p:grpSpPr>
+        <a:xfrm>
+          <a:off x="0" y="0"/>
+          <a:ext cx="0" cy="0"/>
+          <a:chOff x="0" y="0"/>
+          <a:chExt cx="0" cy="0"/>
+        </a:xfrm>
+      </p:grpSpPr>
+      <p:pic>
+        <p:nvPicPr>
+          <p:cNvPr id="17" name="Picture 16" descr="Celestia-R1---OverlayContentSD.png"/>
+          <p:cNvPicPr>
+            <a:picLocks noChangeAspect="1"/>
+          </p:cNvPicPr>
+          <p:nvPr/>
+        </p:nvPicPr>
+        <p:blipFill>
+          <a:blip r:embed="rId2">
+            <a:extLst>
+              <a:ext uri="{28A0092B-C50C-407E-A947-70E740481C1C}">
+                <a14:useLocalDpi xmlns:a14="http://schemas.microsoft.com/office/drawing/2010/main" val="0"/>
+              </a:ext>
+            </a:extLst>
+          </a:blip>
+          <a:stretch>
+            <a:fillRect/>
+          </a:stretch>
+        </p:blipFill>
+        <p:spPr>
+          <a:xfrm>
+            <a:off x="13956" y="0"/>
+            <a:ext cx="9118600" cy="6858000"/>
+          </a:xfrm>
+          <a:prstGeom prst="rect">
+            <a:avLst/>
+          </a:prstGeom>
+        </p:spPr>
+      </p:pic>
+      <p:sp>
+        <p:nvSpPr>
+          <p:cNvPr id="14" name="TextBox 13"/>
+          <p:cNvSpPr txBox="1"/>
+          <p:nvPr/>
+        </p:nvSpPr>
+        <p:spPr>
+          <a:xfrm>
+            <a:off x="421796" y="718114"/>
+            <a:ext cx="457319" cy="584776"/>
+          </a:xfrm>
+          <a:prstGeom prst="rect">
+            <a:avLst/>
+          </a:prstGeom>
+        </p:spPr>
+        <p:txBody>
+          <a:bodyPr vert="horz" lIns="91440" tIns="45720" rIns="91440" bIns="45720" rtlCol="0" anchor="ctr">
+            <a:noAutofit/>
+          </a:bodyPr>
+          <a:lstStyle>
+            <a:lvl1pPr>
+              <a:spcBef>
+                <a:spcPct val="0"/>
+              </a:spcBef>
+              <a:buNone/>
+              <a:defRPr sz="3200" b="0" cap="all">
+                <a:ln w="3175" cmpd="sng">
+                  <a:noFill/>
+                </a:ln>
+                <a:effectLst>
+                  <a:glow rad="38100">
+                    <a:schemeClr val="bg1">
+                      <a:lumMod val="65000"/>
+                      <a:lumOff val="35000"/>
+                      <a:alpha val="40000"/>
+                    </a:schemeClr>
+                  </a:glow>
+                  <a:outerShdw blurRad="28575" dist="38100" dir="14040000" algn="tl" rotWithShape="0">
+                    <a:srgbClr val="000000">
+                      <a:alpha val="25000"/>
+                    </a:srgbClr>
+                  </a:outerShdw>
+                </a:effectLst>
+              </a:defRPr>
+            </a:lvl1pPr>
+            <a:lvl2pPr>
+              <a:defRPr>
+                <a:solidFill>
+                  <a:schemeClr val="tx2"/>
+                </a:solidFill>
+              </a:defRPr>
+            </a:lvl2pPr>
+            <a:lvl3pPr>
+              <a:defRPr>
+                <a:solidFill>
+                  <a:schemeClr val="tx2"/>
+                </a:solidFill>
+              </a:defRPr>
+            </a:lvl3pPr>
+            <a:lvl4pPr>
+              <a:defRPr>
+                <a:solidFill>
+                  <a:schemeClr val="tx2"/>
+                </a:solidFill>
+              </a:defRPr>
+            </a:lvl4pPr>
+            <a:lvl5pPr>
+              <a:defRPr>
+                <a:solidFill>
+                  <a:schemeClr val="tx2"/>
+                </a:solidFill>
+              </a:defRPr>
+            </a:lvl5pPr>
+            <a:lvl6pPr>
+              <a:defRPr>
+                <a:solidFill>
+                  <a:schemeClr val="tx2"/>
+                </a:solidFill>
+              </a:defRPr>
+            </a:lvl6pPr>
+            <a:lvl7pPr>
+              <a:defRPr>
+                <a:solidFill>
+                  <a:schemeClr val="tx2"/>
+                </a:solidFill>
+              </a:defRPr>
+            </a:lvl7pPr>
+            <a:lvl8pPr>
+              <a:defRPr>
+                <a:solidFill>
+                  <a:schemeClr val="tx2"/>
+                </a:solidFill>
+              </a:defRPr>
+            </a:lvl8pPr>
+            <a:lvl9pPr>
+              <a:defRPr>
+                <a:solidFill>
+                  <a:schemeClr val="tx2"/>
+                </a:solidFill>
+              </a:defRPr>
+            </a:lvl9pPr>
+          </a:lstStyle>
+          <a:p>
+            <a:pPr lvl="0"/>
+            <a:r>
+              <a:rPr lang="en-US" sz="8000" dirty="0">
+                <a:solidFill>
+                  <a:schemeClr val="tx1"/>
+                </a:solidFill>
+                <a:effectLst/>
+              </a:rPr>
+              <a:t>“</a:t>
+            </a:r>
+          </a:p>
+        </p:txBody>
+      </p:sp>
+      <p:sp>
+        <p:nvSpPr>
+          <p:cNvPr id="15" name="TextBox 14"/>
+          <p:cNvSpPr txBox="1"/>
+          <p:nvPr/>
+        </p:nvSpPr>
+        <p:spPr>
+          <a:xfrm>
+            <a:off x="7735800" y="2751671"/>
+            <a:ext cx="457319" cy="584776"/>
+          </a:xfrm>
+          <a:prstGeom prst="rect">
+            <a:avLst/>
+          </a:prstGeom>
+        </p:spPr>
+        <p:txBody>
+          <a:bodyPr vert="horz" lIns="91440" tIns="45720" rIns="91440" bIns="45720" rtlCol="0" anchor="ctr">
+            <a:noAutofit/>
+          </a:bodyPr>
+          <a:lstStyle>
+            <a:lvl1pPr>
+              <a:spcBef>
+                <a:spcPct val="0"/>
+              </a:spcBef>
+              <a:buNone/>
+              <a:defRPr sz="3200" b="0" cap="all">
+                <a:ln w="3175" cmpd="sng">
+                  <a:noFill/>
+                </a:ln>
+                <a:effectLst>
+                  <a:glow rad="38100">
+                    <a:schemeClr val="bg1">
+                      <a:lumMod val="65000"/>
+                      <a:lumOff val="35000"/>
+                      <a:alpha val="40000"/>
+                    </a:schemeClr>
+                  </a:glow>
+                  <a:outerShdw blurRad="28575" dist="38100" dir="14040000" algn="tl" rotWithShape="0">
+                    <a:srgbClr val="000000">
+                      <a:alpha val="25000"/>
+                    </a:srgbClr>
+                  </a:outerShdw>
+                </a:effectLst>
+              </a:defRPr>
+            </a:lvl1pPr>
+            <a:lvl2pPr>
+              <a:defRPr>
+                <a:solidFill>
+                  <a:schemeClr val="tx2"/>
+                </a:solidFill>
+              </a:defRPr>
+            </a:lvl2pPr>
+            <a:lvl3pPr>
+              <a:defRPr>
+                <a:solidFill>
+                  <a:schemeClr val="tx2"/>
+                </a:solidFill>
+              </a:defRPr>
+            </a:lvl3pPr>
+            <a:lvl4pPr>
+              <a:defRPr>
+                <a:solidFill>
+                  <a:schemeClr val="tx2"/>
+                </a:solidFill>
+              </a:defRPr>
+            </a:lvl4pPr>
+            <a:lvl5pPr>
+              <a:defRPr>
+                <a:solidFill>
+                  <a:schemeClr val="tx2"/>
+                </a:solidFill>
+              </a:defRPr>
+            </a:lvl5pPr>
+            <a:lvl6pPr>
+              <a:defRPr>
+                <a:solidFill>
+                  <a:schemeClr val="tx2"/>
+                </a:solidFill>
+              </a:defRPr>
+            </a:lvl6pPr>
+            <a:lvl7pPr>
+              <a:defRPr>
+                <a:solidFill>
+                  <a:schemeClr val="tx2"/>
+                </a:solidFill>
+              </a:defRPr>
+            </a:lvl7pPr>
+            <a:lvl8pPr>
+              <a:defRPr>
+                <a:solidFill>
+                  <a:schemeClr val="tx2"/>
+                </a:solidFill>
+              </a:defRPr>
+            </a:lvl8pPr>
+            <a:lvl9pPr>
+              <a:defRPr>
+                <a:solidFill>
+                  <a:schemeClr val="tx2"/>
+                </a:solidFill>
+              </a:defRPr>
+            </a:lvl9pPr>
+          </a:lstStyle>
+          <a:p>
+            <a:pPr lvl="0" algn="r"/>
+            <a:r>
+              <a:rPr lang="en-US" sz="8000" dirty="0">
+                <a:solidFill>
+                  <a:schemeClr val="tx1"/>
+                </a:solidFill>
+                <a:effectLst/>
+              </a:rPr>
+              <a:t>”</a:t>
+            </a:r>
+          </a:p>
+        </p:txBody>
+      </p:sp>
+      <p:sp>
+        <p:nvSpPr>
+          <p:cNvPr id="2" name="Title 1"/>
+          <p:cNvSpPr>
+            <a:spLocks noGrp="1"/>
+          </p:cNvSpPr>
+          <p:nvPr>
+            <p:ph type="title"/>
+          </p:nvPr>
+        </p:nvSpPr>
+        <p:spPr>
+          <a:xfrm>
+            <a:off x="879115" y="609602"/>
+            <a:ext cx="7091297" cy="2743199"/>
+          </a:xfrm>
+        </p:spPr>
+        <p:txBody>
+          <a:bodyPr anchor="ctr">
+            <a:normAutofit/>
+          </a:bodyPr>
+          <a:lstStyle>
+            <a:lvl1pPr algn="l">
+              <a:defRPr sz="3200" b="0" cap="none">
+                <a:solidFill>
+                  <a:schemeClr val="tx1"/>
+                </a:solidFill>
+              </a:defRPr>
+            </a:lvl1pPr>
+          </a:lstStyle>
+          <a:p>
+            <a:r>
+              <a:rPr lang="en-US" dirty="0"/>
+              <a:t>Click to edit Master title style</a:t>
+            </a:r>
+          </a:p>
+        </p:txBody>
+      </p:sp>
+      <p:sp>
+        <p:nvSpPr>
+          <p:cNvPr id="10" name="Text Placeholder 9"/>
+          <p:cNvSpPr>
+            <a:spLocks noGrp="1"/>
+          </p:cNvSpPr>
+          <p:nvPr>
+            <p:ph type="body" sz="quarter" idx="13"/>
+          </p:nvPr>
+        </p:nvSpPr>
+        <p:spPr>
+          <a:xfrm>
+            <a:off x="988671" y="3352800"/>
+            <a:ext cx="6876133" cy="381000"/>
+          </a:xfrm>
+        </p:spPr>
+        <p:txBody>
+          <a:bodyPr anchor="ctr">
+            <a:normAutofit/>
+          </a:bodyPr>
+          <a:lstStyle>
+            <a:lvl1pPr marL="0" indent="0">
+              <a:buFontTx/>
+              <a:buNone/>
+              <a:defRPr sz="1600"/>
+            </a:lvl1pPr>
+            <a:lvl2pPr marL="457200" indent="0">
+              <a:buFontTx/>
+              <a:buNone/>
+              <a:defRPr/>
+            </a:lvl2pPr>
+            <a:lvl3pPr marL="914400" indent="0">
+              <a:buFontTx/>
+              <a:buNone/>
+              <a:defRPr/>
+            </a:lvl3pPr>
+            <a:lvl4pPr marL="1371600" indent="0">
+              <a:buFontTx/>
+              <a:buNone/>
+              <a:defRPr/>
+            </a:lvl4pPr>
+            <a:lvl5pPr marL="1828800" indent="0">
+              <a:buFontTx/>
+              <a:buNone/>
+              <a:defRPr/>
+            </a:lvl5pPr>
+          </a:lstStyle>
+          <a:p>
+            <a:pPr lvl="0"/>
+            <a:r>
+              <a:rPr lang="en-US" dirty="0"/>
+              <a:t>Click to edit Master text styles</a:t>
+            </a:r>
+          </a:p>
+        </p:txBody>
+      </p:sp>
+      <p:sp>
+        <p:nvSpPr>
+          <p:cNvPr id="3" name="Text Placeholder 2"/>
+          <p:cNvSpPr>
+            <a:spLocks noGrp="1"/>
+          </p:cNvSpPr>
+          <p:nvPr>
+            <p:ph type="body" idx="1"/>
+          </p:nvPr>
+        </p:nvSpPr>
+        <p:spPr>
+          <a:xfrm>
+            <a:off x="462266" y="4343400"/>
+            <a:ext cx="7772400" cy="1447800"/>
+          </a:xfrm>
+        </p:spPr>
+        <p:txBody>
+          <a:bodyPr anchor="ctr">
+            <a:normAutofit/>
+          </a:bodyPr>
+          <a:lstStyle>
+            <a:lvl1pPr marL="0" indent="0" algn="l">
+              <a:buNone/>
+              <a:defRPr sz="2000">
+                <a:solidFill>
+                  <a:schemeClr val="tx1"/>
+                </a:solidFill>
+              </a:defRPr>
+            </a:lvl1pPr>
+            <a:lvl2pPr marL="457200" indent="0">
+              <a:buNone/>
+              <a:defRPr sz="1800">
+                <a:solidFill>
+                  <a:schemeClr val="tx1">
+                    <a:tint val="75000"/>
+                  </a:schemeClr>
+                </a:solidFill>
+              </a:defRPr>
+            </a:lvl2pPr>
+            <a:lvl3pPr marL="914400" indent="0">
+              <a:buNone/>
+              <a:defRPr sz="1600">
+                <a:solidFill>
+                  <a:schemeClr val="tx1">
+                    <a:tint val="75000"/>
+                  </a:schemeClr>
+                </a:solidFill>
+              </a:defRPr>
+            </a:lvl3pPr>
+            <a:lvl4pPr marL="1371600" indent="0">
+              <a:buNone/>
+              <a:defRPr sz="1400">
+                <a:solidFill>
+                  <a:schemeClr val="tx1">
+                    <a:tint val="75000"/>
+                  </a:schemeClr>
+                </a:solidFill>
+              </a:defRPr>
+            </a:lvl4pPr>
+            <a:lvl5pPr marL="1828800" indent="0">
+              <a:buNone/>
+              <a:defRPr sz="1400">
+                <a:solidFill>
+                  <a:schemeClr val="tx1">
+                    <a:tint val="75000"/>
+                  </a:schemeClr>
+                </a:solidFill>
+              </a:defRPr>
+            </a:lvl5pPr>
+            <a:lvl6pPr marL="2286000" indent="0">
+              <a:buNone/>
+              <a:defRPr sz="1400">
+                <a:solidFill>
+                  <a:schemeClr val="tx1">
+                    <a:tint val="75000"/>
+                  </a:schemeClr>
+                </a:solidFill>
+              </a:defRPr>
+            </a:lvl6pPr>
+            <a:lvl7pPr marL="2743200" indent="0">
+              <a:buNone/>
+              <a:defRPr sz="1400">
+                <a:solidFill>
+                  <a:schemeClr val="tx1">
+                    <a:tint val="75000"/>
+                  </a:schemeClr>
+                </a:solidFill>
+              </a:defRPr>
+            </a:lvl7pPr>
+            <a:lvl8pPr marL="3200400" indent="0">
+              <a:buNone/>
+              <a:defRPr sz="1400">
+                <a:solidFill>
+                  <a:schemeClr val="tx1">
+                    <a:tint val="75000"/>
+                  </a:schemeClr>
+                </a:solidFill>
+              </a:defRPr>
+            </a:lvl8pPr>
+            <a:lvl9pPr marL="3657600" indent="0">
+              <a:buNone/>
+              <a:defRPr sz="1400">
+                <a:solidFill>
+                  <a:schemeClr val="tx1">
+                    <a:tint val="75000"/>
+                  </a:schemeClr>
+                </a:solidFill>
+              </a:defRPr>
+            </a:lvl9pPr>
+          </a:lstStyle>
+          <a:p>
+            <a:pPr lvl="0"/>
+            <a:r>
+              <a:rPr lang="en-US" dirty="0"/>
+              <a:t>Click to edit Master text styles</a:t>
+            </a:r>
+          </a:p>
+        </p:txBody>
+      </p:sp>
+      <p:sp>
+        <p:nvSpPr>
+          <p:cNvPr id="4" name="Date Placeholder 3"/>
+          <p:cNvSpPr>
+            <a:spLocks noGrp="1"/>
+          </p:cNvSpPr>
+          <p:nvPr>
+            <p:ph type="dt" sz="half" idx="10"/>
+          </p:nvPr>
+        </p:nvSpPr>
+        <p:spPr/>
+        <p:txBody>
+          <a:bodyPr/>
+          <a:lstStyle/>
+          <a:p>
+            <a:fld id="{B61BEF0D-F0BB-DE4B-95CE-6DB70DBA9567}" type="datetimeFigureOut">
+              <a:rPr lang="en-US" dirty="0"/>
+              <a:pPr/>
+              <a:t>12/13/2025</a:t>
+            </a:fld>
+            <a:endParaRPr lang="en-US" dirty="0"/>
+          </a:p>
+        </p:txBody>
+      </p:sp>
+      <p:sp>
+        <p:nvSpPr>
+          <p:cNvPr id="5" name="Footer Placeholder 4"/>
+          <p:cNvSpPr>
+            <a:spLocks noGrp="1"/>
+          </p:cNvSpPr>
+          <p:nvPr>
+            <p:ph type="ftr" sz="quarter" idx="11"/>
+          </p:nvPr>
+        </p:nvSpPr>
+        <p:spPr/>
+        <p:txBody>
+          <a:bodyPr/>
+          <a:lstStyle/>
+          <a:p>
+            <a:endParaRPr lang="en-US" dirty="0"/>
+          </a:p>
+        </p:txBody>
+      </p:sp>
+      <p:sp>
+        <p:nvSpPr>
+          <p:cNvPr id="6" name="Slide Number Placeholder 5"/>
+          <p:cNvSpPr>
+            <a:spLocks noGrp="1"/>
+          </p:cNvSpPr>
+          <p:nvPr>
+            <p:ph type="sldNum" sz="quarter" idx="12"/>
+          </p:nvPr>
+        </p:nvSpPr>
+        <p:spPr/>
+        <p:txBody>
+          <a:bodyPr/>
+          <a:lstStyle/>
+          <a:p>
+            <a:fld id="{D57F1E4F-1CFF-5643-939E-217C01CDF565}" type="slidenum">
+              <a:rPr lang="en-US" dirty="0"/>
+              <a:pPr/>
+              <a:t>‹#›</a:t>
+            </a:fld>
+            <a:endParaRPr lang="en-US" dirty="0"/>
+          </a:p>
+        </p:txBody>
+      </p:sp>
+    </p:spTree>
+    <p:extLst>
+      <p:ext uri="{BB962C8B-B14F-4D97-AF65-F5344CB8AC3E}">
+        <p14:creationId xmlns:p14="http://schemas.microsoft.com/office/powerpoint/2010/main" val="1858571107"/>
+      </p:ext>
+    </p:extLst>
+  </p:cSld>
+  <p:clrMapOvr>
+    <a:masterClrMapping/>
+  </p:clrMapOvr>
+</p:sldLayout>
+</file>
+
+<file path=ppt/slideLayouts/slideLayout13.xml><?xml version="1.0" encoding="utf-8"?>
+<p:sldLayout xmlns:a="http://schemas.openxmlformats.org/drawingml/2006/main" xmlns:r="http://schemas.openxmlformats.org/officeDocument/2006/relationships" xmlns:p="http://schemas.openxmlformats.org/presentationml/2006/main" preserve="1">
+  <p:cSld name="Name Card">
+    <p:spTree>
+      <p:nvGrpSpPr>
+        <p:cNvPr id="1" name=""/>
+        <p:cNvGrpSpPr/>
+        <p:nvPr/>
+      </p:nvGrpSpPr>
+      <p:grpSpPr>
+        <a:xfrm>
+          <a:off x="0" y="0"/>
+          <a:ext cx="0" cy="0"/>
+          <a:chOff x="0" y="0"/>
+          <a:chExt cx="0" cy="0"/>
+        </a:xfrm>
+      </p:grpSpPr>
+      <p:pic>
+        <p:nvPicPr>
+          <p:cNvPr id="7" name="Picture 6" descr="Celestia-R1---OverlayContentSD.png"/>
+          <p:cNvPicPr>
+            <a:picLocks noChangeAspect="1"/>
+          </p:cNvPicPr>
+          <p:nvPr/>
+        </p:nvPicPr>
+        <p:blipFill>
+          <a:blip r:embed="rId2">
+            <a:extLst>
+              <a:ext uri="{28A0092B-C50C-407E-A947-70E740481C1C}">
+                <a14:useLocalDpi xmlns:a14="http://schemas.microsoft.com/office/drawing/2010/main" val="0"/>
+              </a:ext>
+            </a:extLst>
+          </a:blip>
+          <a:stretch>
+            <a:fillRect/>
+          </a:stretch>
+        </p:blipFill>
+        <p:spPr>
+          <a:xfrm>
+            <a:off x="13956" y="0"/>
+            <a:ext cx="9118600" cy="6858000"/>
+          </a:xfrm>
+          <a:prstGeom prst="rect">
+            <a:avLst/>
+          </a:prstGeom>
+        </p:spPr>
+      </p:pic>
+      <p:sp>
+        <p:nvSpPr>
+          <p:cNvPr id="2" name="Title 1"/>
+          <p:cNvSpPr>
+            <a:spLocks noGrp="1"/>
+          </p:cNvSpPr>
+          <p:nvPr>
+            <p:ph type="title"/>
+          </p:nvPr>
+        </p:nvSpPr>
+        <p:spPr>
+          <a:xfrm>
+            <a:off x="457201" y="3291648"/>
+            <a:ext cx="7772401" cy="1468800"/>
+          </a:xfrm>
+        </p:spPr>
+        <p:txBody>
+          <a:bodyPr anchor="b">
+            <a:normAutofit/>
+          </a:bodyPr>
+          <a:lstStyle>
+            <a:lvl1pPr algn="l">
+              <a:defRPr sz="2800" b="0" cap="none"/>
+            </a:lvl1pPr>
+          </a:lstStyle>
+          <a:p>
+            <a:r>
+              <a:rPr lang="en-US" dirty="0"/>
+              <a:t>Click to edit Master title style</a:t>
+            </a:r>
+          </a:p>
+        </p:txBody>
+      </p:sp>
+      <p:sp>
+        <p:nvSpPr>
+          <p:cNvPr id="3" name="Text Placeholder 2"/>
+          <p:cNvSpPr>
+            <a:spLocks noGrp="1"/>
+          </p:cNvSpPr>
+          <p:nvPr>
+            <p:ph type="body" idx="1"/>
+          </p:nvPr>
+        </p:nvSpPr>
+        <p:spPr>
+          <a:xfrm>
+            <a:off x="457200" y="4760448"/>
+            <a:ext cx="7772402" cy="860400"/>
+          </a:xfrm>
+        </p:spPr>
+        <p:txBody>
+          <a:bodyPr anchor="t">
+            <a:normAutofit/>
+          </a:bodyPr>
+          <a:lstStyle>
+            <a:lvl1pPr marL="0" indent="0" algn="l">
+              <a:buNone/>
+              <a:defRPr sz="1800">
+                <a:solidFill>
+                  <a:schemeClr val="tx1"/>
+                </a:solidFill>
+              </a:defRPr>
+            </a:lvl1pPr>
+            <a:lvl2pPr marL="457200" indent="0">
+              <a:buNone/>
+              <a:defRPr sz="1800">
+                <a:solidFill>
+                  <a:schemeClr val="tx1">
+                    <a:tint val="75000"/>
+                  </a:schemeClr>
+                </a:solidFill>
+              </a:defRPr>
+            </a:lvl2pPr>
+            <a:lvl3pPr marL="914400" indent="0">
+              <a:buNone/>
+              <a:defRPr sz="1600">
+                <a:solidFill>
+                  <a:schemeClr val="tx1">
+                    <a:tint val="75000"/>
+                  </a:schemeClr>
+                </a:solidFill>
+              </a:defRPr>
+            </a:lvl3pPr>
+            <a:lvl4pPr marL="1371600" indent="0">
+              <a:buNone/>
+              <a:defRPr sz="1400">
+                <a:solidFill>
+                  <a:schemeClr val="tx1">
+                    <a:tint val="75000"/>
+                  </a:schemeClr>
+                </a:solidFill>
+              </a:defRPr>
+            </a:lvl4pPr>
+            <a:lvl5pPr marL="1828800" indent="0">
+              <a:buNone/>
+              <a:defRPr sz="1400">
+                <a:solidFill>
+                  <a:schemeClr val="tx1">
+                    <a:tint val="75000"/>
+                  </a:schemeClr>
+                </a:solidFill>
+              </a:defRPr>
+            </a:lvl5pPr>
+            <a:lvl6pPr marL="2286000" indent="0">
+              <a:buNone/>
+              <a:defRPr sz="1400">
+                <a:solidFill>
+                  <a:schemeClr val="tx1">
+                    <a:tint val="75000"/>
+                  </a:schemeClr>
+                </a:solidFill>
+              </a:defRPr>
+            </a:lvl6pPr>
+            <a:lvl7pPr marL="2743200" indent="0">
+              <a:buNone/>
+              <a:defRPr sz="1400">
+                <a:solidFill>
+                  <a:schemeClr val="tx1">
+                    <a:tint val="75000"/>
+                  </a:schemeClr>
+                </a:solidFill>
+              </a:defRPr>
+            </a:lvl7pPr>
+            <a:lvl8pPr marL="3200400" indent="0">
+              <a:buNone/>
+              <a:defRPr sz="1400">
+                <a:solidFill>
+                  <a:schemeClr val="tx1">
+                    <a:tint val="75000"/>
+                  </a:schemeClr>
+                </a:solidFill>
+              </a:defRPr>
+            </a:lvl8pPr>
+            <a:lvl9pPr marL="3657600" indent="0">
+              <a:buNone/>
+              <a:defRPr sz="1400">
+                <a:solidFill>
+                  <a:schemeClr val="tx1">
+                    <a:tint val="75000"/>
+                  </a:schemeClr>
+                </a:solidFill>
+              </a:defRPr>
+            </a:lvl9pPr>
+          </a:lstStyle>
+          <a:p>
+            <a:pPr lvl="0"/>
+            <a:r>
+              <a:rPr lang="en-US" dirty="0"/>
+              <a:t>Click to edit Master text styles</a:t>
+            </a:r>
+          </a:p>
+        </p:txBody>
+      </p:sp>
+      <p:sp>
+        <p:nvSpPr>
+          <p:cNvPr id="4" name="Date Placeholder 3"/>
+          <p:cNvSpPr>
+            <a:spLocks noGrp="1"/>
+          </p:cNvSpPr>
+          <p:nvPr>
+            <p:ph type="dt" sz="half" idx="10"/>
+          </p:nvPr>
+        </p:nvSpPr>
+        <p:spPr/>
+        <p:txBody>
+          <a:bodyPr/>
+          <a:lstStyle/>
+          <a:p>
+            <a:fld id="{B61BEF0D-F0BB-DE4B-95CE-6DB70DBA9567}" type="datetimeFigureOut">
+              <a:rPr lang="en-US" dirty="0"/>
+              <a:pPr/>
+              <a:t>12/13/2025</a:t>
+            </a:fld>
+            <a:endParaRPr lang="en-US" dirty="0"/>
+          </a:p>
+        </p:txBody>
+      </p:sp>
+      <p:sp>
+        <p:nvSpPr>
+          <p:cNvPr id="5" name="Footer Placeholder 4"/>
+          <p:cNvSpPr>
+            <a:spLocks noGrp="1"/>
+          </p:cNvSpPr>
+          <p:nvPr>
+            <p:ph type="ftr" sz="quarter" idx="11"/>
+          </p:nvPr>
+        </p:nvSpPr>
+        <p:spPr/>
+        <p:txBody>
+          <a:bodyPr/>
+          <a:lstStyle/>
+          <a:p>
+            <a:endParaRPr lang="en-US" dirty="0"/>
+          </a:p>
+        </p:txBody>
+      </p:sp>
+      <p:sp>
+        <p:nvSpPr>
+          <p:cNvPr id="6" name="Slide Number Placeholder 5"/>
+          <p:cNvSpPr>
+            <a:spLocks noGrp="1"/>
+          </p:cNvSpPr>
+          <p:nvPr>
+            <p:ph type="sldNum" sz="quarter" idx="12"/>
+          </p:nvPr>
+        </p:nvSpPr>
+        <p:spPr/>
+        <p:txBody>
+          <a:bodyPr/>
+          <a:lstStyle/>
+          <a:p>
+            <a:fld id="{D57F1E4F-1CFF-5643-939E-217C01CDF565}" type="slidenum">
+              <a:rPr lang="en-US" dirty="0"/>
+              <a:pPr/>
+              <a:t>‹#›</a:t>
+            </a:fld>
+            <a:endParaRPr lang="en-US" dirty="0"/>
+          </a:p>
+        </p:txBody>
+      </p:sp>
+    </p:spTree>
+    <p:extLst>
+      <p:ext uri="{BB962C8B-B14F-4D97-AF65-F5344CB8AC3E}">
+        <p14:creationId xmlns:p14="http://schemas.microsoft.com/office/powerpoint/2010/main" val="2307629171"/>
+      </p:ext>
+    </p:extLst>
+  </p:cSld>
+  <p:clrMapOvr>
+    <a:masterClrMapping/>
+  </p:clrMapOvr>
+</p:sldLayout>
+</file>
+
+<file path=ppt/slideLayouts/slideLayout14.xml><?xml version="1.0" encoding="utf-8"?>
+<p:sldLayout xmlns:a="http://schemas.openxmlformats.org/drawingml/2006/main" xmlns:r="http://schemas.openxmlformats.org/officeDocument/2006/relationships" xmlns:p="http://schemas.openxmlformats.org/presentationml/2006/main" preserve="1">
+  <p:cSld name="Quote Name Card">
+    <p:spTree>
+      <p:nvGrpSpPr>
+        <p:cNvPr id="1" name=""/>
+        <p:cNvGrpSpPr/>
+        <p:nvPr/>
+      </p:nvGrpSpPr>
+      <p:grpSpPr>
+        <a:xfrm>
+          <a:off x="0" y="0"/>
+          <a:ext cx="0" cy="0"/>
+          <a:chOff x="0" y="0"/>
+          <a:chExt cx="0" cy="0"/>
+        </a:xfrm>
+      </p:grpSpPr>
+      <p:pic>
+        <p:nvPicPr>
+          <p:cNvPr id="13" name="Picture 12" descr="Celestia-R1---OverlayContentSD.png"/>
+          <p:cNvPicPr>
+            <a:picLocks noChangeAspect="1"/>
+          </p:cNvPicPr>
+          <p:nvPr/>
+        </p:nvPicPr>
+        <p:blipFill>
+          <a:blip r:embed="rId2">
+            <a:extLst>
+              <a:ext uri="{28A0092B-C50C-407E-A947-70E740481C1C}">
+                <a14:useLocalDpi xmlns:a14="http://schemas.microsoft.com/office/drawing/2010/main" val="0"/>
+              </a:ext>
+            </a:extLst>
+          </a:blip>
+          <a:stretch>
+            <a:fillRect/>
+          </a:stretch>
+        </p:blipFill>
+        <p:spPr>
+          <a:xfrm>
+            <a:off x="13956" y="0"/>
+            <a:ext cx="9118600" cy="6858000"/>
+          </a:xfrm>
+          <a:prstGeom prst="rect">
+            <a:avLst/>
+          </a:prstGeom>
+        </p:spPr>
+      </p:pic>
+      <p:sp>
+        <p:nvSpPr>
+          <p:cNvPr id="11" name="TextBox 10"/>
+          <p:cNvSpPr txBox="1"/>
+          <p:nvPr/>
+        </p:nvSpPr>
+        <p:spPr>
+          <a:xfrm>
+            <a:off x="421796" y="718114"/>
+            <a:ext cx="457319" cy="584776"/>
+          </a:xfrm>
+          <a:prstGeom prst="rect">
+            <a:avLst/>
+          </a:prstGeom>
+        </p:spPr>
+        <p:txBody>
+          <a:bodyPr vert="horz" lIns="91440" tIns="45720" rIns="91440" bIns="45720" rtlCol="0" anchor="ctr">
+            <a:noAutofit/>
+          </a:bodyPr>
+          <a:lstStyle>
+            <a:lvl1pPr>
+              <a:spcBef>
+                <a:spcPct val="0"/>
+              </a:spcBef>
+              <a:buNone/>
+              <a:defRPr sz="3200" b="0" cap="all">
+                <a:ln w="3175" cmpd="sng">
+                  <a:noFill/>
+                </a:ln>
+                <a:effectLst>
+                  <a:glow rad="38100">
+                    <a:schemeClr val="bg1">
+                      <a:lumMod val="65000"/>
+                      <a:lumOff val="35000"/>
+                      <a:alpha val="40000"/>
+                    </a:schemeClr>
+                  </a:glow>
+                  <a:outerShdw blurRad="28575" dist="38100" dir="14040000" algn="tl" rotWithShape="0">
+                    <a:srgbClr val="000000">
+                      <a:alpha val="25000"/>
+                    </a:srgbClr>
+                  </a:outerShdw>
+                </a:effectLst>
+              </a:defRPr>
+            </a:lvl1pPr>
+            <a:lvl2pPr>
+              <a:defRPr>
+                <a:solidFill>
+                  <a:schemeClr val="tx2"/>
+                </a:solidFill>
+              </a:defRPr>
+            </a:lvl2pPr>
+            <a:lvl3pPr>
+              <a:defRPr>
+                <a:solidFill>
+                  <a:schemeClr val="tx2"/>
+                </a:solidFill>
+              </a:defRPr>
+            </a:lvl3pPr>
+            <a:lvl4pPr>
+              <a:defRPr>
+                <a:solidFill>
+                  <a:schemeClr val="tx2"/>
+                </a:solidFill>
+              </a:defRPr>
+            </a:lvl4pPr>
+            <a:lvl5pPr>
+              <a:defRPr>
+                <a:solidFill>
+                  <a:schemeClr val="tx2"/>
+                </a:solidFill>
+              </a:defRPr>
+            </a:lvl5pPr>
+            <a:lvl6pPr>
+              <a:defRPr>
+                <a:solidFill>
+                  <a:schemeClr val="tx2"/>
+                </a:solidFill>
+              </a:defRPr>
+            </a:lvl6pPr>
+            <a:lvl7pPr>
+              <a:defRPr>
+                <a:solidFill>
+                  <a:schemeClr val="tx2"/>
+                </a:solidFill>
+              </a:defRPr>
+            </a:lvl7pPr>
+            <a:lvl8pPr>
+              <a:defRPr>
+                <a:solidFill>
+                  <a:schemeClr val="tx2"/>
+                </a:solidFill>
+              </a:defRPr>
+            </a:lvl8pPr>
+            <a:lvl9pPr>
+              <a:defRPr>
+                <a:solidFill>
+                  <a:schemeClr val="tx2"/>
+                </a:solidFill>
+              </a:defRPr>
+            </a:lvl9pPr>
+          </a:lstStyle>
+          <a:p>
+            <a:pPr lvl="0"/>
+            <a:r>
+              <a:rPr lang="en-US" sz="8000" dirty="0">
+                <a:solidFill>
+                  <a:schemeClr val="tx1"/>
+                </a:solidFill>
+                <a:effectLst/>
+              </a:rPr>
+              <a:t>“</a:t>
+            </a:r>
+          </a:p>
+        </p:txBody>
+      </p:sp>
+      <p:sp>
+        <p:nvSpPr>
+          <p:cNvPr id="16" name="TextBox 15"/>
+          <p:cNvSpPr txBox="1"/>
+          <p:nvPr/>
+        </p:nvSpPr>
+        <p:spPr>
+          <a:xfrm>
+            <a:off x="7735800" y="2751671"/>
+            <a:ext cx="457319" cy="584776"/>
+          </a:xfrm>
+          <a:prstGeom prst="rect">
+            <a:avLst/>
+          </a:prstGeom>
+        </p:spPr>
+        <p:txBody>
+          <a:bodyPr vert="horz" lIns="91440" tIns="45720" rIns="91440" bIns="45720" rtlCol="0" anchor="ctr">
+            <a:noAutofit/>
+          </a:bodyPr>
+          <a:lstStyle>
+            <a:lvl1pPr>
+              <a:spcBef>
+                <a:spcPct val="0"/>
+              </a:spcBef>
+              <a:buNone/>
+              <a:defRPr sz="3200" b="0" cap="all">
+                <a:ln w="3175" cmpd="sng">
+                  <a:noFill/>
+                </a:ln>
+                <a:effectLst>
+                  <a:glow rad="38100">
+                    <a:schemeClr val="bg1">
+                      <a:lumMod val="65000"/>
+                      <a:lumOff val="35000"/>
+                      <a:alpha val="40000"/>
+                    </a:schemeClr>
+                  </a:glow>
+                  <a:outerShdw blurRad="28575" dist="38100" dir="14040000" algn="tl" rotWithShape="0">
+                    <a:srgbClr val="000000">
+                      <a:alpha val="25000"/>
+                    </a:srgbClr>
+                  </a:outerShdw>
+                </a:effectLst>
+              </a:defRPr>
+            </a:lvl1pPr>
+            <a:lvl2pPr>
+              <a:defRPr>
+                <a:solidFill>
+                  <a:schemeClr val="tx2"/>
+                </a:solidFill>
+              </a:defRPr>
+            </a:lvl2pPr>
+            <a:lvl3pPr>
+              <a:defRPr>
+                <a:solidFill>
+                  <a:schemeClr val="tx2"/>
+                </a:solidFill>
+              </a:defRPr>
+            </a:lvl3pPr>
+            <a:lvl4pPr>
+              <a:defRPr>
+                <a:solidFill>
+                  <a:schemeClr val="tx2"/>
+                </a:solidFill>
+              </a:defRPr>
+            </a:lvl4pPr>
+            <a:lvl5pPr>
+              <a:defRPr>
+                <a:solidFill>
+                  <a:schemeClr val="tx2"/>
+                </a:solidFill>
+              </a:defRPr>
+            </a:lvl5pPr>
+            <a:lvl6pPr>
+              <a:defRPr>
+                <a:solidFill>
+                  <a:schemeClr val="tx2"/>
+                </a:solidFill>
+              </a:defRPr>
+            </a:lvl6pPr>
+            <a:lvl7pPr>
+              <a:defRPr>
+                <a:solidFill>
+                  <a:schemeClr val="tx2"/>
+                </a:solidFill>
+              </a:defRPr>
+            </a:lvl7pPr>
+            <a:lvl8pPr>
+              <a:defRPr>
+                <a:solidFill>
+                  <a:schemeClr val="tx2"/>
+                </a:solidFill>
+              </a:defRPr>
+            </a:lvl8pPr>
+            <a:lvl9pPr>
+              <a:defRPr>
+                <a:solidFill>
+                  <a:schemeClr val="tx2"/>
+                </a:solidFill>
+              </a:defRPr>
+            </a:lvl9pPr>
+          </a:lstStyle>
+          <a:p>
+            <a:pPr lvl="0" algn="r"/>
+            <a:r>
+              <a:rPr lang="en-US" sz="8000" dirty="0">
+                <a:solidFill>
+                  <a:schemeClr val="tx1"/>
+                </a:solidFill>
+                <a:effectLst/>
+              </a:rPr>
+              <a:t>”</a:t>
+            </a:r>
+          </a:p>
+        </p:txBody>
+      </p:sp>
+      <p:sp>
+        <p:nvSpPr>
+          <p:cNvPr id="2" name="Title 1"/>
+          <p:cNvSpPr>
+            <a:spLocks noGrp="1"/>
+          </p:cNvSpPr>
+          <p:nvPr>
+            <p:ph type="title"/>
+          </p:nvPr>
+        </p:nvSpPr>
+        <p:spPr>
+          <a:xfrm>
+            <a:off x="879115" y="609602"/>
+            <a:ext cx="7091297" cy="2743199"/>
+          </a:xfrm>
+        </p:spPr>
+        <p:txBody>
+          <a:bodyPr anchor="ctr">
+            <a:normAutofit/>
+          </a:bodyPr>
+          <a:lstStyle>
+            <a:lvl1pPr algn="l">
+              <a:defRPr sz="3200" b="0" cap="none">
+                <a:solidFill>
+                  <a:schemeClr val="tx1"/>
+                </a:solidFill>
+              </a:defRPr>
+            </a:lvl1pPr>
+          </a:lstStyle>
+          <a:p>
+            <a:r>
+              <a:rPr lang="en-US" dirty="0"/>
+              <a:t>Click to edit Master title style</a:t>
+            </a:r>
+          </a:p>
+        </p:txBody>
+      </p:sp>
+      <p:sp>
+        <p:nvSpPr>
+          <p:cNvPr id="10" name="Text Placeholder 9"/>
+          <p:cNvSpPr>
+            <a:spLocks noGrp="1"/>
+          </p:cNvSpPr>
+          <p:nvPr>
+            <p:ph type="body" sz="quarter" idx="13"/>
+          </p:nvPr>
+        </p:nvSpPr>
+        <p:spPr>
+          <a:xfrm>
+            <a:off x="457200" y="3886200"/>
+            <a:ext cx="7772401" cy="889000"/>
+          </a:xfrm>
+        </p:spPr>
+        <p:txBody>
+          <a:bodyPr vert="horz" lIns="91440" tIns="45720" rIns="91440" bIns="45720" rtlCol="0" anchor="b">
+            <a:normAutofit/>
+          </a:bodyPr>
+          <a:lstStyle>
+            <a:lvl1pPr>
+              <a:buNone/>
+              <a:defRPr lang="en-US" sz="2000" b="0" cap="none" dirty="0">
+                <a:ln w="3175" cmpd="sng">
+                  <a:noFill/>
+                </a:ln>
+                <a:solidFill>
+                  <a:schemeClr val="tx1"/>
+                </a:solidFill>
+                <a:effectLst/>
+              </a:defRPr>
+            </a:lvl1pPr>
+          </a:lstStyle>
+          <a:p>
+            <a:pPr marL="0" lvl="0">
+              <a:spcBef>
+                <a:spcPct val="0"/>
+              </a:spcBef>
+              <a:buNone/>
+            </a:pPr>
+            <a:r>
+              <a:rPr lang="en-US" dirty="0"/>
+              <a:t>Click to edit Master text styles</a:t>
+            </a:r>
+          </a:p>
+        </p:txBody>
+      </p:sp>
+      <p:sp>
+        <p:nvSpPr>
+          <p:cNvPr id="3" name="Text Placeholder 2"/>
+          <p:cNvSpPr>
+            <a:spLocks noGrp="1"/>
+          </p:cNvSpPr>
+          <p:nvPr>
+            <p:ph type="body" idx="1"/>
+          </p:nvPr>
+        </p:nvSpPr>
+        <p:spPr>
+          <a:xfrm>
+            <a:off x="457200" y="4775200"/>
+            <a:ext cx="7772401" cy="1016000"/>
+          </a:xfrm>
+        </p:spPr>
+        <p:txBody>
+          <a:bodyPr anchor="t">
+            <a:normAutofit/>
+          </a:bodyPr>
+          <a:lstStyle>
+            <a:lvl1pPr marL="0" indent="0" algn="l">
+              <a:buNone/>
+              <a:defRPr sz="1600">
+                <a:solidFill>
+                  <a:schemeClr val="tx1"/>
+                </a:solidFill>
+              </a:defRPr>
+            </a:lvl1pPr>
+            <a:lvl2pPr marL="457200" indent="0">
+              <a:buNone/>
+              <a:defRPr sz="1600">
+                <a:solidFill>
+                  <a:schemeClr val="tx1">
+                    <a:tint val="75000"/>
+                  </a:schemeClr>
+                </a:solidFill>
+              </a:defRPr>
+            </a:lvl2pPr>
+            <a:lvl3pPr marL="914400" indent="0">
+              <a:buNone/>
+              <a:defRPr sz="1600">
+                <a:solidFill>
+                  <a:schemeClr val="tx1">
+                    <a:tint val="75000"/>
+                  </a:schemeClr>
+                </a:solidFill>
+              </a:defRPr>
+            </a:lvl3pPr>
+            <a:lvl4pPr marL="1371600" indent="0">
+              <a:buNone/>
+              <a:defRPr sz="1400">
+                <a:solidFill>
+                  <a:schemeClr val="tx1">
+                    <a:tint val="75000"/>
+                  </a:schemeClr>
+                </a:solidFill>
+              </a:defRPr>
+            </a:lvl4pPr>
+            <a:lvl5pPr marL="1828800" indent="0">
+              <a:buNone/>
+              <a:defRPr sz="1400">
+                <a:solidFill>
+                  <a:schemeClr val="tx1">
+                    <a:tint val="75000"/>
+                  </a:schemeClr>
+                </a:solidFill>
+              </a:defRPr>
+            </a:lvl5pPr>
+            <a:lvl6pPr marL="2286000" indent="0">
+              <a:buNone/>
+              <a:defRPr sz="1400">
+                <a:solidFill>
+                  <a:schemeClr val="tx1">
+                    <a:tint val="75000"/>
+                  </a:schemeClr>
+                </a:solidFill>
+              </a:defRPr>
+            </a:lvl6pPr>
+            <a:lvl7pPr marL="2743200" indent="0">
+              <a:buNone/>
+              <a:defRPr sz="1400">
+                <a:solidFill>
+                  <a:schemeClr val="tx1">
+                    <a:tint val="75000"/>
+                  </a:schemeClr>
+                </a:solidFill>
+              </a:defRPr>
+            </a:lvl7pPr>
+            <a:lvl8pPr marL="3200400" indent="0">
+              <a:buNone/>
+              <a:defRPr sz="1400">
+                <a:solidFill>
+                  <a:schemeClr val="tx1">
+                    <a:tint val="75000"/>
+                  </a:schemeClr>
+                </a:solidFill>
+              </a:defRPr>
+            </a:lvl8pPr>
+            <a:lvl9pPr marL="3657600" indent="0">
+              <a:buNone/>
+              <a:defRPr sz="1400">
+                <a:solidFill>
+                  <a:schemeClr val="tx1">
+                    <a:tint val="75000"/>
+                  </a:schemeClr>
+                </a:solidFill>
+              </a:defRPr>
+            </a:lvl9pPr>
+          </a:lstStyle>
+          <a:p>
+            <a:pPr lvl="0"/>
+            <a:r>
+              <a:rPr lang="en-US" dirty="0"/>
+              <a:t>Click to edit Master text styles</a:t>
+            </a:r>
+          </a:p>
+        </p:txBody>
+      </p:sp>
+      <p:sp>
+        <p:nvSpPr>
+          <p:cNvPr id="4" name="Date Placeholder 3"/>
+          <p:cNvSpPr>
+            <a:spLocks noGrp="1"/>
+          </p:cNvSpPr>
+          <p:nvPr>
+            <p:ph type="dt" sz="half" idx="10"/>
+          </p:nvPr>
+        </p:nvSpPr>
+        <p:spPr/>
+        <p:txBody>
+          <a:bodyPr/>
+          <a:lstStyle/>
+          <a:p>
+            <a:fld id="{B61BEF0D-F0BB-DE4B-95CE-6DB70DBA9567}" type="datetimeFigureOut">
+              <a:rPr lang="en-US" dirty="0"/>
+              <a:pPr/>
+              <a:t>12/13/2025</a:t>
+            </a:fld>
+            <a:endParaRPr lang="en-US" dirty="0"/>
+          </a:p>
+        </p:txBody>
+      </p:sp>
+      <p:sp>
+        <p:nvSpPr>
+          <p:cNvPr id="5" name="Footer Placeholder 4"/>
+          <p:cNvSpPr>
+            <a:spLocks noGrp="1"/>
+          </p:cNvSpPr>
+          <p:nvPr>
+            <p:ph type="ftr" sz="quarter" idx="11"/>
+          </p:nvPr>
+        </p:nvSpPr>
+        <p:spPr/>
+        <p:txBody>
+          <a:bodyPr/>
+          <a:lstStyle/>
+          <a:p>
+            <a:endParaRPr lang="en-US" dirty="0"/>
+          </a:p>
+        </p:txBody>
+      </p:sp>
+      <p:sp>
+        <p:nvSpPr>
+          <p:cNvPr id="6" name="Slide Number Placeholder 5"/>
+          <p:cNvSpPr>
+            <a:spLocks noGrp="1"/>
+          </p:cNvSpPr>
+          <p:nvPr>
+            <p:ph type="sldNum" sz="quarter" idx="12"/>
+          </p:nvPr>
+        </p:nvSpPr>
+        <p:spPr/>
+        <p:txBody>
+          <a:bodyPr/>
+          <a:lstStyle/>
+          <a:p>
+            <a:fld id="{D57F1E4F-1CFF-5643-939E-217C01CDF565}" type="slidenum">
+              <a:rPr lang="en-US" dirty="0"/>
+              <a:pPr/>
+              <a:t>‹#›</a:t>
+            </a:fld>
+            <a:endParaRPr lang="en-US" dirty="0"/>
+          </a:p>
+        </p:txBody>
+      </p:sp>
+    </p:spTree>
+    <p:extLst>
+      <p:ext uri="{BB962C8B-B14F-4D97-AF65-F5344CB8AC3E}">
+        <p14:creationId xmlns:p14="http://schemas.microsoft.com/office/powerpoint/2010/main" val="494274210"/>
+      </p:ext>
+    </p:extLst>
+  </p:cSld>
+  <p:clrMapOvr>
+    <a:masterClrMapping/>
+  </p:clrMapOvr>
+</p:sldLayout>
+</file>
+
+<file path=ppt/slideLayouts/slideLayout15.xml><?xml version="1.0" encoding="utf-8"?>
+<p:sldLayout xmlns:a="http://schemas.openxmlformats.org/drawingml/2006/main" xmlns:r="http://schemas.openxmlformats.org/officeDocument/2006/relationships" xmlns:p="http://schemas.openxmlformats.org/presentationml/2006/main" preserve="1">
+  <p:cSld name="True or False">
+    <p:spTree>
+      <p:nvGrpSpPr>
+        <p:cNvPr id="1" name=""/>
+        <p:cNvGrpSpPr/>
+        <p:nvPr/>
+      </p:nvGrpSpPr>
+      <p:grpSpPr>
+        <a:xfrm>
+          <a:off x="0" y="0"/>
+          <a:ext cx="0" cy="0"/>
+          <a:chOff x="0" y="0"/>
+          <a:chExt cx="0" cy="0"/>
+        </a:xfrm>
+      </p:grpSpPr>
+      <p:pic>
+        <p:nvPicPr>
+          <p:cNvPr id="8" name="Picture 7" descr="Celestia-R1---OverlayContentSD.png"/>
+          <p:cNvPicPr>
+            <a:picLocks noChangeAspect="1"/>
+          </p:cNvPicPr>
+          <p:nvPr/>
+        </p:nvPicPr>
+        <p:blipFill>
+          <a:blip r:embed="rId2">
+            <a:extLst>
+              <a:ext uri="{28A0092B-C50C-407E-A947-70E740481C1C}">
+                <a14:useLocalDpi xmlns:a14="http://schemas.microsoft.com/office/drawing/2010/main" val="0"/>
+              </a:ext>
+            </a:extLst>
+          </a:blip>
+          <a:stretch>
+            <a:fillRect/>
+          </a:stretch>
+        </p:blipFill>
+        <p:spPr>
+          <a:xfrm>
+            <a:off x="13956" y="0"/>
+            <a:ext cx="9118600" cy="6858000"/>
+          </a:xfrm>
+          <a:prstGeom prst="rect">
+            <a:avLst/>
+          </a:prstGeom>
+        </p:spPr>
+      </p:pic>
+      <p:sp>
+        <p:nvSpPr>
+          <p:cNvPr id="2" name="Title 1"/>
+          <p:cNvSpPr>
+            <a:spLocks noGrp="1"/>
+          </p:cNvSpPr>
+          <p:nvPr>
+            <p:ph type="title"/>
+          </p:nvPr>
+        </p:nvSpPr>
+        <p:spPr>
+          <a:xfrm>
+            <a:off x="464440" y="609602"/>
+            <a:ext cx="7772401" cy="2743199"/>
+          </a:xfrm>
+        </p:spPr>
+        <p:txBody>
+          <a:bodyPr vert="horz" lIns="91440" tIns="45720" rIns="91440" bIns="45720" rtlCol="0" anchor="ctr">
+            <a:normAutofit/>
+          </a:bodyPr>
+          <a:lstStyle>
+            <a:lvl1pPr>
+              <a:defRPr lang="en-US" sz="2800" b="0" dirty="0"/>
+            </a:lvl1pPr>
+          </a:lstStyle>
+          <a:p>
+            <a:pPr marL="0" lvl="0"/>
+            <a:r>
+              <a:rPr lang="en-US" dirty="0"/>
+              <a:t>Click to edit Master title style</a:t>
+            </a:r>
+          </a:p>
+        </p:txBody>
+      </p:sp>
+      <p:sp>
+        <p:nvSpPr>
+          <p:cNvPr id="10" name="Text Placeholder 9"/>
+          <p:cNvSpPr>
+            <a:spLocks noGrp="1"/>
+          </p:cNvSpPr>
+          <p:nvPr>
+            <p:ph type="body" sz="quarter" idx="13"/>
+          </p:nvPr>
+        </p:nvSpPr>
+        <p:spPr>
+          <a:xfrm>
+            <a:off x="464440" y="3505200"/>
+            <a:ext cx="7772401" cy="838200"/>
+          </a:xfrm>
+        </p:spPr>
+        <p:txBody>
+          <a:bodyPr vert="horz" lIns="91440" tIns="45720" rIns="91440" bIns="45720" rtlCol="0" anchor="b">
+            <a:normAutofit/>
+          </a:bodyPr>
+          <a:lstStyle>
+            <a:lvl1pPr>
+              <a:buNone/>
+              <a:defRPr lang="en-US" sz="2000" b="0" cap="none" dirty="0">
+                <a:ln w="3175" cmpd="sng">
+                  <a:noFill/>
+                </a:ln>
+                <a:solidFill>
+                  <a:schemeClr val="tx1"/>
+                </a:solidFill>
+                <a:effectLst/>
+              </a:defRPr>
+            </a:lvl1pPr>
+          </a:lstStyle>
+          <a:p>
+            <a:pPr marL="0" lvl="0">
+              <a:spcBef>
+                <a:spcPct val="0"/>
+              </a:spcBef>
+              <a:buNone/>
+            </a:pPr>
+            <a:r>
+              <a:rPr lang="en-US" dirty="0"/>
+              <a:t>Click to edit Master text styles</a:t>
+            </a:r>
+          </a:p>
+        </p:txBody>
+      </p:sp>
+      <p:sp>
+        <p:nvSpPr>
+          <p:cNvPr id="3" name="Text Placeholder 2"/>
+          <p:cNvSpPr>
+            <a:spLocks noGrp="1"/>
+          </p:cNvSpPr>
+          <p:nvPr>
+            <p:ph type="body" idx="1"/>
+          </p:nvPr>
+        </p:nvSpPr>
+        <p:spPr>
+          <a:xfrm>
+            <a:off x="464439" y="4343400"/>
+            <a:ext cx="7772401" cy="1447800"/>
+          </a:xfrm>
+        </p:spPr>
+        <p:txBody>
+          <a:bodyPr anchor="t">
+            <a:normAutofit/>
+          </a:bodyPr>
+          <a:lstStyle>
+            <a:lvl1pPr marL="0" indent="0" algn="l">
+              <a:buNone/>
+              <a:defRPr sz="1600">
+                <a:solidFill>
+                  <a:schemeClr val="tx1"/>
+                </a:solidFill>
+              </a:defRPr>
+            </a:lvl1pPr>
+            <a:lvl2pPr marL="457200" indent="0">
+              <a:buNone/>
+              <a:defRPr sz="1600">
+                <a:solidFill>
+                  <a:schemeClr val="tx1">
+                    <a:tint val="75000"/>
+                  </a:schemeClr>
+                </a:solidFill>
+              </a:defRPr>
+            </a:lvl2pPr>
+            <a:lvl3pPr marL="914400" indent="0">
+              <a:buNone/>
+              <a:defRPr sz="1600">
+                <a:solidFill>
+                  <a:schemeClr val="tx1">
+                    <a:tint val="75000"/>
+                  </a:schemeClr>
+                </a:solidFill>
+              </a:defRPr>
+            </a:lvl3pPr>
+            <a:lvl4pPr marL="1371600" indent="0">
+              <a:buNone/>
+              <a:defRPr sz="1400">
+                <a:solidFill>
+                  <a:schemeClr val="tx1">
+                    <a:tint val="75000"/>
+                  </a:schemeClr>
+                </a:solidFill>
+              </a:defRPr>
+            </a:lvl4pPr>
+            <a:lvl5pPr marL="1828800" indent="0">
+              <a:buNone/>
+              <a:defRPr sz="1400">
+                <a:solidFill>
+                  <a:schemeClr val="tx1">
+                    <a:tint val="75000"/>
+                  </a:schemeClr>
+                </a:solidFill>
+              </a:defRPr>
+            </a:lvl5pPr>
+            <a:lvl6pPr marL="2286000" indent="0">
+              <a:buNone/>
+              <a:defRPr sz="1400">
+                <a:solidFill>
+                  <a:schemeClr val="tx1">
+                    <a:tint val="75000"/>
+                  </a:schemeClr>
+                </a:solidFill>
+              </a:defRPr>
+            </a:lvl6pPr>
+            <a:lvl7pPr marL="2743200" indent="0">
+              <a:buNone/>
+              <a:defRPr sz="1400">
+                <a:solidFill>
+                  <a:schemeClr val="tx1">
+                    <a:tint val="75000"/>
+                  </a:schemeClr>
+                </a:solidFill>
+              </a:defRPr>
+            </a:lvl7pPr>
+            <a:lvl8pPr marL="3200400" indent="0">
+              <a:buNone/>
+              <a:defRPr sz="1400">
+                <a:solidFill>
+                  <a:schemeClr val="tx1">
+                    <a:tint val="75000"/>
+                  </a:schemeClr>
+                </a:solidFill>
+              </a:defRPr>
+            </a:lvl8pPr>
+            <a:lvl9pPr marL="3657600" indent="0">
+              <a:buNone/>
+              <a:defRPr sz="1400">
+                <a:solidFill>
+                  <a:schemeClr val="tx1">
+                    <a:tint val="75000"/>
+                  </a:schemeClr>
+                </a:solidFill>
+              </a:defRPr>
+            </a:lvl9pPr>
+          </a:lstStyle>
+          <a:p>
+            <a:pPr lvl="0"/>
+            <a:r>
+              <a:rPr lang="en-US" dirty="0"/>
+              <a:t>Click to edit Master text styles</a:t>
+            </a:r>
+          </a:p>
+        </p:txBody>
+      </p:sp>
+      <p:sp>
+        <p:nvSpPr>
+          <p:cNvPr id="4" name="Date Placeholder 3"/>
+          <p:cNvSpPr>
+            <a:spLocks noGrp="1"/>
+          </p:cNvSpPr>
+          <p:nvPr>
+            <p:ph type="dt" sz="half" idx="10"/>
+          </p:nvPr>
+        </p:nvSpPr>
+        <p:spPr/>
+        <p:txBody>
+          <a:bodyPr/>
+          <a:lstStyle/>
+          <a:p>
+            <a:fld id="{B61BEF0D-F0BB-DE4B-95CE-6DB70DBA9567}" type="datetimeFigureOut">
+              <a:rPr lang="en-US" dirty="0"/>
+              <a:pPr/>
+              <a:t>12/13/2025</a:t>
+            </a:fld>
+            <a:endParaRPr lang="en-US" dirty="0"/>
+          </a:p>
+        </p:txBody>
+      </p:sp>
+      <p:sp>
+        <p:nvSpPr>
+          <p:cNvPr id="5" name="Footer Placeholder 4"/>
+          <p:cNvSpPr>
+            <a:spLocks noGrp="1"/>
+          </p:cNvSpPr>
+          <p:nvPr>
+            <p:ph type="ftr" sz="quarter" idx="11"/>
+          </p:nvPr>
+        </p:nvSpPr>
+        <p:spPr/>
+        <p:txBody>
+          <a:bodyPr/>
+          <a:lstStyle/>
+          <a:p>
+            <a:endParaRPr lang="en-US" dirty="0"/>
+          </a:p>
+        </p:txBody>
+      </p:sp>
+      <p:sp>
+        <p:nvSpPr>
+          <p:cNvPr id="6" name="Slide Number Placeholder 5"/>
+          <p:cNvSpPr>
+            <a:spLocks noGrp="1"/>
+          </p:cNvSpPr>
+          <p:nvPr>
+            <p:ph type="sldNum" sz="quarter" idx="12"/>
+          </p:nvPr>
+        </p:nvSpPr>
+        <p:spPr/>
+        <p:txBody>
+          <a:bodyPr/>
+          <a:lstStyle/>
+          <a:p>
+            <a:fld id="{D57F1E4F-1CFF-5643-939E-217C01CDF565}" type="slidenum">
+              <a:rPr lang="en-US" dirty="0"/>
+              <a:pPr/>
+              <a:t>‹#›</a:t>
+            </a:fld>
+            <a:endParaRPr lang="en-US" dirty="0"/>
+          </a:p>
+        </p:txBody>
+      </p:sp>
+    </p:spTree>
+    <p:extLst>
+      <p:ext uri="{BB962C8B-B14F-4D97-AF65-F5344CB8AC3E}">
+        <p14:creationId xmlns:p14="http://schemas.microsoft.com/office/powerpoint/2010/main" val="589576882"/>
+      </p:ext>
+    </p:extLst>
+  </p:cSld>
+  <p:clrMapOvr>
+    <a:masterClrMapping/>
+  </p:clrMapOvr>
+</p:sldLayout>
+</file>
+
+<file path=ppt/slideLayouts/slideLayout16.xml><?xml version="1.0" encoding="utf-8"?>
 <p:sldLayout xmlns:a="http://schemas.openxmlformats.org/drawingml/2006/main" xmlns:r="http://schemas.openxmlformats.org/officeDocument/2006/relationships" xmlns:p="http://schemas.openxmlformats.org/presentationml/2006/main" type="vertTx" preserve="1">
   <p:cSld name="Title and Vertical Text">
     <p:spTree>
@@ -397,14 +2777,128 @@
           <a:chExt cx="0" cy="0"/>
         </a:xfrm>
       </p:grpSpPr>
-      <p:sp>
-        <p:nvSpPr>
-          <p:cNvPr id="2" name="Title 1"/>
+      <p:pic>
+        <p:nvPicPr>
+          <p:cNvPr id="7" name="Picture 6" descr="Celestia-R1---OverlayContentSD.png"/>
+          <p:cNvPicPr>
+            <a:picLocks noChangeAspect="1"/>
+          </p:cNvPicPr>
+          <p:nvPr/>
+        </p:nvPicPr>
+        <p:blipFill>
+          <a:blip r:embed="rId2">
+            <a:extLst>
+              <a:ext uri="{28A0092B-C50C-407E-A947-70E740481C1C}">
+                <a14:useLocalDpi xmlns:a14="http://schemas.microsoft.com/office/drawing/2010/main" val="0"/>
+              </a:ext>
+            </a:extLst>
+          </a:blip>
+          <a:stretch>
+            <a:fillRect/>
+          </a:stretch>
+        </p:blipFill>
+        <p:spPr>
+          <a:xfrm>
+            <a:off x="13956" y="0"/>
+            <a:ext cx="9118600" cy="6858000"/>
+          </a:xfrm>
+          <a:prstGeom prst="rect">
+            <a:avLst/>
+          </a:prstGeom>
+        </p:spPr>
+      </p:pic>
+      <p:sp>
+        <p:nvSpPr>
+          <p:cNvPr id="8" name="Title 1"/>
           <p:cNvSpPr>
             <a:spLocks noGrp="1"/>
           </p:cNvSpPr>
           <p:nvPr>
             <p:ph type="title"/>
+          </p:nvPr>
+        </p:nvSpPr>
+        <p:spPr>
+          <a:xfrm>
+            <a:off x="457200" y="609601"/>
+            <a:ext cx="7772400" cy="1456267"/>
+          </a:xfrm>
+        </p:spPr>
+        <p:txBody>
+          <a:bodyPr>
+            <a:normAutofit/>
+          </a:bodyPr>
+          <a:lstStyle>
+            <a:lvl1pPr>
+              <a:defRPr sz="2800"/>
+            </a:lvl1pPr>
+          </a:lstStyle>
+          <a:p>
+            <a:r>
+              <a:rPr lang="en-US" dirty="0"/>
+              <a:t>Click to edit Master title style</a:t>
+            </a:r>
+          </a:p>
+        </p:txBody>
+      </p:sp>
+      <p:sp>
+        <p:nvSpPr>
+          <p:cNvPr id="3" name="Vertical Text Placeholder 2"/>
+          <p:cNvSpPr>
+            <a:spLocks noGrp="1"/>
+          </p:cNvSpPr>
+          <p:nvPr>
+            <p:ph type="body" orient="vert" idx="1"/>
+          </p:nvPr>
+        </p:nvSpPr>
+        <p:spPr/>
+        <p:txBody>
+          <a:bodyPr vert="eaVert" anchor="t"/>
+          <a:lstStyle/>
+          <a:p>
+            <a:pPr lvl="0"/>
+            <a:r>
+              <a:rPr lang="en-US" dirty="0"/>
+              <a:t>Click to edit Master text styles</a:t>
+            </a:r>
+          </a:p>
+          <a:p>
+            <a:pPr lvl="1"/>
+            <a:r>
+              <a:rPr lang="en-US" dirty="0"/>
+              <a:t>Second level</a:t>
+            </a:r>
+          </a:p>
+          <a:p>
+            <a:pPr lvl="2"/>
+            <a:r>
+              <a:rPr lang="en-US" dirty="0"/>
+              <a:t>Third level</a:t>
+            </a:r>
+          </a:p>
+          <a:p>
+            <a:pPr lvl="3"/>
+            <a:r>
+              <a:rPr lang="en-US" dirty="0"/>
+              <a:t>Fourth level</a:t>
+            </a:r>
+          </a:p>
+          <a:p>
+            <a:pPr lvl="4"/>
+            <a:r>
+              <a:rPr lang="en-US" dirty="0"/>
+              <a:t>Fifth level</a:t>
+            </a:r>
+          </a:p>
+        </p:txBody>
+      </p:sp>
+      <p:sp>
+        <p:nvSpPr>
+          <p:cNvPr id="4" name="Date Placeholder 3"/>
+          <p:cNvSpPr>
+            <a:spLocks noGrp="1"/>
+          </p:cNvSpPr>
+          <p:nvPr>
+            <p:ph type="dt" sz="half" idx="10"/>
           </p:nvPr>
         </p:nvSpPr>
         <p:spPr/>
@@ -412,72 +2906,23 @@
           <a:bodyPr/>
           <a:lstStyle/>
           <a:p>
-            <a:r>
-              <a:rPr lang="en-US"/>
-              <a:t>Click to edit Master title style</a:t>
-            </a:r>
-          </a:p>
-        </p:txBody>
-      </p:sp>
-      <p:sp>
-        <p:nvSpPr>
-          <p:cNvPr id="3" name="Vertical Text Placeholder 2"/>
-          <p:cNvSpPr>
-            <a:spLocks noGrp="1"/>
-          </p:cNvSpPr>
-          <p:nvPr>
-            <p:ph type="body" orient="vert" idx="1"/>
-          </p:nvPr>
-        </p:nvSpPr>
-        <p:spPr/>
-        <p:txBody>
-          <a:bodyPr vert="eaVert"/>
-          <a:lstStyle/>
-          <a:p>
-            <a:pPr lvl="0"/>
-            <a:r>
-              <a:rPr lang="en-US"/>
-              <a:t>Click to edit Master text styles</a:t>
-            </a:r>
-          </a:p>
-          <a:p>
-            <a:pPr lvl="1"/>
-            <a:r>
-              <a:rPr lang="en-US"/>
-              <a:t>Second level</a:t>
-            </a:r>
-          </a:p>
-          <a:p>
-            <a:pPr lvl="2"/>
-            <a:r>
-              <a:rPr lang="en-US"/>
-              <a:t>Third level</a:t>
-            </a:r>
-          </a:p>
-          <a:p>
-            <a:pPr lvl="3"/>
-            <a:r>
-              <a:rPr lang="en-US"/>
-              <a:t>Fourth level</a:t>
-            </a:r>
-          </a:p>
-          <a:p>
-            <a:pPr lvl="4"/>
-            <a:r>
-              <a:rPr lang="en-US"/>
-              <a:t>Fifth level</a:t>
-            </a:r>
-          </a:p>
-        </p:txBody>
-      </p:sp>
-      <p:sp>
-        <p:nvSpPr>
-          <p:cNvPr id="4" name="Date Placeholder 3"/>
-          <p:cNvSpPr>
-            <a:spLocks noGrp="1"/>
-          </p:cNvSpPr>
-          <p:nvPr>
-            <p:ph type="dt" sz="half" idx="10"/>
+            <a:fld id="{B61BEF0D-F0BB-DE4B-95CE-6DB70DBA9567}" type="datetimeFigureOut">
+              <a:rPr lang="en-US" dirty="0"/>
+              <a:pPr/>
+              <a:t>12/13/2025</a:t>
+            </a:fld>
+            <a:endParaRPr lang="en-US" dirty="0"/>
+          </a:p>
+        </p:txBody>
+      </p:sp>
+      <p:sp>
+        <p:nvSpPr>
+          <p:cNvPr id="5" name="Footer Placeholder 4"/>
+          <p:cNvSpPr>
+            <a:spLocks noGrp="1"/>
+          </p:cNvSpPr>
+          <p:nvPr>
+            <p:ph type="ftr" sz="quarter" idx="11"/>
           </p:nvPr>
         </p:nvSpPr>
         <p:spPr/>
@@ -485,22 +2930,18 @@
           <a:bodyPr/>
           <a:lstStyle/>
           <a:p>
-            <a:fld id="{5BCAD085-E8A6-8845-BD4E-CB4CCA059FC4}" type="datetimeFigureOut">
-              <a:rPr lang="en-US" smtClean="0"/>
-              <a:t>12/11/2025</a:t>
-            </a:fld>
-            <a:endParaRPr lang="en-US"/>
-          </a:p>
-        </p:txBody>
-      </p:sp>
-      <p:sp>
-        <p:nvSpPr>
-          <p:cNvPr id="5" name="Footer Placeholder 4"/>
-          <p:cNvSpPr>
-            <a:spLocks noGrp="1"/>
-          </p:cNvSpPr>
-          <p:nvPr>
-            <p:ph type="ftr" sz="quarter" idx="11"/>
+            <a:endParaRPr lang="en-US" dirty="0"/>
+          </a:p>
+        </p:txBody>
+      </p:sp>
+      <p:sp>
+        <p:nvSpPr>
+          <p:cNvPr id="6" name="Slide Number Placeholder 5"/>
+          <p:cNvSpPr>
+            <a:spLocks noGrp="1"/>
+          </p:cNvSpPr>
+          <p:nvPr>
+            <p:ph type="sldNum" sz="quarter" idx="12"/>
           </p:nvPr>
         </p:nvSpPr>
         <p:spPr/>
@@ -508,37 +2949,19 @@
           <a:bodyPr/>
           <a:lstStyle/>
           <a:p>
-            <a:endParaRPr lang="en-US"/>
-          </a:p>
-        </p:txBody>
-      </p:sp>
-      <p:sp>
-        <p:nvSpPr>
-          <p:cNvPr id="6" name="Slide Number Placeholder 5"/>
-          <p:cNvSpPr>
-            <a:spLocks noGrp="1"/>
-          </p:cNvSpPr>
-          <p:nvPr>
-            <p:ph type="sldNum" sz="quarter" idx="12"/>
-          </p:nvPr>
-        </p:nvSpPr>
-        <p:spPr/>
-        <p:txBody>
-          <a:bodyPr/>
-          <a:lstStyle/>
-          <a:p>
-            <a:fld id="{C1FF6DA9-008F-8B48-92A6-B652298478BF}" type="slidenum">
-              <a:rPr lang="en-US" smtClean="0"/>
+            <a:fld id="{D57F1E4F-1CFF-5643-939E-217C01CDF565}" type="slidenum">
+              <a:rPr lang="en-US" dirty="0"/>
+              <a:pPr/>
               <a:t>‹#›</a:t>
             </a:fld>
-            <a:endParaRPr lang="en-US"/>
+            <a:endParaRPr lang="en-US" dirty="0"/>
           </a:p>
         </p:txBody>
       </p:sp>
     </p:spTree>
     <p:extLst>
       <p:ext uri="{BB962C8B-B14F-4D97-AF65-F5344CB8AC3E}">
-        <p14:creationId xmlns:p14="http://schemas.microsoft.com/office/powerpoint/2010/main" val="2910927964"/>
+        <p14:creationId xmlns:p14="http://schemas.microsoft.com/office/powerpoint/2010/main" val="3213890434"/>
       </p:ext>
     </p:extLst>
   </p:cSld>
@@ -548,7 +2971,7 @@
 </p:sldLayout>
 </file>
 
-<file path=ppt/slideLayouts/slideLayout11.xml><?xml version="1.0" encoding="utf-8"?>
+<file path=ppt/slideLayouts/slideLayout17.xml><?xml version="1.0" encoding="utf-8"?>
 <p:sldLayout xmlns:a="http://schemas.openxmlformats.org/drawingml/2006/main" xmlns:r="http://schemas.openxmlformats.org/officeDocument/2006/relationships" xmlns:p="http://schemas.openxmlformats.org/presentationml/2006/main" type="vertTitleAndTx" preserve="1">
   <p:cSld name="Vertical Title and Text">
     <p:spTree>
@@ -565,6 +2988,36 @@
           <a:chExt cx="0" cy="0"/>
         </a:xfrm>
       </p:grpSpPr>
+      <p:pic>
+        <p:nvPicPr>
+          <p:cNvPr id="7" name="Picture 6" descr="Celestia-R1---OverlayContentSD.png"/>
+          <p:cNvPicPr>
+            <a:picLocks noChangeAspect="1"/>
+          </p:cNvPicPr>
+          <p:nvPr/>
+        </p:nvPicPr>
+        <p:blipFill>
+          <a:blip r:embed="rId2">
+            <a:extLst>
+              <a:ext uri="{28A0092B-C50C-407E-A947-70E740481C1C}">
+                <a14:useLocalDpi xmlns:a14="http://schemas.microsoft.com/office/drawing/2010/main" val="0"/>
+              </a:ext>
+            </a:extLst>
+          </a:blip>
+          <a:stretch>
+            <a:fillRect/>
+          </a:stretch>
+        </p:blipFill>
+        <p:spPr>
+          <a:xfrm>
+            <a:off x="13956" y="0"/>
+            <a:ext cx="9118600" cy="6858000"/>
+          </a:xfrm>
+          <a:prstGeom prst="rect">
+            <a:avLst/>
+          </a:prstGeom>
+        </p:spPr>
+      </p:pic>
       <p:sp>
         <p:nvSpPr>
           <p:cNvPr id="2" name="Vertical Title 1"/>
@@ -577,72 +3030,78 @@
         </p:nvSpPr>
         <p:spPr>
           <a:xfrm>
-            <a:off x="6629400" y="274638"/>
-            <a:ext cx="2057400" cy="5851525"/>
-          </a:xfrm>
-        </p:spPr>
-        <p:txBody>
-          <a:bodyPr vert="eaVert"/>
+            <a:off x="6552978" y="609600"/>
+            <a:ext cx="1676621" cy="5181601"/>
+          </a:xfrm>
+        </p:spPr>
+        <p:txBody>
+          <a:bodyPr vert="eaVert">
+            <a:normAutofit/>
+          </a:bodyPr>
+          <a:lstStyle>
+            <a:lvl1pPr>
+              <a:defRPr sz="2800"/>
+            </a:lvl1pPr>
+          </a:lstStyle>
+          <a:p>
+            <a:r>
+              <a:rPr lang="en-US" dirty="0"/>
+              <a:t>Click to edit Master title style</a:t>
+            </a:r>
+          </a:p>
+        </p:txBody>
+      </p:sp>
+      <p:sp>
+        <p:nvSpPr>
+          <p:cNvPr id="3" name="Vertical Text Placeholder 2"/>
+          <p:cNvSpPr>
+            <a:spLocks noGrp="1"/>
+          </p:cNvSpPr>
+          <p:nvPr>
+            <p:ph type="body" orient="vert" idx="1"/>
+          </p:nvPr>
+        </p:nvSpPr>
+        <p:spPr>
+          <a:xfrm>
+            <a:off x="457200" y="609600"/>
+            <a:ext cx="5990184" cy="5181600"/>
+          </a:xfrm>
+        </p:spPr>
+        <p:txBody>
+          <a:bodyPr vert="eaVert" anchor="t"/>
           <a:lstStyle/>
           <a:p>
-            <a:r>
-              <a:rPr lang="en-US"/>
-              <a:t>Click to edit Master title style</a:t>
-            </a:r>
-          </a:p>
-        </p:txBody>
-      </p:sp>
-      <p:sp>
-        <p:nvSpPr>
-          <p:cNvPr id="3" name="Vertical Text Placeholder 2"/>
-          <p:cNvSpPr>
-            <a:spLocks noGrp="1"/>
-          </p:cNvSpPr>
-          <p:nvPr>
-            <p:ph type="body" orient="vert" idx="1"/>
-          </p:nvPr>
-        </p:nvSpPr>
-        <p:spPr>
-          <a:xfrm>
-            <a:off x="457200" y="274638"/>
-            <a:ext cx="6019800" cy="5851525"/>
-          </a:xfrm>
-        </p:spPr>
-        <p:txBody>
-          <a:bodyPr vert="eaVert"/>
-          <a:lstStyle/>
-          <a:p>
             <a:pPr lvl="0"/>
             <a:r>
-              <a:rPr lang="en-US"/>
+              <a:rPr lang="en-US" dirty="0"/>
               <a:t>Click to edit Master text styles</a:t>
             </a:r>
           </a:p>
           <a:p>
             <a:pPr lvl="1"/>
             <a:r>
-              <a:rPr lang="en-US"/>
+              <a:rPr lang="en-US" dirty="0"/>
               <a:t>Second level</a:t>
             </a:r>
           </a:p>
           <a:p>
             <a:pPr lvl="2"/>
             <a:r>
-              <a:rPr lang="en-US"/>
+              <a:rPr lang="en-US" dirty="0"/>
               <a:t>Third level</a:t>
             </a:r>
           </a:p>
           <a:p>
             <a:pPr lvl="3"/>
             <a:r>
-              <a:rPr lang="en-US"/>
+              <a:rPr lang="en-US" dirty="0"/>
               <a:t>Fourth level</a:t>
             </a:r>
           </a:p>
           <a:p>
             <a:pPr lvl="4"/>
             <a:r>
-              <a:rPr lang="en-US"/>
+              <a:rPr lang="en-US" dirty="0"/>
               <a:t>Fifth level</a:t>
             </a:r>
           </a:p>
@@ -663,11 +3122,12 @@
           <a:bodyPr/>
           <a:lstStyle/>
           <a:p>
-            <a:fld id="{5BCAD085-E8A6-8845-BD4E-CB4CCA059FC4}" type="datetimeFigureOut">
-              <a:rPr lang="en-US" smtClean="0"/>
-              <a:t>12/11/2025</a:t>
+            <a:fld id="{B61BEF0D-F0BB-DE4B-95CE-6DB70DBA9567}" type="datetimeFigureOut">
+              <a:rPr lang="en-US" dirty="0"/>
+              <a:pPr/>
+              <a:t>12/13/2025</a:t>
             </a:fld>
-            <a:endParaRPr lang="en-US"/>
+            <a:endParaRPr lang="en-US" dirty="0"/>
           </a:p>
         </p:txBody>
       </p:sp>
@@ -686,7 +3146,7 @@
           <a:bodyPr/>
           <a:lstStyle/>
           <a:p>
-            <a:endParaRPr lang="en-US"/>
+            <a:endParaRPr lang="en-US" dirty="0"/>
           </a:p>
         </p:txBody>
       </p:sp>
@@ -705,18 +3165,19 @@
           <a:bodyPr/>
           <a:lstStyle/>
           <a:p>
-            <a:fld id="{C1FF6DA9-008F-8B48-92A6-B652298478BF}" type="slidenum">
-              <a:rPr lang="en-US" smtClean="0"/>
+            <a:fld id="{D57F1E4F-1CFF-5643-939E-217C01CDF565}" type="slidenum">
+              <a:rPr lang="en-US" dirty="0"/>
+              <a:pPr/>
               <a:t>‹#›</a:t>
             </a:fld>
-            <a:endParaRPr lang="en-US"/>
+            <a:endParaRPr lang="en-US" dirty="0"/>
           </a:p>
         </p:txBody>
       </p:sp>
     </p:spTree>
     <p:extLst>
       <p:ext uri="{BB962C8B-B14F-4D97-AF65-F5344CB8AC3E}">
-        <p14:creationId xmlns:p14="http://schemas.microsoft.com/office/powerpoint/2010/main" val="3612223792"/>
+        <p14:creationId xmlns:p14="http://schemas.microsoft.com/office/powerpoint/2010/main" val="1849631495"/>
       </p:ext>
     </p:extLst>
   </p:cSld>
@@ -743,6 +3204,36 @@
           <a:chExt cx="0" cy="0"/>
         </a:xfrm>
       </p:grpSpPr>
+      <p:pic>
+        <p:nvPicPr>
+          <p:cNvPr id="8" name="Picture 7" descr="Celestia-R1---OverlayContentSD.png"/>
+          <p:cNvPicPr>
+            <a:picLocks noChangeAspect="1"/>
+          </p:cNvPicPr>
+          <p:nvPr/>
+        </p:nvPicPr>
+        <p:blipFill>
+          <a:blip r:embed="rId2">
+            <a:extLst>
+              <a:ext uri="{28A0092B-C50C-407E-A947-70E740481C1C}">
+                <a14:useLocalDpi xmlns:a14="http://schemas.microsoft.com/office/drawing/2010/main" val="0"/>
+              </a:ext>
+            </a:extLst>
+          </a:blip>
+          <a:stretch>
+            <a:fillRect/>
+          </a:stretch>
+        </p:blipFill>
+        <p:spPr>
+          <a:xfrm>
+            <a:off x="13956" y="0"/>
+            <a:ext cx="9118600" cy="6858000"/>
+          </a:xfrm>
+          <a:prstGeom prst="rect">
+            <a:avLst/>
+          </a:prstGeom>
+        </p:spPr>
+      </p:pic>
       <p:sp>
         <p:nvSpPr>
           <p:cNvPr id="2" name="Title 1"/>
@@ -751,6 +3242,85 @@
           </p:cNvSpPr>
           <p:nvPr>
             <p:ph type="title"/>
+          </p:nvPr>
+        </p:nvSpPr>
+        <p:spPr/>
+        <p:txBody>
+          <a:bodyPr>
+            <a:normAutofit/>
+          </a:bodyPr>
+          <a:lstStyle>
+            <a:lvl1pPr>
+              <a:defRPr sz="2800"/>
+            </a:lvl1pPr>
+          </a:lstStyle>
+          <a:p>
+            <a:r>
+              <a:rPr lang="en-US" dirty="0"/>
+              <a:t>Click to edit Master title style</a:t>
+            </a:r>
+          </a:p>
+        </p:txBody>
+      </p:sp>
+      <p:sp>
+        <p:nvSpPr>
+          <p:cNvPr id="3" name="Content Placeholder 2"/>
+          <p:cNvSpPr>
+            <a:spLocks noGrp="1"/>
+          </p:cNvSpPr>
+          <p:nvPr>
+            <p:ph idx="1"/>
+          </p:nvPr>
+        </p:nvSpPr>
+        <p:spPr/>
+        <p:txBody>
+          <a:bodyPr anchor="ctr"/>
+          <a:lstStyle/>
+          <a:p>
+            <a:pPr lvl="0"/>
+            <a:r>
+              <a:rPr lang="en-US" dirty="0"/>
+              <a:t>Click to edit Master text styles</a:t>
+            </a:r>
+          </a:p>
+          <a:p>
+            <a:pPr lvl="1"/>
+            <a:r>
+              <a:rPr lang="en-US" dirty="0"/>
+              <a:t>Second level</a:t>
+            </a:r>
+          </a:p>
+          <a:p>
+            <a:pPr lvl="2"/>
+            <a:r>
+              <a:rPr lang="en-US" dirty="0"/>
+              <a:t>Third level</a:t>
+            </a:r>
+          </a:p>
+          <a:p>
+            <a:pPr lvl="3"/>
+            <a:r>
+              <a:rPr lang="en-US" dirty="0"/>
+              <a:t>Fourth level</a:t>
+            </a:r>
+          </a:p>
+          <a:p>
+            <a:pPr lvl="4"/>
+            <a:r>
+              <a:rPr lang="en-US" dirty="0"/>
+              <a:t>Fifth level</a:t>
+            </a:r>
+          </a:p>
+        </p:txBody>
+      </p:sp>
+      <p:sp>
+        <p:nvSpPr>
+          <p:cNvPr id="4" name="Date Placeholder 3"/>
+          <p:cNvSpPr>
+            <a:spLocks noGrp="1"/>
+          </p:cNvSpPr>
+          <p:nvPr>
+            <p:ph type="dt" sz="half" idx="10"/>
           </p:nvPr>
         </p:nvSpPr>
         <p:spPr/>
@@ -758,21 +3328,23 @@
           <a:bodyPr/>
           <a:lstStyle/>
           <a:p>
-            <a:r>
-              <a:rPr lang="en-US"/>
-              <a:t>Click to edit Master title style</a:t>
-            </a:r>
-          </a:p>
-        </p:txBody>
-      </p:sp>
-      <p:sp>
-        <p:nvSpPr>
-          <p:cNvPr id="3" name="Content Placeholder 2"/>
-          <p:cNvSpPr>
-            <a:spLocks noGrp="1"/>
-          </p:cNvSpPr>
-          <p:nvPr>
-            <p:ph idx="1"/>
+            <a:fld id="{B61BEF0D-F0BB-DE4B-95CE-6DB70DBA9567}" type="datetimeFigureOut">
+              <a:rPr lang="en-US" dirty="0"/>
+              <a:pPr/>
+              <a:t>12/13/2025</a:t>
+            </a:fld>
+            <a:endParaRPr lang="en-US" dirty="0"/>
+          </a:p>
+        </p:txBody>
+      </p:sp>
+      <p:sp>
+        <p:nvSpPr>
+          <p:cNvPr id="5" name="Footer Placeholder 4"/>
+          <p:cNvSpPr>
+            <a:spLocks noGrp="1"/>
+          </p:cNvSpPr>
+          <p:nvPr>
+            <p:ph type="ftr" sz="quarter" idx="11"/>
           </p:nvPr>
         </p:nvSpPr>
         <p:spPr/>
@@ -780,50 +3352,18 @@
           <a:bodyPr/>
           <a:lstStyle/>
           <a:p>
-            <a:pPr lvl="0"/>
-            <a:r>
-              <a:rPr lang="en-US"/>
-              <a:t>Click to edit Master text styles</a:t>
-            </a:r>
-          </a:p>
-          <a:p>
-            <a:pPr lvl="1"/>
-            <a:r>
-              <a:rPr lang="en-US"/>
-              <a:t>Second level</a:t>
-            </a:r>
-          </a:p>
-          <a:p>
-            <a:pPr lvl="2"/>
-            <a:r>
-              <a:rPr lang="en-US"/>
-              <a:t>Third level</a:t>
-            </a:r>
-          </a:p>
-          <a:p>
-            <a:pPr lvl="3"/>
-            <a:r>
-              <a:rPr lang="en-US"/>
-              <a:t>Fourth level</a:t>
-            </a:r>
-          </a:p>
-          <a:p>
-            <a:pPr lvl="4"/>
-            <a:r>
-              <a:rPr lang="en-US"/>
-              <a:t>Fifth level</a:t>
-            </a:r>
-          </a:p>
-        </p:txBody>
-      </p:sp>
-      <p:sp>
-        <p:nvSpPr>
-          <p:cNvPr id="4" name="Date Placeholder 3"/>
-          <p:cNvSpPr>
-            <a:spLocks noGrp="1"/>
-          </p:cNvSpPr>
-          <p:nvPr>
-            <p:ph type="dt" sz="half" idx="10"/>
+            <a:endParaRPr lang="en-US" dirty="0"/>
+          </a:p>
+        </p:txBody>
+      </p:sp>
+      <p:sp>
+        <p:nvSpPr>
+          <p:cNvPr id="6" name="Slide Number Placeholder 5"/>
+          <p:cNvSpPr>
+            <a:spLocks noGrp="1"/>
+          </p:cNvSpPr>
+          <p:nvPr>
+            <p:ph type="sldNum" sz="quarter" idx="12"/>
           </p:nvPr>
         </p:nvSpPr>
         <p:spPr/>
@@ -831,60 +3371,19 @@
           <a:bodyPr/>
           <a:lstStyle/>
           <a:p>
-            <a:fld id="{5BCAD085-E8A6-8845-BD4E-CB4CCA059FC4}" type="datetimeFigureOut">
-              <a:rPr lang="en-US" smtClean="0"/>
-              <a:t>12/11/2025</a:t>
-            </a:fld>
-            <a:endParaRPr lang="en-US"/>
-          </a:p>
-        </p:txBody>
-      </p:sp>
-      <p:sp>
-        <p:nvSpPr>
-          <p:cNvPr id="5" name="Footer Placeholder 4"/>
-          <p:cNvSpPr>
-            <a:spLocks noGrp="1"/>
-          </p:cNvSpPr>
-          <p:nvPr>
-            <p:ph type="ftr" sz="quarter" idx="11"/>
-          </p:nvPr>
-        </p:nvSpPr>
-        <p:spPr/>
-        <p:txBody>
-          <a:bodyPr/>
-          <a:lstStyle/>
-          <a:p>
-            <a:endParaRPr lang="en-US"/>
-          </a:p>
-        </p:txBody>
-      </p:sp>
-      <p:sp>
-        <p:nvSpPr>
-          <p:cNvPr id="6" name="Slide Number Placeholder 5"/>
-          <p:cNvSpPr>
-            <a:spLocks noGrp="1"/>
-          </p:cNvSpPr>
-          <p:nvPr>
-            <p:ph type="sldNum" sz="quarter" idx="12"/>
-          </p:nvPr>
-        </p:nvSpPr>
-        <p:spPr/>
-        <p:txBody>
-          <a:bodyPr/>
-          <a:lstStyle/>
-          <a:p>
-            <a:fld id="{C1FF6DA9-008F-8B48-92A6-B652298478BF}" type="slidenum">
-              <a:rPr lang="en-US" smtClean="0"/>
+            <a:fld id="{D57F1E4F-1CFF-5643-939E-217C01CDF565}" type="slidenum">
+              <a:rPr lang="en-US" dirty="0"/>
+              <a:pPr/>
               <a:t>‹#›</a:t>
             </a:fld>
-            <a:endParaRPr lang="en-US"/>
+            <a:endParaRPr lang="en-US" dirty="0"/>
           </a:p>
         </p:txBody>
       </p:sp>
     </p:spTree>
     <p:extLst>
       <p:ext uri="{BB962C8B-B14F-4D97-AF65-F5344CB8AC3E}">
-        <p14:creationId xmlns:p14="http://schemas.microsoft.com/office/powerpoint/2010/main" val="2614314258"/>
+        <p14:creationId xmlns:p14="http://schemas.microsoft.com/office/powerpoint/2010/main" val="1779575027"/>
       </p:ext>
     </p:extLst>
   </p:cSld>
@@ -911,6 +3410,36 @@
           <a:chExt cx="0" cy="0"/>
         </a:xfrm>
       </p:grpSpPr>
+      <p:pic>
+        <p:nvPicPr>
+          <p:cNvPr id="8" name="Picture 7" descr="Celestia-R1---OverlayContentSD.png"/>
+          <p:cNvPicPr>
+            <a:picLocks noChangeAspect="1"/>
+          </p:cNvPicPr>
+          <p:nvPr/>
+        </p:nvPicPr>
+        <p:blipFill>
+          <a:blip r:embed="rId2">
+            <a:extLst>
+              <a:ext uri="{28A0092B-C50C-407E-A947-70E740481C1C}">
+                <a14:useLocalDpi xmlns:a14="http://schemas.microsoft.com/office/drawing/2010/main" val="0"/>
+              </a:ext>
+            </a:extLst>
+          </a:blip>
+          <a:stretch>
+            <a:fillRect/>
+          </a:stretch>
+        </p:blipFill>
+        <p:spPr>
+          <a:xfrm>
+            <a:off x="13956" y="0"/>
+            <a:ext cx="9118600" cy="6858000"/>
+          </a:xfrm>
+          <a:prstGeom prst="rect">
+            <a:avLst/>
+          </a:prstGeom>
+        </p:spPr>
+      </p:pic>
       <p:sp>
         <p:nvSpPr>
           <p:cNvPr id="2" name="Title 1"/>
@@ -923,20 +3452,22 @@
         </p:nvSpPr>
         <p:spPr>
           <a:xfrm>
-            <a:off x="722313" y="4406900"/>
-            <a:ext cx="7772400" cy="1362075"/>
-          </a:xfrm>
-        </p:spPr>
-        <p:txBody>
-          <a:bodyPr anchor="t"/>
+            <a:off x="457202" y="3308581"/>
+            <a:ext cx="7772400" cy="1468800"/>
+          </a:xfrm>
+        </p:spPr>
+        <p:txBody>
+          <a:bodyPr anchor="b">
+            <a:normAutofit/>
+          </a:bodyPr>
           <a:lstStyle>
             <a:lvl1pPr algn="l">
-              <a:defRPr sz="4000" b="1" cap="all"/>
+              <a:defRPr sz="3200" b="0" cap="all"/>
             </a:lvl1pPr>
           </a:lstStyle>
           <a:p>
             <a:r>
-              <a:rPr lang="en-US"/>
+              <a:rPr lang="en-US" dirty="0"/>
               <a:t>Click to edit Master title style</a:t>
             </a:r>
           </a:p>
@@ -954,44 +3485,54 @@
         </p:nvSpPr>
         <p:spPr>
           <a:xfrm>
-            <a:off x="722313" y="2906713"/>
-            <a:ext cx="7772400" cy="1500187"/>
-          </a:xfrm>
-        </p:spPr>
-        <p:txBody>
-          <a:bodyPr anchor="b"/>
+            <a:off x="457201" y="4777381"/>
+            <a:ext cx="7772400" cy="860400"/>
+          </a:xfrm>
+        </p:spPr>
+        <p:txBody>
+          <a:bodyPr anchor="t">
+            <a:normAutofit/>
+          </a:bodyPr>
           <a:lstStyle>
-            <a:lvl1pPr marL="0" indent="0">
-              <a:buNone/>
-              <a:defRPr sz="2000">
+            <a:lvl1pPr marL="0" indent="0" algn="l">
+              <a:buNone/>
+              <a:defRPr sz="1800" cap="all">
+                <a:solidFill>
+                  <a:schemeClr val="tx1"/>
+                </a:solidFill>
+              </a:defRPr>
+            </a:lvl1pPr>
+            <a:lvl2pPr marL="457200" indent="0">
+              <a:buNone/>
+              <a:defRPr sz="1800">
                 <a:solidFill>
                   <a:schemeClr val="tx1">
                     <a:tint val="75000"/>
                   </a:schemeClr>
                 </a:solidFill>
               </a:defRPr>
-            </a:lvl1pPr>
-            <a:lvl2pPr marL="457200" indent="0">
-              <a:buNone/>
-              <a:defRPr sz="1800">
+            </a:lvl2pPr>
+            <a:lvl3pPr marL="914400" indent="0">
+              <a:buNone/>
+              <a:defRPr sz="1600">
                 <a:solidFill>
                   <a:schemeClr val="tx1">
                     <a:tint val="75000"/>
                   </a:schemeClr>
                 </a:solidFill>
               </a:defRPr>
-            </a:lvl2pPr>
-            <a:lvl3pPr marL="914400" indent="0">
-              <a:buNone/>
-              <a:defRPr sz="1600">
+            </a:lvl3pPr>
+            <a:lvl4pPr marL="1371600" indent="0">
+              <a:buNone/>
+              <a:defRPr sz="1400">
                 <a:solidFill>
                   <a:schemeClr val="tx1">
                     <a:tint val="75000"/>
                   </a:schemeClr>
                 </a:solidFill>
               </a:defRPr>
-            </a:lvl3pPr>
-            <a:lvl4pPr marL="1371600" indent="0">
+            </a:lvl4pPr>
+            <a:lvl5pPr marL="1828800" indent="0">
               <a:buNone/>
               <a:defRPr sz="1400">
                 <a:solidFill>
@@ -1000,8 +3541,8 @@
                   </a:schemeClr>
                 </a:solidFill>
               </a:defRPr>
-            </a:lvl4pPr>
-            <a:lvl5pPr marL="1828800" indent="0">
+            </a:lvl5pPr>
+            <a:lvl6pPr marL="2286000" indent="0">
               <a:buNone/>
               <a:defRPr sz="1400">
                 <a:solidFill>
@@ -1010,8 +3551,8 @@
                   </a:schemeClr>
                 </a:solidFill>
               </a:defRPr>
-            </a:lvl5pPr>
-            <a:lvl6pPr marL="2286000" indent="0">
+            </a:lvl6pPr>
+            <a:lvl7pPr marL="2743200" indent="0">
               <a:buNone/>
               <a:defRPr sz="1400">
                 <a:solidFill>
@@ -1020,8 +3561,8 @@
                   </a:schemeClr>
                 </a:solidFill>
               </a:defRPr>
-            </a:lvl6pPr>
-            <a:lvl7pPr marL="2743200" indent="0">
+            </a:lvl7pPr>
+            <a:lvl8pPr marL="3200400" indent="0">
               <a:buNone/>
               <a:defRPr sz="1400">
                 <a:solidFill>
@@ -1030,8 +3571,8 @@
                   </a:schemeClr>
                 </a:solidFill>
               </a:defRPr>
-            </a:lvl7pPr>
-            <a:lvl8pPr marL="3200400" indent="0">
+            </a:lvl8pPr>
+            <a:lvl9pPr marL="3657600" indent="0">
               <a:buNone/>
               <a:defRPr sz="1400">
                 <a:solidFill>
@@ -1040,22 +3581,12 @@
                   </a:schemeClr>
                 </a:solidFill>
               </a:defRPr>
-            </a:lvl8pPr>
-            <a:lvl9pPr marL="3657600" indent="0">
-              <a:buNone/>
-              <a:defRPr sz="1400">
-                <a:solidFill>
-                  <a:schemeClr val="tx1">
-                    <a:tint val="75000"/>
-                  </a:schemeClr>
-                </a:solidFill>
-              </a:defRPr>
             </a:lvl9pPr>
           </a:lstStyle>
           <a:p>
             <a:pPr lvl="0"/>
             <a:r>
-              <a:rPr lang="en-US"/>
+              <a:rPr lang="en-US" dirty="0"/>
               <a:t>Click to edit Master text styles</a:t>
             </a:r>
           </a:p>
@@ -1076,11 +3607,12 @@
           <a:bodyPr/>
           <a:lstStyle/>
           <a:p>
-            <a:fld id="{5BCAD085-E8A6-8845-BD4E-CB4CCA059FC4}" type="datetimeFigureOut">
-              <a:rPr lang="en-US" smtClean="0"/>
-              <a:t>12/11/2025</a:t>
+            <a:fld id="{B61BEF0D-F0BB-DE4B-95CE-6DB70DBA9567}" type="datetimeFigureOut">
+              <a:rPr lang="en-US" dirty="0"/>
+              <a:pPr/>
+              <a:t>12/13/2025</a:t>
             </a:fld>
-            <a:endParaRPr lang="en-US"/>
+            <a:endParaRPr lang="en-US" dirty="0"/>
           </a:p>
         </p:txBody>
       </p:sp>
@@ -1099,7 +3631,7 @@
           <a:bodyPr/>
           <a:lstStyle/>
           <a:p>
-            <a:endParaRPr lang="en-US"/>
+            <a:endParaRPr lang="en-US" dirty="0"/>
           </a:p>
         </p:txBody>
       </p:sp>
@@ -1118,18 +3650,19 @@
           <a:bodyPr/>
           <a:lstStyle/>
           <a:p>
-            <a:fld id="{C1FF6DA9-008F-8B48-92A6-B652298478BF}" type="slidenum">
-              <a:rPr lang="en-US" smtClean="0"/>
+            <a:fld id="{D57F1E4F-1CFF-5643-939E-217C01CDF565}" type="slidenum">
+              <a:rPr lang="en-US" dirty="0"/>
+              <a:pPr/>
               <a:t>‹#›</a:t>
             </a:fld>
-            <a:endParaRPr lang="en-US"/>
+            <a:endParaRPr lang="en-US" dirty="0"/>
           </a:p>
         </p:txBody>
       </p:sp>
     </p:spTree>
     <p:extLst>
       <p:ext uri="{BB962C8B-B14F-4D97-AF65-F5344CB8AC3E}">
-        <p14:creationId xmlns:p14="http://schemas.microsoft.com/office/powerpoint/2010/main" val="960648375"/>
+        <p14:creationId xmlns:p14="http://schemas.microsoft.com/office/powerpoint/2010/main" val="1033297741"/>
       </p:ext>
     </p:extLst>
   </p:cSld>
@@ -1156,6 +3689,36 @@
           <a:chExt cx="0" cy="0"/>
         </a:xfrm>
       </p:grpSpPr>
+      <p:pic>
+        <p:nvPicPr>
+          <p:cNvPr id="10" name="Picture 9" descr="Celestia-R1---OverlayContentSD.png"/>
+          <p:cNvPicPr>
+            <a:picLocks noChangeAspect="1"/>
+          </p:cNvPicPr>
+          <p:nvPr/>
+        </p:nvPicPr>
+        <p:blipFill>
+          <a:blip r:embed="rId2">
+            <a:extLst>
+              <a:ext uri="{28A0092B-C50C-407E-A947-70E740481C1C}">
+                <a14:useLocalDpi xmlns:a14="http://schemas.microsoft.com/office/drawing/2010/main" val="0"/>
+              </a:ext>
+            </a:extLst>
+          </a:blip>
+          <a:stretch>
+            <a:fillRect/>
+          </a:stretch>
+        </p:blipFill>
+        <p:spPr>
+          <a:xfrm>
+            <a:off x="13956" y="0"/>
+            <a:ext cx="9118600" cy="6858000"/>
+          </a:xfrm>
+          <a:prstGeom prst="rect">
+            <a:avLst/>
+          </a:prstGeom>
+        </p:spPr>
+      </p:pic>
       <p:sp>
         <p:nvSpPr>
           <p:cNvPr id="2" name="Title 1"/>
@@ -1172,7 +3735,7 @@
           <a:lstStyle/>
           <a:p>
             <a:r>
-              <a:rPr lang="en-US"/>
+              <a:rPr lang="en-US" dirty="0"/>
               <a:t>Click to edit Master title style</a:t>
             </a:r>
           </a:p>
@@ -1190,73 +3753,47 @@
         </p:nvSpPr>
         <p:spPr>
           <a:xfrm>
-            <a:off x="457200" y="1600200"/>
-            <a:ext cx="4038600" cy="4525963"/>
-          </a:xfrm>
-        </p:spPr>
-        <p:txBody>
-          <a:bodyPr/>
-          <a:lstStyle>
-            <a:lvl1pPr>
-              <a:defRPr sz="2800"/>
-            </a:lvl1pPr>
-            <a:lvl2pPr>
-              <a:defRPr sz="2400"/>
-            </a:lvl2pPr>
-            <a:lvl3pPr>
-              <a:defRPr sz="2000"/>
-            </a:lvl3pPr>
-            <a:lvl4pPr>
-              <a:defRPr sz="1800"/>
-            </a:lvl4pPr>
-            <a:lvl5pPr>
-              <a:defRPr sz="1800"/>
-            </a:lvl5pPr>
-            <a:lvl6pPr>
-              <a:defRPr sz="1800"/>
-            </a:lvl6pPr>
-            <a:lvl7pPr>
-              <a:defRPr sz="1800"/>
-            </a:lvl7pPr>
-            <a:lvl8pPr>
-              <a:defRPr sz="1800"/>
-            </a:lvl8pPr>
-            <a:lvl9pPr>
-              <a:defRPr sz="1800"/>
-            </a:lvl9pPr>
-          </a:lstStyle>
+            <a:off x="457201" y="2142068"/>
+            <a:ext cx="3813048" cy="3649134"/>
+          </a:xfrm>
+        </p:spPr>
+        <p:txBody>
+          <a:bodyPr>
+            <a:normAutofit/>
+          </a:bodyPr>
+          <a:lstStyle/>
           <a:p>
             <a:pPr lvl="0"/>
             <a:r>
-              <a:rPr lang="en-US"/>
+              <a:rPr lang="en-US" dirty="0"/>
               <a:t>Click to edit Master text styles</a:t>
             </a:r>
           </a:p>
           <a:p>
             <a:pPr lvl="1"/>
             <a:r>
-              <a:rPr lang="en-US"/>
+              <a:rPr lang="en-US" dirty="0"/>
               <a:t>Second level</a:t>
             </a:r>
           </a:p>
           <a:p>
             <a:pPr lvl="2"/>
             <a:r>
-              <a:rPr lang="en-US"/>
+              <a:rPr lang="en-US" dirty="0"/>
               <a:t>Third level</a:t>
             </a:r>
           </a:p>
           <a:p>
             <a:pPr lvl="3"/>
             <a:r>
-              <a:rPr lang="en-US"/>
+              <a:rPr lang="en-US" dirty="0"/>
               <a:t>Fourth level</a:t>
             </a:r>
           </a:p>
           <a:p>
             <a:pPr lvl="4"/>
             <a:r>
-              <a:rPr lang="en-US"/>
+              <a:rPr lang="en-US" dirty="0"/>
               <a:t>Fifth level</a:t>
             </a:r>
           </a:p>
@@ -1274,73 +3811,47 @@
         </p:nvSpPr>
         <p:spPr>
           <a:xfrm>
-            <a:off x="4648200" y="1600200"/>
-            <a:ext cx="4038600" cy="4525963"/>
-          </a:xfrm>
-        </p:spPr>
-        <p:txBody>
-          <a:bodyPr/>
-          <a:lstStyle>
-            <a:lvl1pPr>
-              <a:defRPr sz="2800"/>
-            </a:lvl1pPr>
-            <a:lvl2pPr>
-              <a:defRPr sz="2400"/>
-            </a:lvl2pPr>
-            <a:lvl3pPr>
-              <a:defRPr sz="2000"/>
-            </a:lvl3pPr>
-            <a:lvl4pPr>
-              <a:defRPr sz="1800"/>
-            </a:lvl4pPr>
-            <a:lvl5pPr>
-              <a:defRPr sz="1800"/>
-            </a:lvl5pPr>
-            <a:lvl6pPr>
-              <a:defRPr sz="1800"/>
-            </a:lvl6pPr>
-            <a:lvl7pPr>
-              <a:defRPr sz="1800"/>
-            </a:lvl7pPr>
-            <a:lvl8pPr>
-              <a:defRPr sz="1800"/>
-            </a:lvl8pPr>
-            <a:lvl9pPr>
-              <a:defRPr sz="1800"/>
-            </a:lvl9pPr>
-          </a:lstStyle>
+            <a:off x="4416553" y="2142068"/>
+            <a:ext cx="3813048" cy="3649133"/>
+          </a:xfrm>
+        </p:spPr>
+        <p:txBody>
+          <a:bodyPr>
+            <a:normAutofit/>
+          </a:bodyPr>
+          <a:lstStyle/>
           <a:p>
             <a:pPr lvl="0"/>
             <a:r>
-              <a:rPr lang="en-US"/>
+              <a:rPr lang="en-US" dirty="0"/>
               <a:t>Click to edit Master text styles</a:t>
             </a:r>
           </a:p>
           <a:p>
             <a:pPr lvl="1"/>
             <a:r>
-              <a:rPr lang="en-US"/>
+              <a:rPr lang="en-US" dirty="0"/>
               <a:t>Second level</a:t>
             </a:r>
           </a:p>
           <a:p>
             <a:pPr lvl="2"/>
             <a:r>
-              <a:rPr lang="en-US"/>
+              <a:rPr lang="en-US" dirty="0"/>
               <a:t>Third level</a:t>
             </a:r>
           </a:p>
           <a:p>
             <a:pPr lvl="3"/>
             <a:r>
-              <a:rPr lang="en-US"/>
+              <a:rPr lang="en-US" dirty="0"/>
               <a:t>Fourth level</a:t>
             </a:r>
           </a:p>
           <a:p>
             <a:pPr lvl="4"/>
             <a:r>
-              <a:rPr lang="en-US"/>
+              <a:rPr lang="en-US" dirty="0"/>
               <a:t>Fifth level</a:t>
             </a:r>
           </a:p>
@@ -1361,11 +3872,12 @@
           <a:bodyPr/>
           <a:lstStyle/>
           <a:p>
-            <a:fld id="{5BCAD085-E8A6-8845-BD4E-CB4CCA059FC4}" type="datetimeFigureOut">
-              <a:rPr lang="en-US" smtClean="0"/>
-              <a:t>12/11/2025</a:t>
+            <a:fld id="{B61BEF0D-F0BB-DE4B-95CE-6DB70DBA9567}" type="datetimeFigureOut">
+              <a:rPr lang="en-US" dirty="0"/>
+              <a:pPr/>
+              <a:t>12/13/2025</a:t>
             </a:fld>
-            <a:endParaRPr lang="en-US"/>
+            <a:endParaRPr lang="en-US" dirty="0"/>
           </a:p>
         </p:txBody>
       </p:sp>
@@ -1384,7 +3896,7 @@
           <a:bodyPr/>
           <a:lstStyle/>
           <a:p>
-            <a:endParaRPr lang="en-US"/>
+            <a:endParaRPr lang="en-US" dirty="0"/>
           </a:p>
         </p:txBody>
       </p:sp>
@@ -1403,18 +3915,19 @@
           <a:bodyPr/>
           <a:lstStyle/>
           <a:p>
-            <a:fld id="{C1FF6DA9-008F-8B48-92A6-B652298478BF}" type="slidenum">
-              <a:rPr lang="en-US" smtClean="0"/>
+            <a:fld id="{D57F1E4F-1CFF-5643-939E-217C01CDF565}" type="slidenum">
+              <a:rPr lang="en-US" dirty="0"/>
+              <a:pPr/>
               <a:t>‹#›</a:t>
             </a:fld>
-            <a:endParaRPr lang="en-US"/>
+            <a:endParaRPr lang="en-US" dirty="0"/>
           </a:p>
         </p:txBody>
       </p:sp>
     </p:spTree>
     <p:extLst>
       <p:ext uri="{BB962C8B-B14F-4D97-AF65-F5344CB8AC3E}">
-        <p14:creationId xmlns:p14="http://schemas.microsoft.com/office/powerpoint/2010/main" val="2782244947"/>
+        <p14:creationId xmlns:p14="http://schemas.microsoft.com/office/powerpoint/2010/main" val="2334847491"/>
       </p:ext>
     </p:extLst>
   </p:cSld>
@@ -1441,6 +3954,36 @@
           <a:chExt cx="0" cy="0"/>
         </a:xfrm>
       </p:grpSpPr>
+      <p:pic>
+        <p:nvPicPr>
+          <p:cNvPr id="13" name="Picture 12" descr="Celestia-R1---OverlayContentSD.png"/>
+          <p:cNvPicPr>
+            <a:picLocks noChangeAspect="1"/>
+          </p:cNvPicPr>
+          <p:nvPr/>
+        </p:nvPicPr>
+        <p:blipFill>
+          <a:blip r:embed="rId2">
+            <a:extLst>
+              <a:ext uri="{28A0092B-C50C-407E-A947-70E740481C1C}">
+                <a14:useLocalDpi xmlns:a14="http://schemas.microsoft.com/office/drawing/2010/main" val="0"/>
+              </a:ext>
+            </a:extLst>
+          </a:blip>
+          <a:stretch>
+            <a:fillRect/>
+          </a:stretch>
+        </p:blipFill>
+        <p:spPr>
+          <a:xfrm>
+            <a:off x="13956" y="0"/>
+            <a:ext cx="9118600" cy="6858000"/>
+          </a:xfrm>
+          <a:prstGeom prst="rect">
+            <a:avLst/>
+          </a:prstGeom>
+        </p:spPr>
+      </p:pic>
       <p:sp>
         <p:nvSpPr>
           <p:cNvPr id="2" name="Title 1"/>
@@ -1453,15 +3996,17 @@
         </p:nvSpPr>
         <p:spPr/>
         <p:txBody>
-          <a:bodyPr/>
+          <a:bodyPr>
+            <a:normAutofit/>
+          </a:bodyPr>
           <a:lstStyle>
             <a:lvl1pPr>
-              <a:defRPr/>
+              <a:defRPr sz="3200"/>
             </a:lvl1pPr>
           </a:lstStyle>
           <a:p>
             <a:r>
-              <a:rPr lang="en-US"/>
+              <a:rPr lang="en-US" dirty="0"/>
               <a:t>Click to edit Master title style</a:t>
             </a:r>
           </a:p>
@@ -1479,16 +4024,18 @@
         </p:nvSpPr>
         <p:spPr>
           <a:xfrm>
-            <a:off x="457200" y="1535113"/>
-            <a:ext cx="4040188" cy="639762"/>
-          </a:xfrm>
-        </p:spPr>
-        <p:txBody>
-          <a:bodyPr anchor="b"/>
+            <a:off x="743480" y="2218267"/>
+            <a:ext cx="3540603" cy="576262"/>
+          </a:xfrm>
+        </p:spPr>
+        <p:txBody>
+          <a:bodyPr anchor="b">
+            <a:noAutofit/>
+          </a:bodyPr>
           <a:lstStyle>
             <a:lvl1pPr marL="0" indent="0">
               <a:buNone/>
-              <a:defRPr sz="2400" b="1"/>
+              <a:defRPr sz="2400" b="0"/>
             </a:lvl1pPr>
             <a:lvl2pPr marL="457200" indent="0">
               <a:buNone/>
@@ -1526,7 +4073,7 @@
           <a:p>
             <a:pPr lvl="0"/>
             <a:r>
-              <a:rPr lang="en-US"/>
+              <a:rPr lang="en-US" dirty="0"/>
               <a:t>Click to edit Master text styles</a:t>
             </a:r>
           </a:p>
@@ -1544,73 +4091,47 @@
         </p:nvSpPr>
         <p:spPr>
           <a:xfrm>
-            <a:off x="457200" y="2174875"/>
-            <a:ext cx="4040188" cy="3951288"/>
-          </a:xfrm>
-        </p:spPr>
-        <p:txBody>
-          <a:bodyPr/>
-          <a:lstStyle>
-            <a:lvl1pPr>
-              <a:defRPr sz="2400"/>
-            </a:lvl1pPr>
-            <a:lvl2pPr>
-              <a:defRPr sz="2000"/>
-            </a:lvl2pPr>
-            <a:lvl3pPr>
-              <a:defRPr sz="1800"/>
-            </a:lvl3pPr>
-            <a:lvl4pPr>
-              <a:defRPr sz="1600"/>
-            </a:lvl4pPr>
-            <a:lvl5pPr>
-              <a:defRPr sz="1600"/>
-            </a:lvl5pPr>
-            <a:lvl6pPr>
-              <a:defRPr sz="1600"/>
-            </a:lvl6pPr>
-            <a:lvl7pPr>
-              <a:defRPr sz="1600"/>
-            </a:lvl7pPr>
-            <a:lvl8pPr>
-              <a:defRPr sz="1600"/>
-            </a:lvl8pPr>
-            <a:lvl9pPr>
-              <a:defRPr sz="1600"/>
-            </a:lvl9pPr>
-          </a:lstStyle>
+            <a:off x="457200" y="2870201"/>
+            <a:ext cx="3813048" cy="2920998"/>
+          </a:xfrm>
+        </p:spPr>
+        <p:txBody>
+          <a:bodyPr anchor="t">
+            <a:normAutofit/>
+          </a:bodyPr>
+          <a:lstStyle/>
           <a:p>
             <a:pPr lvl="0"/>
             <a:r>
-              <a:rPr lang="en-US"/>
+              <a:rPr lang="en-US" dirty="0"/>
               <a:t>Click to edit Master text styles</a:t>
             </a:r>
           </a:p>
           <a:p>
             <a:pPr lvl="1"/>
             <a:r>
-              <a:rPr lang="en-US"/>
+              <a:rPr lang="en-US" dirty="0"/>
               <a:t>Second level</a:t>
             </a:r>
           </a:p>
           <a:p>
             <a:pPr lvl="2"/>
             <a:r>
-              <a:rPr lang="en-US"/>
+              <a:rPr lang="en-US" dirty="0"/>
               <a:t>Third level</a:t>
             </a:r>
           </a:p>
           <a:p>
             <a:pPr lvl="3"/>
             <a:r>
-              <a:rPr lang="en-US"/>
+              <a:rPr lang="en-US" dirty="0"/>
               <a:t>Fourth level</a:t>
             </a:r>
           </a:p>
           <a:p>
             <a:pPr lvl="4"/>
             <a:r>
-              <a:rPr lang="en-US"/>
+              <a:rPr lang="en-US" dirty="0"/>
               <a:t>Fifth level</a:t>
             </a:r>
           </a:p>
@@ -1628,16 +4149,18 @@
         </p:nvSpPr>
         <p:spPr>
           <a:xfrm>
-            <a:off x="4645025" y="1535113"/>
-            <a:ext cx="4041775" cy="639762"/>
-          </a:xfrm>
-        </p:spPr>
-        <p:txBody>
-          <a:bodyPr anchor="b"/>
+            <a:off x="4711120" y="2218267"/>
+            <a:ext cx="3518480" cy="576262"/>
+          </a:xfrm>
+        </p:spPr>
+        <p:txBody>
+          <a:bodyPr anchor="b">
+            <a:noAutofit/>
+          </a:bodyPr>
           <a:lstStyle>
             <a:lvl1pPr marL="0" indent="0">
               <a:buNone/>
-              <a:defRPr sz="2400" b="1"/>
+              <a:defRPr sz="2400" b="0"/>
             </a:lvl1pPr>
             <a:lvl2pPr marL="457200" indent="0">
               <a:buNone/>
@@ -1675,7 +4198,7 @@
           <a:p>
             <a:pPr lvl="0"/>
             <a:r>
-              <a:rPr lang="en-US"/>
+              <a:rPr lang="en-US" dirty="0"/>
               <a:t>Click to edit Master text styles</a:t>
             </a:r>
           </a:p>
@@ -1693,73 +4216,47 @@
         </p:nvSpPr>
         <p:spPr>
           <a:xfrm>
-            <a:off x="4645025" y="2174875"/>
-            <a:ext cx="4041775" cy="3951288"/>
-          </a:xfrm>
-        </p:spPr>
-        <p:txBody>
-          <a:bodyPr/>
-          <a:lstStyle>
-            <a:lvl1pPr>
-              <a:defRPr sz="2400"/>
-            </a:lvl1pPr>
-            <a:lvl2pPr>
-              <a:defRPr sz="2000"/>
-            </a:lvl2pPr>
-            <a:lvl3pPr>
-              <a:defRPr sz="1800"/>
-            </a:lvl3pPr>
-            <a:lvl4pPr>
-              <a:defRPr sz="1600"/>
-            </a:lvl4pPr>
-            <a:lvl5pPr>
-              <a:defRPr sz="1600"/>
-            </a:lvl5pPr>
-            <a:lvl6pPr>
-              <a:defRPr sz="1600"/>
-            </a:lvl6pPr>
-            <a:lvl7pPr>
-              <a:defRPr sz="1600"/>
-            </a:lvl7pPr>
-            <a:lvl8pPr>
-              <a:defRPr sz="1600"/>
-            </a:lvl8pPr>
-            <a:lvl9pPr>
-              <a:defRPr sz="1600"/>
-            </a:lvl9pPr>
-          </a:lstStyle>
+            <a:off x="4416552" y="2870201"/>
+            <a:ext cx="3813048" cy="2920998"/>
+          </a:xfrm>
+        </p:spPr>
+        <p:txBody>
+          <a:bodyPr anchor="t">
+            <a:normAutofit/>
+          </a:bodyPr>
+          <a:lstStyle/>
           <a:p>
             <a:pPr lvl="0"/>
             <a:r>
-              <a:rPr lang="en-US"/>
+              <a:rPr lang="en-US" dirty="0"/>
               <a:t>Click to edit Master text styles</a:t>
             </a:r>
           </a:p>
           <a:p>
             <a:pPr lvl="1"/>
             <a:r>
-              <a:rPr lang="en-US"/>
+              <a:rPr lang="en-US" dirty="0"/>
               <a:t>Second level</a:t>
             </a:r>
           </a:p>
           <a:p>
             <a:pPr lvl="2"/>
             <a:r>
-              <a:rPr lang="en-US"/>
+              <a:rPr lang="en-US" dirty="0"/>
               <a:t>Third level</a:t>
             </a:r>
           </a:p>
           <a:p>
             <a:pPr lvl="3"/>
             <a:r>
-              <a:rPr lang="en-US"/>
+              <a:rPr lang="en-US" dirty="0"/>
               <a:t>Fourth level</a:t>
             </a:r>
           </a:p>
           <a:p>
             <a:pPr lvl="4"/>
             <a:r>
-              <a:rPr lang="en-US"/>
+              <a:rPr lang="en-US" dirty="0"/>
               <a:t>Fifth level</a:t>
             </a:r>
           </a:p>
@@ -1780,11 +4277,12 @@
           <a:bodyPr/>
           <a:lstStyle/>
           <a:p>
-            <a:fld id="{5BCAD085-E8A6-8845-BD4E-CB4CCA059FC4}" type="datetimeFigureOut">
-              <a:rPr lang="en-US" smtClean="0"/>
-              <a:t>12/11/2025</a:t>
+            <a:fld id="{B61BEF0D-F0BB-DE4B-95CE-6DB70DBA9567}" type="datetimeFigureOut">
+              <a:rPr lang="en-US" dirty="0"/>
+              <a:pPr/>
+              <a:t>12/13/2025</a:t>
             </a:fld>
-            <a:endParaRPr lang="en-US"/>
+            <a:endParaRPr lang="en-US" dirty="0"/>
           </a:p>
         </p:txBody>
       </p:sp>
@@ -1803,7 +4301,7 @@
           <a:bodyPr/>
           <a:lstStyle/>
           <a:p>
-            <a:endParaRPr lang="en-US"/>
+            <a:endParaRPr lang="en-US" dirty="0"/>
           </a:p>
         </p:txBody>
       </p:sp>
@@ -1822,18 +4320,19 @@
           <a:bodyPr/>
           <a:lstStyle/>
           <a:p>
-            <a:fld id="{C1FF6DA9-008F-8B48-92A6-B652298478BF}" type="slidenum">
-              <a:rPr lang="en-US" smtClean="0"/>
+            <a:fld id="{D57F1E4F-1CFF-5643-939E-217C01CDF565}" type="slidenum">
+              <a:rPr lang="en-US" dirty="0"/>
+              <a:pPr/>
               <a:t>‹#›</a:t>
             </a:fld>
-            <a:endParaRPr lang="en-US"/>
+            <a:endParaRPr lang="en-US" dirty="0"/>
           </a:p>
         </p:txBody>
       </p:sp>
     </p:spTree>
     <p:extLst>
       <p:ext uri="{BB962C8B-B14F-4D97-AF65-F5344CB8AC3E}">
-        <p14:creationId xmlns:p14="http://schemas.microsoft.com/office/powerpoint/2010/main" val="990158736"/>
+        <p14:creationId xmlns:p14="http://schemas.microsoft.com/office/powerpoint/2010/main" val="3819938927"/>
       </p:ext>
     </p:extLst>
   </p:cSld>
@@ -1860,6 +4359,36 @@
           <a:chExt cx="0" cy="0"/>
         </a:xfrm>
       </p:grpSpPr>
+      <p:pic>
+        <p:nvPicPr>
+          <p:cNvPr id="6" name="Picture 5" descr="Celestia-R1---OverlayContentSD.png"/>
+          <p:cNvPicPr>
+            <a:picLocks noChangeAspect="1"/>
+          </p:cNvPicPr>
+          <p:nvPr/>
+        </p:nvPicPr>
+        <p:blipFill>
+          <a:blip r:embed="rId2">
+            <a:extLst>
+              <a:ext uri="{28A0092B-C50C-407E-A947-70E740481C1C}">
+                <a14:useLocalDpi xmlns:a14="http://schemas.microsoft.com/office/drawing/2010/main" val="0"/>
+              </a:ext>
+            </a:extLst>
+          </a:blip>
+          <a:stretch>
+            <a:fillRect/>
+          </a:stretch>
+        </p:blipFill>
+        <p:spPr>
+          <a:xfrm>
+            <a:off x="13956" y="0"/>
+            <a:ext cx="9118600" cy="6858000"/>
+          </a:xfrm>
+          <a:prstGeom prst="rect">
+            <a:avLst/>
+          </a:prstGeom>
+        </p:spPr>
+      </p:pic>
       <p:sp>
         <p:nvSpPr>
           <p:cNvPr id="2" name="Title 1"/>
@@ -1868,6 +4397,39 @@
           </p:cNvSpPr>
           <p:nvPr>
             <p:ph type="title"/>
+          </p:nvPr>
+        </p:nvSpPr>
+        <p:spPr>
+          <a:xfrm>
+            <a:off x="457201" y="609601"/>
+            <a:ext cx="7772400" cy="1456267"/>
+          </a:xfrm>
+        </p:spPr>
+        <p:txBody>
+          <a:bodyPr>
+            <a:normAutofit/>
+          </a:bodyPr>
+          <a:lstStyle>
+            <a:lvl1pPr>
+              <a:defRPr sz="3200"/>
+            </a:lvl1pPr>
+          </a:lstStyle>
+          <a:p>
+            <a:r>
+              <a:rPr lang="en-US" dirty="0"/>
+              <a:t>Click to edit Master title style</a:t>
+            </a:r>
+          </a:p>
+        </p:txBody>
+      </p:sp>
+      <p:sp>
+        <p:nvSpPr>
+          <p:cNvPr id="3" name="Date Placeholder 2"/>
+          <p:cNvSpPr>
+            <a:spLocks noGrp="1"/>
+          </p:cNvSpPr>
+          <p:nvPr>
+            <p:ph type="dt" sz="half" idx="10"/>
           </p:nvPr>
         </p:nvSpPr>
         <p:spPr/>
@@ -1875,21 +4437,23 @@
           <a:bodyPr/>
           <a:lstStyle/>
           <a:p>
-            <a:r>
-              <a:rPr lang="en-US"/>
-              <a:t>Click to edit Master title style</a:t>
-            </a:r>
-          </a:p>
-        </p:txBody>
-      </p:sp>
-      <p:sp>
-        <p:nvSpPr>
-          <p:cNvPr id="3" name="Date Placeholder 2"/>
-          <p:cNvSpPr>
-            <a:spLocks noGrp="1"/>
-          </p:cNvSpPr>
-          <p:nvPr>
-            <p:ph type="dt" sz="half" idx="10"/>
+            <a:fld id="{B61BEF0D-F0BB-DE4B-95CE-6DB70DBA9567}" type="datetimeFigureOut">
+              <a:rPr lang="en-US" dirty="0"/>
+              <a:pPr/>
+              <a:t>12/13/2025</a:t>
+            </a:fld>
+            <a:endParaRPr lang="en-US" dirty="0"/>
+          </a:p>
+        </p:txBody>
+      </p:sp>
+      <p:sp>
+        <p:nvSpPr>
+          <p:cNvPr id="4" name="Footer Placeholder 3"/>
+          <p:cNvSpPr>
+            <a:spLocks noGrp="1"/>
+          </p:cNvSpPr>
+          <p:nvPr>
+            <p:ph type="ftr" sz="quarter" idx="11"/>
           </p:nvPr>
         </p:nvSpPr>
         <p:spPr/>
@@ -1897,22 +4461,18 @@
           <a:bodyPr/>
           <a:lstStyle/>
           <a:p>
-            <a:fld id="{5BCAD085-E8A6-8845-BD4E-CB4CCA059FC4}" type="datetimeFigureOut">
-              <a:rPr lang="en-US" smtClean="0"/>
-              <a:t>12/11/2025</a:t>
-            </a:fld>
-            <a:endParaRPr lang="en-US"/>
-          </a:p>
-        </p:txBody>
-      </p:sp>
-      <p:sp>
-        <p:nvSpPr>
-          <p:cNvPr id="4" name="Footer Placeholder 3"/>
-          <p:cNvSpPr>
-            <a:spLocks noGrp="1"/>
-          </p:cNvSpPr>
-          <p:nvPr>
-            <p:ph type="ftr" sz="quarter" idx="11"/>
+            <a:endParaRPr lang="en-US" dirty="0"/>
+          </a:p>
+        </p:txBody>
+      </p:sp>
+      <p:sp>
+        <p:nvSpPr>
+          <p:cNvPr id="5" name="Slide Number Placeholder 4"/>
+          <p:cNvSpPr>
+            <a:spLocks noGrp="1"/>
+          </p:cNvSpPr>
+          <p:nvPr>
+            <p:ph type="sldNum" sz="quarter" idx="12"/>
           </p:nvPr>
         </p:nvSpPr>
         <p:spPr/>
@@ -1920,37 +4480,19 @@
           <a:bodyPr/>
           <a:lstStyle/>
           <a:p>
-            <a:endParaRPr lang="en-US"/>
-          </a:p>
-        </p:txBody>
-      </p:sp>
-      <p:sp>
-        <p:nvSpPr>
-          <p:cNvPr id="5" name="Slide Number Placeholder 4"/>
-          <p:cNvSpPr>
-            <a:spLocks noGrp="1"/>
-          </p:cNvSpPr>
-          <p:nvPr>
-            <p:ph type="sldNum" sz="quarter" idx="12"/>
-          </p:nvPr>
-        </p:nvSpPr>
-        <p:spPr/>
-        <p:txBody>
-          <a:bodyPr/>
-          <a:lstStyle/>
-          <a:p>
-            <a:fld id="{C1FF6DA9-008F-8B48-92A6-B652298478BF}" type="slidenum">
-              <a:rPr lang="en-US" smtClean="0"/>
+            <a:fld id="{D57F1E4F-1CFF-5643-939E-217C01CDF565}" type="slidenum">
+              <a:rPr lang="en-US" dirty="0"/>
+              <a:pPr/>
               <a:t>‹#›</a:t>
             </a:fld>
-            <a:endParaRPr lang="en-US"/>
+            <a:endParaRPr lang="en-US" dirty="0"/>
           </a:p>
         </p:txBody>
       </p:sp>
     </p:spTree>
     <p:extLst>
       <p:ext uri="{BB962C8B-B14F-4D97-AF65-F5344CB8AC3E}">
-        <p14:creationId xmlns:p14="http://schemas.microsoft.com/office/powerpoint/2010/main" val="727027711"/>
+        <p14:creationId xmlns:p14="http://schemas.microsoft.com/office/powerpoint/2010/main" val="2970584155"/>
       </p:ext>
     </p:extLst>
   </p:cSld>
@@ -1977,6 +4519,36 @@
           <a:chExt cx="0" cy="0"/>
         </a:xfrm>
       </p:grpSpPr>
+      <p:pic>
+        <p:nvPicPr>
+          <p:cNvPr id="5" name="Picture 4" descr="Celestia-R1---OverlayContentSD.png"/>
+          <p:cNvPicPr>
+            <a:picLocks noChangeAspect="1"/>
+          </p:cNvPicPr>
+          <p:nvPr/>
+        </p:nvPicPr>
+        <p:blipFill>
+          <a:blip r:embed="rId2">
+            <a:extLst>
+              <a:ext uri="{28A0092B-C50C-407E-A947-70E740481C1C}">
+                <a14:useLocalDpi xmlns:a14="http://schemas.microsoft.com/office/drawing/2010/main" val="0"/>
+              </a:ext>
+            </a:extLst>
+          </a:blip>
+          <a:stretch>
+            <a:fillRect/>
+          </a:stretch>
+        </p:blipFill>
+        <p:spPr>
+          <a:xfrm>
+            <a:off x="13956" y="0"/>
+            <a:ext cx="9118600" cy="6858000"/>
+          </a:xfrm>
+          <a:prstGeom prst="rect">
+            <a:avLst/>
+          </a:prstGeom>
+        </p:spPr>
+      </p:pic>
       <p:sp>
         <p:nvSpPr>
           <p:cNvPr id="2" name="Date Placeholder 1"/>
@@ -1992,11 +4564,12 @@
           <a:bodyPr/>
           <a:lstStyle/>
           <a:p>
-            <a:fld id="{5BCAD085-E8A6-8845-BD4E-CB4CCA059FC4}" type="datetimeFigureOut">
-              <a:rPr lang="en-US" smtClean="0"/>
-              <a:t>12/11/2025</a:t>
+            <a:fld id="{B61BEF0D-F0BB-DE4B-95CE-6DB70DBA9567}" type="datetimeFigureOut">
+              <a:rPr lang="en-US" dirty="0"/>
+              <a:pPr/>
+              <a:t>12/13/2025</a:t>
             </a:fld>
-            <a:endParaRPr lang="en-US"/>
+            <a:endParaRPr lang="en-US" dirty="0"/>
           </a:p>
         </p:txBody>
       </p:sp>
@@ -2015,7 +4588,7 @@
           <a:bodyPr/>
           <a:lstStyle/>
           <a:p>
-            <a:endParaRPr lang="en-US"/>
+            <a:endParaRPr lang="en-US" dirty="0"/>
           </a:p>
         </p:txBody>
       </p:sp>
@@ -2034,18 +4607,19 @@
           <a:bodyPr/>
           <a:lstStyle/>
           <a:p>
-            <a:fld id="{C1FF6DA9-008F-8B48-92A6-B652298478BF}" type="slidenum">
-              <a:rPr lang="en-US" smtClean="0"/>
+            <a:fld id="{D57F1E4F-1CFF-5643-939E-217C01CDF565}" type="slidenum">
+              <a:rPr lang="en-US" dirty="0"/>
+              <a:pPr/>
               <a:t>‹#›</a:t>
             </a:fld>
-            <a:endParaRPr lang="en-US"/>
+            <a:endParaRPr lang="en-US" dirty="0"/>
           </a:p>
         </p:txBody>
       </p:sp>
     </p:spTree>
     <p:extLst>
       <p:ext uri="{BB962C8B-B14F-4D97-AF65-F5344CB8AC3E}">
-        <p14:creationId xmlns:p14="http://schemas.microsoft.com/office/powerpoint/2010/main" val="1212999818"/>
+        <p14:creationId xmlns:p14="http://schemas.microsoft.com/office/powerpoint/2010/main" val="2769858038"/>
       </p:ext>
     </p:extLst>
   </p:cSld>
@@ -2072,6 +4646,36 @@
           <a:chExt cx="0" cy="0"/>
         </a:xfrm>
       </p:grpSpPr>
+      <p:pic>
+        <p:nvPicPr>
+          <p:cNvPr id="12" name="Picture 11" descr="Celestia-R1---OverlayContentSD.png"/>
+          <p:cNvPicPr>
+            <a:picLocks noChangeAspect="1"/>
+          </p:cNvPicPr>
+          <p:nvPr/>
+        </p:nvPicPr>
+        <p:blipFill>
+          <a:blip r:embed="rId2">
+            <a:extLst>
+              <a:ext uri="{28A0092B-C50C-407E-A947-70E740481C1C}">
+                <a14:useLocalDpi xmlns:a14="http://schemas.microsoft.com/office/drawing/2010/main" val="0"/>
+              </a:ext>
+            </a:extLst>
+          </a:blip>
+          <a:stretch>
+            <a:fillRect/>
+          </a:stretch>
+        </p:blipFill>
+        <p:spPr>
+          <a:xfrm>
+            <a:off x="13956" y="0"/>
+            <a:ext cx="9118600" cy="6858000"/>
+          </a:xfrm>
+          <a:prstGeom prst="rect">
+            <a:avLst/>
+          </a:prstGeom>
+        </p:spPr>
+      </p:pic>
       <p:sp>
         <p:nvSpPr>
           <p:cNvPr id="2" name="Title 1"/>
@@ -2084,20 +4688,22 @@
         </p:nvSpPr>
         <p:spPr>
           <a:xfrm>
-            <a:off x="457200" y="273050"/>
-            <a:ext cx="3008313" cy="1162050"/>
-          </a:xfrm>
-        </p:spPr>
-        <p:txBody>
-          <a:bodyPr anchor="b"/>
+            <a:off x="461718" y="1557868"/>
+            <a:ext cx="2862910" cy="1439332"/>
+          </a:xfrm>
+        </p:spPr>
+        <p:txBody>
+          <a:bodyPr anchor="b">
+            <a:normAutofit/>
+          </a:bodyPr>
           <a:lstStyle>
             <a:lvl1pPr algn="l">
-              <a:defRPr sz="2000" b="1"/>
+              <a:defRPr sz="2400" b="0"/>
             </a:lvl1pPr>
           </a:lstStyle>
           <a:p>
             <a:r>
-              <a:rPr lang="en-US"/>
+              <a:rPr lang="en-US" dirty="0"/>
               <a:t>Click to edit Master title style</a:t>
             </a:r>
           </a:p>
@@ -2115,73 +4721,47 @@
         </p:nvSpPr>
         <p:spPr>
           <a:xfrm>
-            <a:off x="3575050" y="273050"/>
-            <a:ext cx="5111750" cy="5853113"/>
-          </a:xfrm>
-        </p:spPr>
-        <p:txBody>
-          <a:bodyPr/>
-          <a:lstStyle>
-            <a:lvl1pPr>
-              <a:defRPr sz="3200"/>
-            </a:lvl1pPr>
-            <a:lvl2pPr>
-              <a:defRPr sz="2800"/>
-            </a:lvl2pPr>
-            <a:lvl3pPr>
-              <a:defRPr sz="2400"/>
-            </a:lvl3pPr>
-            <a:lvl4pPr>
-              <a:defRPr sz="2000"/>
-            </a:lvl4pPr>
-            <a:lvl5pPr>
-              <a:defRPr sz="2000"/>
-            </a:lvl5pPr>
-            <a:lvl6pPr>
-              <a:defRPr sz="2000"/>
-            </a:lvl6pPr>
-            <a:lvl7pPr>
-              <a:defRPr sz="2000"/>
-            </a:lvl7pPr>
-            <a:lvl8pPr>
-              <a:defRPr sz="2000"/>
-            </a:lvl8pPr>
-            <a:lvl9pPr>
-              <a:defRPr sz="2000"/>
-            </a:lvl9pPr>
-          </a:lstStyle>
+            <a:off x="3606144" y="609601"/>
+            <a:ext cx="4627975" cy="5181600"/>
+          </a:xfrm>
+        </p:spPr>
+        <p:txBody>
+          <a:bodyPr anchor="ctr">
+            <a:normAutofit/>
+          </a:bodyPr>
+          <a:lstStyle/>
           <a:p>
             <a:pPr lvl="0"/>
             <a:r>
-              <a:rPr lang="en-US"/>
+              <a:rPr lang="en-US" dirty="0"/>
               <a:t>Click to edit Master text styles</a:t>
             </a:r>
           </a:p>
           <a:p>
             <a:pPr lvl="1"/>
             <a:r>
-              <a:rPr lang="en-US"/>
+              <a:rPr lang="en-US" dirty="0"/>
               <a:t>Second level</a:t>
             </a:r>
           </a:p>
           <a:p>
             <a:pPr lvl="2"/>
             <a:r>
-              <a:rPr lang="en-US"/>
+              <a:rPr lang="en-US" dirty="0"/>
               <a:t>Third level</a:t>
             </a:r>
           </a:p>
           <a:p>
             <a:pPr lvl="3"/>
             <a:r>
-              <a:rPr lang="en-US"/>
+              <a:rPr lang="en-US" dirty="0"/>
               <a:t>Fourth level</a:t>
             </a:r>
           </a:p>
           <a:p>
             <a:pPr lvl="4"/>
             <a:r>
-              <a:rPr lang="en-US"/>
+              <a:rPr lang="en-US" dirty="0"/>
               <a:t>Fifth level</a:t>
             </a:r>
           </a:p>
@@ -2199,12 +4779,14 @@
         </p:nvSpPr>
         <p:spPr>
           <a:xfrm>
-            <a:off x="457200" y="1435100"/>
-            <a:ext cx="3008313" cy="4691063"/>
-          </a:xfrm>
-        </p:spPr>
-        <p:txBody>
-          <a:bodyPr/>
+            <a:off x="461718" y="2997200"/>
+            <a:ext cx="2862910" cy="1845735"/>
+          </a:xfrm>
+        </p:spPr>
+        <p:txBody>
+          <a:bodyPr anchor="t">
+            <a:normAutofit/>
+          </a:bodyPr>
           <a:lstStyle>
             <a:lvl1pPr marL="0" indent="0">
               <a:buNone/>
@@ -2246,7 +4828,7 @@
           <a:p>
             <a:pPr lvl="0"/>
             <a:r>
-              <a:rPr lang="en-US"/>
+              <a:rPr lang="en-US" dirty="0"/>
               <a:t>Click to edit Master text styles</a:t>
             </a:r>
           </a:p>
@@ -2267,11 +4849,12 @@
           <a:bodyPr/>
           <a:lstStyle/>
           <a:p>
-            <a:fld id="{5BCAD085-E8A6-8845-BD4E-CB4CCA059FC4}" type="datetimeFigureOut">
-              <a:rPr lang="en-US" smtClean="0"/>
-              <a:t>12/11/2025</a:t>
+            <a:fld id="{B61BEF0D-F0BB-DE4B-95CE-6DB70DBA9567}" type="datetimeFigureOut">
+              <a:rPr lang="en-US" dirty="0"/>
+              <a:pPr/>
+              <a:t>12/13/2025</a:t>
             </a:fld>
-            <a:endParaRPr lang="en-US"/>
+            <a:endParaRPr lang="en-US" dirty="0"/>
           </a:p>
         </p:txBody>
       </p:sp>
@@ -2290,7 +4873,7 @@
           <a:bodyPr/>
           <a:lstStyle/>
           <a:p>
-            <a:endParaRPr lang="en-US"/>
+            <a:endParaRPr lang="en-US" dirty="0"/>
           </a:p>
         </p:txBody>
       </p:sp>
@@ -2309,18 +4892,19 @@
           <a:bodyPr/>
           <a:lstStyle/>
           <a:p>
-            <a:fld id="{C1FF6DA9-008F-8B48-92A6-B652298478BF}" type="slidenum">
-              <a:rPr lang="en-US" smtClean="0"/>
+            <a:fld id="{D57F1E4F-1CFF-5643-939E-217C01CDF565}" type="slidenum">
+              <a:rPr lang="en-US" dirty="0"/>
+              <a:pPr/>
               <a:t>‹#›</a:t>
             </a:fld>
-            <a:endParaRPr lang="en-US"/>
+            <a:endParaRPr lang="en-US" dirty="0"/>
           </a:p>
         </p:txBody>
       </p:sp>
     </p:spTree>
     <p:extLst>
       <p:ext uri="{BB962C8B-B14F-4D97-AF65-F5344CB8AC3E}">
-        <p14:creationId xmlns:p14="http://schemas.microsoft.com/office/powerpoint/2010/main" val="1840726560"/>
+        <p14:creationId xmlns:p14="http://schemas.microsoft.com/office/powerpoint/2010/main" val="33552088"/>
       </p:ext>
     </p:extLst>
   </p:cSld>
@@ -2347,6 +4931,36 @@
           <a:chExt cx="0" cy="0"/>
         </a:xfrm>
       </p:grpSpPr>
+      <p:pic>
+        <p:nvPicPr>
+          <p:cNvPr id="11" name="Picture 10" descr="Celestia-R1---OverlayContentSD.png"/>
+          <p:cNvPicPr>
+            <a:picLocks noChangeAspect="1"/>
+          </p:cNvPicPr>
+          <p:nvPr/>
+        </p:nvPicPr>
+        <p:blipFill>
+          <a:blip r:embed="rId2">
+            <a:extLst>
+              <a:ext uri="{28A0092B-C50C-407E-A947-70E740481C1C}">
+                <a14:useLocalDpi xmlns:a14="http://schemas.microsoft.com/office/drawing/2010/main" val="0"/>
+              </a:ext>
+            </a:extLst>
+          </a:blip>
+          <a:stretch>
+            <a:fillRect/>
+          </a:stretch>
+        </p:blipFill>
+        <p:spPr>
+          <a:xfrm>
+            <a:off x="13956" y="0"/>
+            <a:ext cx="9118600" cy="6858000"/>
+          </a:xfrm>
+          <a:prstGeom prst="rect">
+            <a:avLst/>
+          </a:prstGeom>
+        </p:spPr>
+      </p:pic>
       <p:sp>
         <p:nvSpPr>
           <p:cNvPr id="2" name="Title 1"/>
@@ -2359,20 +4973,22 @@
         </p:nvSpPr>
         <p:spPr>
           <a:xfrm>
-            <a:off x="1792288" y="4800600"/>
-            <a:ext cx="5486400" cy="566738"/>
-          </a:xfrm>
-        </p:spPr>
-        <p:txBody>
-          <a:bodyPr anchor="b"/>
+            <a:off x="462128" y="1735672"/>
+            <a:ext cx="4097204" cy="1371600"/>
+          </a:xfrm>
+        </p:spPr>
+        <p:txBody>
+          <a:bodyPr anchor="b">
+            <a:normAutofit/>
+          </a:bodyPr>
           <a:lstStyle>
             <a:lvl1pPr algn="l">
-              <a:defRPr sz="2000" b="1"/>
+              <a:defRPr sz="2400" b="0"/>
             </a:lvl1pPr>
           </a:lstStyle>
           <a:p>
             <a:r>
-              <a:rPr lang="en-US"/>
+              <a:rPr lang="en-US" dirty="0"/>
               <a:t>Click to edit Master title style</a:t>
             </a:r>
           </a:p>
@@ -2380,9 +4996,9 @@
       </p:sp>
       <p:sp>
         <p:nvSpPr>
-          <p:cNvPr id="3" name="Picture Placeholder 2"/>
-          <p:cNvSpPr>
-            <a:spLocks noGrp="1"/>
+          <p:cNvPr id="14" name="Picture Placeholder 2"/>
+          <p:cNvSpPr>
+            <a:spLocks noGrp="1" noChangeAspect="1"/>
           </p:cNvSpPr>
           <p:nvPr>
             <p:ph type="pic" idx="1"/>
@@ -2390,77 +5006,82 @@
         </p:nvSpPr>
         <p:spPr>
           <a:xfrm>
-            <a:off x="1792288" y="612775"/>
-            <a:ext cx="5486400" cy="4114800"/>
-          </a:xfrm>
-        </p:spPr>
-        <p:txBody>
-          <a:bodyPr/>
+            <a:off x="5029200" y="914400"/>
+            <a:ext cx="3200400" cy="4572000"/>
+          </a:xfrm>
+          <a:prstGeom prst="roundRect">
+            <a:avLst>
+              <a:gd name="adj" fmla="val 4280"/>
+            </a:avLst>
+          </a:prstGeom>
+          <a:ln w="50800" cap="sq" cmpd="dbl">
+            <a:gradFill flip="none" rotWithShape="1">
+              <a:gsLst>
+                <a:gs pos="0">
+                  <a:srgbClr val="FFFFFF"/>
+                </a:gs>
+                <a:gs pos="100000">
+                  <a:schemeClr val="tx1">
+                    <a:alpha val="0"/>
+                  </a:schemeClr>
+                </a:gs>
+              </a:gsLst>
+              <a:path path="circle">
+                <a:fillToRect l="50000" t="50000" r="50000" b="50000"/>
+              </a:path>
+              <a:tileRect/>
+            </a:gradFill>
+            <a:miter lim="800000"/>
+          </a:ln>
+          <a:effectLst>
+            <a:outerShdw blurRad="254000" algn="tl" rotWithShape="0">
+              <a:srgbClr val="000000">
+                <a:alpha val="43000"/>
+              </a:srgbClr>
+            </a:outerShdw>
+          </a:effectLst>
+        </p:spPr>
+        <p:txBody>
+          <a:bodyPr vert="horz" lIns="91440" tIns="45720" rIns="91440" bIns="45720" rtlCol="0" anchor="t">
+            <a:normAutofit/>
+          </a:bodyPr>
+          <a:lstStyle>
+            <a:lvl1pPr>
+              <a:defRPr lang="en-US" sz="1600" dirty="0"/>
+            </a:lvl1pPr>
+          </a:lstStyle>
+          <a:p>
+            <a:pPr marL="0" lvl="0" indent="0" algn="ctr">
+              <a:buNone/>
+            </a:pPr>
+            <a:endParaRPr lang="en-US" dirty="0"/>
+          </a:p>
+        </p:txBody>
+      </p:sp>
+      <p:sp>
+        <p:nvSpPr>
+          <p:cNvPr id="4" name="Text Placeholder 3"/>
+          <p:cNvSpPr>
+            <a:spLocks noGrp="1"/>
+          </p:cNvSpPr>
+          <p:nvPr>
+            <p:ph type="body" sz="half" idx="2"/>
+          </p:nvPr>
+        </p:nvSpPr>
+        <p:spPr>
+          <a:xfrm>
+            <a:off x="462128" y="3107272"/>
+            <a:ext cx="4097204" cy="1828800"/>
+          </a:xfrm>
+        </p:spPr>
+        <p:txBody>
+          <a:bodyPr anchor="t">
+            <a:normAutofit/>
+          </a:bodyPr>
           <a:lstStyle>
             <a:lvl1pPr marL="0" indent="0">
               <a:buNone/>
-              <a:defRPr sz="3200"/>
-            </a:lvl1pPr>
-            <a:lvl2pPr marL="457200" indent="0">
-              <a:buNone/>
-              <a:defRPr sz="2800"/>
-            </a:lvl2pPr>
-            <a:lvl3pPr marL="914400" indent="0">
-              <a:buNone/>
-              <a:defRPr sz="2400"/>
-            </a:lvl3pPr>
-            <a:lvl4pPr marL="1371600" indent="0">
-              <a:buNone/>
-              <a:defRPr sz="2000"/>
-            </a:lvl4pPr>
-            <a:lvl5pPr marL="1828800" indent="0">
-              <a:buNone/>
-              <a:defRPr sz="2000"/>
-            </a:lvl5pPr>
-            <a:lvl6pPr marL="2286000" indent="0">
-              <a:buNone/>
-              <a:defRPr sz="2000"/>
-            </a:lvl6pPr>
-            <a:lvl7pPr marL="2743200" indent="0">
-              <a:buNone/>
-              <a:defRPr sz="2000"/>
-            </a:lvl7pPr>
-            <a:lvl8pPr marL="3200400" indent="0">
-              <a:buNone/>
-              <a:defRPr sz="2000"/>
-            </a:lvl8pPr>
-            <a:lvl9pPr marL="3657600" indent="0">
-              <a:buNone/>
-              <a:defRPr sz="2000"/>
-            </a:lvl9pPr>
-          </a:lstStyle>
-          <a:p>
-            <a:endParaRPr lang="en-US"/>
-          </a:p>
-        </p:txBody>
-      </p:sp>
-      <p:sp>
-        <p:nvSpPr>
-          <p:cNvPr id="4" name="Text Placeholder 3"/>
-          <p:cNvSpPr>
-            <a:spLocks noGrp="1"/>
-          </p:cNvSpPr>
-          <p:nvPr>
-            <p:ph type="body" sz="half" idx="2"/>
-          </p:nvPr>
-        </p:nvSpPr>
-        <p:spPr>
-          <a:xfrm>
-            <a:off x="1792288" y="5367338"/>
-            <a:ext cx="5486400" cy="804862"/>
-          </a:xfrm>
-        </p:spPr>
-        <p:txBody>
-          <a:bodyPr/>
-          <a:lstStyle>
-            <a:lvl1pPr marL="0" indent="0">
-              <a:buNone/>
-              <a:defRPr sz="1400"/>
+              <a:defRPr sz="1600"/>
             </a:lvl1pPr>
             <a:lvl2pPr marL="457200" indent="0">
               <a:buNone/>
@@ -2498,7 +5119,7 @@
           <a:p>
             <a:pPr lvl="0"/>
             <a:r>
-              <a:rPr lang="en-US"/>
+              <a:rPr lang="en-US" dirty="0"/>
               <a:t>Click to edit Master text styles</a:t>
             </a:r>
           </a:p>
@@ -2519,11 +5140,12 @@
           <a:bodyPr/>
           <a:lstStyle/>
           <a:p>
-            <a:fld id="{5BCAD085-E8A6-8845-BD4E-CB4CCA059FC4}" type="datetimeFigureOut">
-              <a:rPr lang="en-US" smtClean="0"/>
-              <a:t>12/11/2025</a:t>
+            <a:fld id="{B61BEF0D-F0BB-DE4B-95CE-6DB70DBA9567}" type="datetimeFigureOut">
+              <a:rPr lang="en-US" dirty="0"/>
+              <a:pPr/>
+              <a:t>12/13/2025</a:t>
             </a:fld>
-            <a:endParaRPr lang="en-US"/>
+            <a:endParaRPr lang="en-US" dirty="0"/>
           </a:p>
         </p:txBody>
       </p:sp>
@@ -2542,7 +5164,7 @@
           <a:bodyPr/>
           <a:lstStyle/>
           <a:p>
-            <a:endParaRPr lang="en-US"/>
+            <a:endParaRPr lang="en-US" dirty="0"/>
           </a:p>
         </p:txBody>
       </p:sp>
@@ -2561,18 +5183,19 @@
           <a:bodyPr/>
           <a:lstStyle/>
           <a:p>
-            <a:fld id="{C1FF6DA9-008F-8B48-92A6-B652298478BF}" type="slidenum">
-              <a:rPr lang="en-US" smtClean="0"/>
+            <a:fld id="{D57F1E4F-1CFF-5643-939E-217C01CDF565}" type="slidenum">
+              <a:rPr lang="en-US" dirty="0"/>
+              <a:pPr/>
               <a:t>‹#›</a:t>
             </a:fld>
-            <a:endParaRPr lang="en-US"/>
+            <a:endParaRPr lang="en-US" dirty="0"/>
           </a:p>
         </p:txBody>
       </p:sp>
     </p:spTree>
     <p:extLst>
       <p:ext uri="{BB962C8B-B14F-4D97-AF65-F5344CB8AC3E}">
-        <p14:creationId xmlns:p14="http://schemas.microsoft.com/office/powerpoint/2010/main" val="3889236939"/>
+        <p14:creationId xmlns:p14="http://schemas.microsoft.com/office/powerpoint/2010/main" val="4079765774"/>
       </p:ext>
     </p:extLst>
   </p:cSld>
@@ -2586,8 +5209,8 @@
 <p:sldMaster xmlns:a="http://schemas.openxmlformats.org/drawingml/2006/main" xmlns:r="http://schemas.openxmlformats.org/officeDocument/2006/relationships" xmlns:p="http://schemas.openxmlformats.org/presentationml/2006/main">
   <p:cSld>
     <p:bg>
-      <p:bgRef idx="1001">
-        <a:schemeClr val="bg1"/>
+      <p:bgRef idx="1003">
+        <a:schemeClr val="bg2"/>
       </p:bgRef>
     </p:bg>
     <p:spTree>
@@ -2616,12 +5239,13 @@
         </p:nvSpPr>
         <p:spPr>
           <a:xfrm>
-            <a:off x="457200" y="274638"/>
-            <a:ext cx="8229600" cy="1143000"/>
+            <a:off x="457200" y="609601"/>
+            <a:ext cx="7772400" cy="1456267"/>
           </a:xfrm>
           <a:prstGeom prst="rect">
             <a:avLst/>
           </a:prstGeom>
+          <a:effectLst/>
         </p:spPr>
         <p:txBody>
           <a:bodyPr vert="horz" lIns="91440" tIns="45720" rIns="91440" bIns="45720" rtlCol="0" anchor="ctr">
@@ -2630,7 +5254,7 @@
           <a:lstStyle/>
           <a:p>
             <a:r>
-              <a:rPr lang="en-US"/>
+              <a:rPr lang="en-US" dirty="0"/>
               <a:t>Click to edit Master title style</a:t>
             </a:r>
           </a:p>
@@ -2648,50 +5272,50 @@
         </p:nvSpPr>
         <p:spPr>
           <a:xfrm>
-            <a:off x="457200" y="1600200"/>
-            <a:ext cx="8229600" cy="4525963"/>
+            <a:off x="457200" y="2142068"/>
+            <a:ext cx="7772400" cy="3649133"/>
           </a:xfrm>
           <a:prstGeom prst="rect">
             <a:avLst/>
           </a:prstGeom>
         </p:spPr>
         <p:txBody>
-          <a:bodyPr vert="horz" lIns="91440" tIns="45720" rIns="91440" bIns="45720" rtlCol="0">
+          <a:bodyPr vert="horz" lIns="91440" tIns="45720" rIns="91440" bIns="45720" rtlCol="0" anchor="ctr">
             <a:normAutofit/>
           </a:bodyPr>
           <a:lstStyle/>
           <a:p>
             <a:pPr lvl="0"/>
             <a:r>
-              <a:rPr lang="en-US"/>
+              <a:rPr lang="en-US" dirty="0"/>
               <a:t>Click to edit Master text styles</a:t>
             </a:r>
           </a:p>
           <a:p>
             <a:pPr lvl="1"/>
             <a:r>
-              <a:rPr lang="en-US"/>
+              <a:rPr lang="en-US" dirty="0"/>
               <a:t>Second level</a:t>
             </a:r>
           </a:p>
           <a:p>
             <a:pPr lvl="2"/>
             <a:r>
-              <a:rPr lang="en-US"/>
+              <a:rPr lang="en-US" dirty="0"/>
               <a:t>Third level</a:t>
             </a:r>
           </a:p>
           <a:p>
             <a:pPr lvl="3"/>
             <a:r>
-              <a:rPr lang="en-US"/>
+              <a:rPr lang="en-US" dirty="0"/>
               <a:t>Fourth level</a:t>
             </a:r>
           </a:p>
           <a:p>
             <a:pPr lvl="4"/>
             <a:r>
-              <a:rPr lang="en-US"/>
+              <a:rPr lang="en-US" dirty="0"/>
               <a:t>Fifth level</a:t>
             </a:r>
           </a:p>
@@ -2709,8 +5333,8 @@
         </p:nvSpPr>
         <p:spPr>
           <a:xfrm>
-            <a:off x="457200" y="6356350"/>
-            <a:ext cx="2133600" cy="365125"/>
+            <a:off x="6523712" y="5870576"/>
+            <a:ext cx="1212173" cy="377825"/>
           </a:xfrm>
           <a:prstGeom prst="rect">
             <a:avLst/>
@@ -2719,22 +5343,23 @@
         <p:txBody>
           <a:bodyPr vert="horz" lIns="91440" tIns="45720" rIns="91440" bIns="45720" rtlCol="0" anchor="ctr"/>
           <a:lstStyle>
-            <a:lvl1pPr algn="l">
-              <a:defRPr sz="1200">
-                <a:solidFill>
-                  <a:schemeClr val="tx1">
-                    <a:tint val="75000"/>
-                  </a:schemeClr>
-                </a:solidFill>
+            <a:lvl1pPr algn="r">
+              <a:defRPr sz="1000" b="0" i="0">
+                <a:solidFill>
+                  <a:schemeClr val="tx1"/>
+                </a:solidFill>
+                <a:effectLst/>
+                <a:latin typeface="+mn-lt"/>
               </a:defRPr>
             </a:lvl1pPr>
           </a:lstStyle>
           <a:p>
-            <a:fld id="{5BCAD085-E8A6-8845-BD4E-CB4CCA059FC4}" type="datetimeFigureOut">
-              <a:rPr lang="en-US" smtClean="0"/>
-              <a:t>12/11/2025</a:t>
+            <a:fld id="{B61BEF0D-F0BB-DE4B-95CE-6DB70DBA9567}" type="datetimeFigureOut">
+              <a:rPr lang="en-US" dirty="0"/>
+              <a:pPr/>
+              <a:t>12/13/2025</a:t>
             </a:fld>
-            <a:endParaRPr lang="en-US"/>
+            <a:endParaRPr lang="en-US" dirty="0"/>
           </a:p>
         </p:txBody>
       </p:sp>
@@ -2750,8 +5375,8 @@
         </p:nvSpPr>
         <p:spPr>
           <a:xfrm>
-            <a:off x="3124200" y="6356350"/>
-            <a:ext cx="2895600" cy="365125"/>
+            <a:off x="457200" y="5870576"/>
+            <a:ext cx="5990311" cy="377825"/>
           </a:xfrm>
           <a:prstGeom prst="rect">
             <a:avLst/>
@@ -2760,18 +5385,18 @@
         <p:txBody>
           <a:bodyPr vert="horz" lIns="91440" tIns="45720" rIns="91440" bIns="45720" rtlCol="0" anchor="ctr"/>
           <a:lstStyle>
-            <a:lvl1pPr algn="ctr">
-              <a:defRPr sz="1200">
-                <a:solidFill>
-                  <a:schemeClr val="tx1">
-                    <a:tint val="75000"/>
-                  </a:schemeClr>
-                </a:solidFill>
+            <a:lvl1pPr algn="l">
+              <a:defRPr sz="1000" b="0" i="0">
+                <a:solidFill>
+                  <a:schemeClr val="tx1"/>
+                </a:solidFill>
+                <a:effectLst/>
+                <a:latin typeface="+mn-lt"/>
               </a:defRPr>
             </a:lvl1pPr>
           </a:lstStyle>
           <a:p>
-            <a:endParaRPr lang="en-US"/>
+            <a:endParaRPr lang="en-US" dirty="0"/>
           </a:p>
         </p:txBody>
       </p:sp>
@@ -2787,8 +5412,8 @@
         </p:nvSpPr>
         <p:spPr>
           <a:xfrm>
-            <a:off x="6553200" y="6356350"/>
-            <a:ext cx="2133600" cy="365125"/>
+            <a:off x="7812085" y="5870576"/>
+            <a:ext cx="417516" cy="377825"/>
           </a:xfrm>
           <a:prstGeom prst="rect">
             <a:avLst/>
@@ -2798,73 +5423,148 @@
           <a:bodyPr vert="horz" lIns="91440" tIns="45720" rIns="91440" bIns="45720" rtlCol="0" anchor="ctr"/>
           <a:lstStyle>
             <a:lvl1pPr algn="r">
-              <a:defRPr sz="1200">
-                <a:solidFill>
-                  <a:schemeClr val="tx1">
-                    <a:tint val="75000"/>
-                  </a:schemeClr>
-                </a:solidFill>
+              <a:defRPr sz="1000" b="0" i="0">
+                <a:solidFill>
+                  <a:schemeClr val="tx1"/>
+                </a:solidFill>
+                <a:effectLst/>
+                <a:latin typeface="+mn-lt"/>
               </a:defRPr>
             </a:lvl1pPr>
           </a:lstStyle>
           <a:p>
-            <a:fld id="{C1FF6DA9-008F-8B48-92A6-B652298478BF}" type="slidenum">
-              <a:rPr lang="en-US" smtClean="0"/>
+            <a:fld id="{D57F1E4F-1CFF-5643-939E-217C01CDF565}" type="slidenum">
+              <a:rPr lang="en-US" dirty="0"/>
+              <a:pPr/>
               <a:t>‹#›</a:t>
             </a:fld>
-            <a:endParaRPr lang="en-US"/>
+            <a:endParaRPr lang="en-US" dirty="0"/>
           </a:p>
         </p:txBody>
       </p:sp>
     </p:spTree>
     <p:extLst>
       <p:ext uri="{BB962C8B-B14F-4D97-AF65-F5344CB8AC3E}">
-        <p14:creationId xmlns:p14="http://schemas.microsoft.com/office/powerpoint/2010/main" val="2209977519"/>
+        <p14:creationId xmlns:p14="http://schemas.microsoft.com/office/powerpoint/2010/main" val="3053028592"/>
       </p:ext>
     </p:extLst>
   </p:cSld>
-  <p:clrMap bg1="lt1" tx1="dk1" bg2="lt2" tx2="dk2" accent1="accent1" accent2="accent2" accent3="accent3" accent4="accent4" accent5="accent5" accent6="accent6" hlink="hlink" folHlink="folHlink"/>
+  <p:clrMap bg1="dk1" tx1="lt1" bg2="dk2" tx2="lt2" accent1="accent1" accent2="accent2" accent3="accent3" accent4="accent4" accent5="accent5" accent6="accent6" hlink="hlink" folHlink="folHlink"/>
   <p:sldLayoutIdLst>
-    <p:sldLayoutId id="2147483649" r:id="rId1"/>
-    <p:sldLayoutId id="2147483650" r:id="rId2"/>
-    <p:sldLayoutId id="2147483651" r:id="rId3"/>
-    <p:sldLayoutId id="2147483652" r:id="rId4"/>
-    <p:sldLayoutId id="2147483653" r:id="rId5"/>
-    <p:sldLayoutId id="2147483654" r:id="rId6"/>
-    <p:sldLayoutId id="2147483655" r:id="rId7"/>
-    <p:sldLayoutId id="2147483656" r:id="rId8"/>
-    <p:sldLayoutId id="2147483657" r:id="rId9"/>
-    <p:sldLayoutId id="2147483658" r:id="rId10"/>
-    <p:sldLayoutId id="2147483659" r:id="rId11"/>
+    <p:sldLayoutId id="2147483733" r:id="rId1"/>
+    <p:sldLayoutId id="2147483734" r:id="rId2"/>
+    <p:sldLayoutId id="2147483735" r:id="rId3"/>
+    <p:sldLayoutId id="2147483736" r:id="rId4"/>
+    <p:sldLayoutId id="2147483737" r:id="rId5"/>
+    <p:sldLayoutId id="2147483738" r:id="rId6"/>
+    <p:sldLayoutId id="2147483739" r:id="rId7"/>
+    <p:sldLayoutId id="2147483740" r:id="rId8"/>
+    <p:sldLayoutId id="2147483741" r:id="rId9"/>
+    <p:sldLayoutId id="2147483742" r:id="rId10"/>
+    <p:sldLayoutId id="2147483743" r:id="rId11"/>
+    <p:sldLayoutId id="2147483744" r:id="rId12"/>
+    <p:sldLayoutId id="2147483745" r:id="rId13"/>
+    <p:sldLayoutId id="2147483746" r:id="rId14"/>
+    <p:sldLayoutId id="2147483747" r:id="rId15"/>
+    <p:sldLayoutId id="2147483748" r:id="rId16"/>
+    <p:sldLayoutId id="2147483749" r:id="rId17"/>
   </p:sldLayoutIdLst>
   <p:txStyles>
     <p:titleStyle>
-      <a:lvl1pPr algn="ctr" defTabSz="457200" rtl="0" eaLnBrk="1" latinLnBrk="0" hangingPunct="1">
+      <a:lvl1pPr algn="l" defTabSz="457200" rtl="0" eaLnBrk="1" latinLnBrk="0" hangingPunct="1">
         <a:spcBef>
           <a:spcPct val="0"/>
         </a:spcBef>
         <a:buNone/>
-        <a:defRPr sz="4400" kern="1200">
+        <a:defRPr sz="3200" kern="1200" cap="all">
+          <a:ln w="3175" cmpd="sng">
+            <a:noFill/>
+          </a:ln>
           <a:solidFill>
             <a:schemeClr val="tx1"/>
           </a:solidFill>
+          <a:effectLst/>
           <a:latin typeface="+mj-lt"/>
           <a:ea typeface="+mj-ea"/>
           <a:cs typeface="+mj-cs"/>
         </a:defRPr>
       </a:lvl1pPr>
+      <a:lvl2pPr eaLnBrk="1" hangingPunct="1">
+        <a:defRPr>
+          <a:solidFill>
+            <a:schemeClr val="tx2"/>
+          </a:solidFill>
+        </a:defRPr>
+      </a:lvl2pPr>
+      <a:lvl3pPr eaLnBrk="1" hangingPunct="1">
+        <a:defRPr>
+          <a:solidFill>
+            <a:schemeClr val="tx2"/>
+          </a:solidFill>
+        </a:defRPr>
+      </a:lvl3pPr>
+      <a:lvl4pPr eaLnBrk="1" hangingPunct="1">
+        <a:defRPr>
+          <a:solidFill>
+            <a:schemeClr val="tx2"/>
+          </a:solidFill>
+        </a:defRPr>
+      </a:lvl4pPr>
+      <a:lvl5pPr eaLnBrk="1" hangingPunct="1">
+        <a:defRPr>
+          <a:solidFill>
+            <a:schemeClr val="tx2"/>
+          </a:solidFill>
+        </a:defRPr>
+      </a:lvl5pPr>
+      <a:lvl6pPr eaLnBrk="1" hangingPunct="1">
+        <a:defRPr>
+          <a:solidFill>
+            <a:schemeClr val="tx2"/>
+          </a:solidFill>
+        </a:defRPr>
+      </a:lvl6pPr>
+      <a:lvl7pPr eaLnBrk="1" hangingPunct="1">
+        <a:defRPr>
+          <a:solidFill>
+            <a:schemeClr val="tx2"/>
+          </a:solidFill>
+        </a:defRPr>
+      </a:lvl7pPr>
+      <a:lvl8pPr eaLnBrk="1" hangingPunct="1">
+        <a:defRPr>
+          <a:solidFill>
+            <a:schemeClr val="tx2"/>
+          </a:solidFill>
+        </a:defRPr>
+      </a:lvl8pPr>
+      <a:lvl9pPr eaLnBrk="1" hangingPunct="1">
+        <a:defRPr>
+          <a:solidFill>
+            <a:schemeClr val="tx2"/>
+          </a:solidFill>
+        </a:defRPr>
+      </a:lvl9pPr>
     </p:titleStyle>
     <p:bodyStyle>
-      <a:lvl1pPr marL="342900" indent="-342900" algn="l" defTabSz="457200" rtl="0" eaLnBrk="1" latinLnBrk="0" hangingPunct="1">
+      <a:lvl1pPr marL="285750" indent="-285750" algn="l" defTabSz="457200" rtl="0" eaLnBrk="1" latinLnBrk="0" hangingPunct="1">
         <a:spcBef>
-          <a:spcPct val="20000"/>
+          <a:spcPts val="0"/>
         </a:spcBef>
+        <a:spcAft>
+          <a:spcPts val="1000"/>
+        </a:spcAft>
+        <a:buClr>
+          <a:schemeClr val="tx1"/>
+        </a:buClr>
+        <a:buSzPct val="100000"/>
         <a:buFont typeface="Arial"/>
         <a:buChar char="•"/>
-        <a:defRPr sz="3200" kern="1200">
+        <a:defRPr sz="1800" kern="1200" cap="none">
           <a:solidFill>
             <a:schemeClr val="tx1"/>
           </a:solidFill>
+          <a:effectLst/>
           <a:latin typeface="+mn-lt"/>
           <a:ea typeface="+mn-ea"/>
           <a:cs typeface="+mn-cs"/>
@@ -2872,59 +5572,91 @@
       </a:lvl1pPr>
       <a:lvl2pPr marL="742950" indent="-285750" algn="l" defTabSz="457200" rtl="0" eaLnBrk="1" latinLnBrk="0" hangingPunct="1">
         <a:spcBef>
-          <a:spcPct val="20000"/>
+          <a:spcPts val="0"/>
         </a:spcBef>
+        <a:spcAft>
+          <a:spcPts val="1000"/>
+        </a:spcAft>
+        <a:buClr>
+          <a:schemeClr val="tx1"/>
+        </a:buClr>
+        <a:buSzPct val="100000"/>
         <a:buFont typeface="Arial"/>
-        <a:buChar char="–"/>
-        <a:defRPr sz="2800" kern="1200">
+        <a:buChar char="•"/>
+        <a:defRPr sz="1600" kern="1200" cap="none">
           <a:solidFill>
             <a:schemeClr val="tx1"/>
           </a:solidFill>
+          <a:effectLst/>
           <a:latin typeface="+mn-lt"/>
           <a:ea typeface="+mn-ea"/>
           <a:cs typeface="+mn-cs"/>
         </a:defRPr>
       </a:lvl2pPr>
-      <a:lvl3pPr marL="1143000" indent="-228600" algn="l" defTabSz="457200" rtl="0" eaLnBrk="1" latinLnBrk="0" hangingPunct="1">
+      <a:lvl3pPr marL="1200150" indent="-285750" algn="l" defTabSz="457200" rtl="0" eaLnBrk="1" latinLnBrk="0" hangingPunct="1">
         <a:spcBef>
-          <a:spcPct val="20000"/>
+          <a:spcPts val="0"/>
         </a:spcBef>
+        <a:spcAft>
+          <a:spcPts val="1000"/>
+        </a:spcAft>
+        <a:buClr>
+          <a:schemeClr val="tx1"/>
+        </a:buClr>
+        <a:buSzPct val="100000"/>
         <a:buFont typeface="Arial"/>
         <a:buChar char="•"/>
-        <a:defRPr sz="2400" kern="1200">
+        <a:defRPr sz="1400" kern="1200" cap="none">
           <a:solidFill>
             <a:schemeClr val="tx1"/>
           </a:solidFill>
+          <a:effectLst/>
           <a:latin typeface="+mn-lt"/>
           <a:ea typeface="+mn-ea"/>
           <a:cs typeface="+mn-cs"/>
         </a:defRPr>
       </a:lvl3pPr>
-      <a:lvl4pPr marL="1600200" indent="-228600" algn="l" defTabSz="457200" rtl="0" eaLnBrk="1" latinLnBrk="0" hangingPunct="1">
+      <a:lvl4pPr marL="1543050" indent="-171450" algn="l" defTabSz="457200" rtl="0" eaLnBrk="1" latinLnBrk="0" hangingPunct="1">
         <a:spcBef>
-          <a:spcPct val="20000"/>
+          <a:spcPts val="0"/>
         </a:spcBef>
+        <a:spcAft>
+          <a:spcPts val="1000"/>
+        </a:spcAft>
+        <a:buClr>
+          <a:schemeClr val="tx1"/>
+        </a:buClr>
+        <a:buSzPct val="100000"/>
         <a:buFont typeface="Arial"/>
-        <a:buChar char="–"/>
-        <a:defRPr sz="2000" kern="1200">
+        <a:buChar char="•"/>
+        <a:defRPr sz="1200" kern="1200" cap="none">
           <a:solidFill>
             <a:schemeClr val="tx1"/>
           </a:solidFill>
+          <a:effectLst/>
           <a:latin typeface="+mn-lt"/>
           <a:ea typeface="+mn-ea"/>
           <a:cs typeface="+mn-cs"/>
         </a:defRPr>
       </a:lvl4pPr>
-      <a:lvl5pPr marL="2057400" indent="-228600" algn="l" defTabSz="457200" rtl="0" eaLnBrk="1" latinLnBrk="0" hangingPunct="1">
+      <a:lvl5pPr marL="2000250" indent="-171450" algn="l" defTabSz="457200" rtl="0" eaLnBrk="1" latinLnBrk="0" hangingPunct="1">
         <a:spcBef>
-          <a:spcPct val="20000"/>
+          <a:spcPts val="0"/>
         </a:spcBef>
+        <a:spcAft>
+          <a:spcPts val="1000"/>
+        </a:spcAft>
+        <a:buClr>
+          <a:schemeClr val="tx1"/>
+        </a:buClr>
+        <a:buSzPct val="100000"/>
         <a:buFont typeface="Arial"/>
-        <a:buChar char="»"/>
-        <a:defRPr sz="2000" kern="1200">
+        <a:buChar char="•"/>
+        <a:defRPr sz="1200" kern="1200" cap="none">
           <a:solidFill>
             <a:schemeClr val="tx1"/>
           </a:solidFill>
+          <a:effectLst/>
           <a:latin typeface="+mn-lt"/>
           <a:ea typeface="+mn-ea"/>
           <a:cs typeface="+mn-cs"/>
@@ -2932,14 +5664,22 @@
       </a:lvl5pPr>
       <a:lvl6pPr marL="2514600" indent="-228600" algn="l" defTabSz="457200" rtl="0" eaLnBrk="1" latinLnBrk="0" hangingPunct="1">
         <a:spcBef>
-          <a:spcPct val="20000"/>
+          <a:spcPts val="0"/>
         </a:spcBef>
+        <a:spcAft>
+          <a:spcPts val="1000"/>
+        </a:spcAft>
+        <a:buClr>
+          <a:schemeClr val="tx1"/>
+        </a:buClr>
+        <a:buSzPct val="100000"/>
         <a:buFont typeface="Arial"/>
         <a:buChar char="•"/>
-        <a:defRPr sz="2000" kern="1200">
+        <a:defRPr sz="1200" kern="1200" cap="none">
           <a:solidFill>
             <a:schemeClr val="tx1"/>
           </a:solidFill>
+          <a:effectLst/>
           <a:latin typeface="+mn-lt"/>
           <a:ea typeface="+mn-ea"/>
           <a:cs typeface="+mn-cs"/>
@@ -2947,14 +5687,22 @@
       </a:lvl6pPr>
       <a:lvl7pPr marL="2971800" indent="-228600" algn="l" defTabSz="457200" rtl="0" eaLnBrk="1" latinLnBrk="0" hangingPunct="1">
         <a:spcBef>
-          <a:spcPct val="20000"/>
+          <a:spcPts val="0"/>
         </a:spcBef>
+        <a:spcAft>
+          <a:spcPts val="1000"/>
+        </a:spcAft>
+        <a:buClr>
+          <a:schemeClr val="tx1"/>
+        </a:buClr>
+        <a:buSzPct val="100000"/>
         <a:buFont typeface="Arial"/>
         <a:buChar char="•"/>
-        <a:defRPr sz="2000" kern="1200">
+        <a:defRPr sz="1200" kern="1200" cap="none">
           <a:solidFill>
             <a:schemeClr val="tx1"/>
           </a:solidFill>
+          <a:effectLst/>
           <a:latin typeface="+mn-lt"/>
           <a:ea typeface="+mn-ea"/>
           <a:cs typeface="+mn-cs"/>
@@ -2962,14 +5710,22 @@
       </a:lvl7pPr>
       <a:lvl8pPr marL="3429000" indent="-228600" algn="l" defTabSz="457200" rtl="0" eaLnBrk="1" latinLnBrk="0" hangingPunct="1">
         <a:spcBef>
-          <a:spcPct val="20000"/>
+          <a:spcPts val="0"/>
         </a:spcBef>
+        <a:spcAft>
+          <a:spcPts val="1000"/>
+        </a:spcAft>
+        <a:buClr>
+          <a:schemeClr val="tx1"/>
+        </a:buClr>
+        <a:buSzPct val="100000"/>
         <a:buFont typeface="Arial"/>
         <a:buChar char="•"/>
-        <a:defRPr sz="2000" kern="1200">
+        <a:defRPr sz="1200" kern="1200" cap="none">
           <a:solidFill>
             <a:schemeClr val="tx1"/>
           </a:solidFill>
+          <a:effectLst/>
           <a:latin typeface="+mn-lt"/>
           <a:ea typeface="+mn-ea"/>
           <a:cs typeface="+mn-cs"/>
@@ -2977,14 +5733,22 @@
       </a:lvl8pPr>
       <a:lvl9pPr marL="3886200" indent="-228600" algn="l" defTabSz="457200" rtl="0" eaLnBrk="1" latinLnBrk="0" hangingPunct="1">
         <a:spcBef>
-          <a:spcPct val="20000"/>
+          <a:spcPts val="0"/>
         </a:spcBef>
+        <a:spcAft>
+          <a:spcPts val="1000"/>
+        </a:spcAft>
+        <a:buClr>
+          <a:schemeClr val="tx1"/>
+        </a:buClr>
+        <a:buSzPct val="100000"/>
         <a:buFont typeface="Arial"/>
         <a:buChar char="•"/>
-        <a:defRPr sz="2000" kern="1200">
+        <a:defRPr sz="1200" kern="1200" cap="none">
           <a:solidFill>
             <a:schemeClr val="tx1"/>
           </a:solidFill>
+          <a:effectLst/>
           <a:latin typeface="+mn-lt"/>
           <a:ea typeface="+mn-ea"/>
           <a:cs typeface="+mn-cs"/>
@@ -3120,14 +5884,18 @@
         <p:spPr/>
         <p:txBody>
           <a:bodyPr>
-            <a:normAutofit fontScale="90000"/>
+            <a:normAutofit/>
           </a:bodyPr>
           <a:lstStyle/>
           <a:p>
             <a:r>
-              <a:rPr dirty="0"/>
+              <a:rPr b="1" dirty="0"/>
               <a:t>Diabetes Prediction Using Machine Learning</a:t>
             </a:r>
+            <a:endParaRPr lang="en-US" b="1" dirty="0">
+              <a:ea typeface="Calibri Light"/>
+              <a:cs typeface="Calibri Light"/>
+            </a:endParaRPr>
           </a:p>
         </p:txBody>
       </p:sp>
@@ -3143,33 +5911,41 @@
         </p:nvSpPr>
         <p:spPr>
           <a:xfrm>
-            <a:off x="457200" y="1930945"/>
+            <a:off x="329105" y="2137867"/>
             <a:ext cx="8229600" cy="1405646"/>
           </a:xfrm>
         </p:spPr>
         <p:txBody>
-          <a:bodyPr>
-            <a:normAutofit fontScale="92500" lnSpcReduction="20000"/>
+          <a:bodyPr vert="horz" lIns="91440" tIns="45720" rIns="91440" bIns="45720" rtlCol="0" anchor="ctr">
+            <a:noAutofit/>
           </a:bodyPr>
           <a:lstStyle/>
           <a:p>
             <a:r>
-              <a:rPr dirty="0"/>
+              <a:rPr sz="2600" dirty="0"/>
               <a:t>Group Project — CP70066E</a:t>
             </a:r>
-          </a:p>
-          <a:p>
-            <a:r>
-              <a:rPr dirty="0"/>
+            <a:endParaRPr lang="en-US" sz="2600">
+              <a:ea typeface="Calibri"/>
+              <a:cs typeface="Calibri"/>
+            </a:endParaRPr>
+          </a:p>
+          <a:p>
+            <a:r>
+              <a:rPr sz="2600" dirty="0"/>
               <a:t>University of West London (RAK Campus)</a:t>
             </a:r>
-          </a:p>
-          <a:p>
-            <a:r>
-              <a:rPr dirty="0"/>
+            <a:endParaRPr sz="2600">
+              <a:ea typeface="Calibri"/>
+              <a:cs typeface="Calibri"/>
+            </a:endParaRPr>
+          </a:p>
+          <a:p>
+            <a:r>
+              <a:rPr sz="2600" dirty="0"/>
               <a:t>Academic Year 2025–26</a:t>
             </a:r>
-            <a:endParaRPr lang="en-US" dirty="0"/>
+            <a:endParaRPr lang="en-US" sz="2600" dirty="0"/>
           </a:p>
           <a:p>
             <a:endParaRPr dirty="0"/>
@@ -3557,15 +6333,24 @@
             <p:ph type="title"/>
           </p:nvPr>
         </p:nvSpPr>
-        <p:spPr/>
+        <p:spPr>
+          <a:xfrm>
+            <a:off x="311727" y="391392"/>
+            <a:ext cx="7772400" cy="1456267"/>
+          </a:xfrm>
+        </p:spPr>
         <p:txBody>
           <a:bodyPr/>
           <a:lstStyle/>
           <a:p>
             <a:r>
-              <a:rPr dirty="0"/>
-              <a:t>Evaluation Metrics</a:t>
-            </a:r>
+              <a:rPr lang="en-US" b="1" dirty="0"/>
+              <a:t>Data Cleaning &amp; Preparation</a:t>
+            </a:r>
+            <a:endParaRPr lang="en-US" b="1" dirty="0">
+              <a:ea typeface="Calibri Light"/>
+              <a:cs typeface="Calibri Light"/>
+            </a:endParaRPr>
           </a:p>
         </p:txBody>
       </p:sp>
@@ -3581,42 +6366,63 @@
         </p:nvSpPr>
         <p:spPr>
           <a:xfrm>
-            <a:off x="457200" y="1600201"/>
-            <a:ext cx="8229600" cy="1828800"/>
-          </a:xfrm>
-        </p:spPr>
-        <p:txBody>
-          <a:bodyPr>
-            <a:normAutofit fontScale="85000" lnSpcReduction="10000"/>
+            <a:off x="311727" y="1610591"/>
+            <a:ext cx="8229600" cy="1901757"/>
+          </a:xfrm>
+        </p:spPr>
+        <p:txBody>
+          <a:bodyPr vert="horz" lIns="91440" tIns="45720" rIns="91440" bIns="45720" rtlCol="0" anchor="t">
+            <a:noAutofit/>
           </a:bodyPr>
           <a:lstStyle/>
           <a:p>
             <a:r>
-              <a:rPr lang="en-US" dirty="0"/>
-              <a:t>Compared models using accuracy, precision, recall, and F1-score</a:t>
-            </a:r>
-          </a:p>
-          <a:p>
-            <a:r>
-              <a:rPr lang="en-US" dirty="0"/>
-              <a:t>Recall prioritized due to medical risk of false negatives</a:t>
-            </a:r>
-          </a:p>
-          <a:p>
-            <a:r>
-              <a:rPr lang="en-US" dirty="0"/>
-              <a:t>Confusion matrix used to interpret error types</a:t>
-            </a:r>
-            <a:endParaRPr dirty="0"/>
+              <a:rPr lang="en-US" sz="2600" dirty="0"/>
+              <a:t>Mean imputation for numerical missing features.</a:t>
+            </a:r>
+            <a:endParaRPr lang="en-US" sz="2600">
+              <a:ea typeface="Calibri"/>
+              <a:cs typeface="Calibri"/>
+            </a:endParaRPr>
+          </a:p>
+          <a:p>
+            <a:r>
+              <a:rPr lang="en-US" sz="2600" dirty="0"/>
+              <a:t>Added quality-flag features.</a:t>
+            </a:r>
+            <a:endParaRPr lang="en-US" sz="2600">
+              <a:ea typeface="Calibri"/>
+              <a:cs typeface="Calibri"/>
+            </a:endParaRPr>
+          </a:p>
+          <a:p>
+            <a:r>
+              <a:rPr lang="en-US" sz="2600" dirty="0"/>
+              <a:t>Categorical → numerical conversions.</a:t>
+            </a:r>
+            <a:endParaRPr lang="en-US" sz="2600">
+              <a:ea typeface="Calibri"/>
+              <a:cs typeface="Calibri"/>
+            </a:endParaRPr>
+          </a:p>
+          <a:p>
+            <a:r>
+              <a:rPr lang="en-US" sz="2600" dirty="0"/>
+              <a:t>SMOTE used to handle imbalance.</a:t>
+            </a:r>
+            <a:endParaRPr lang="en-US" sz="2600">
+              <a:ea typeface="Calibri"/>
+              <a:cs typeface="Calibri"/>
+            </a:endParaRPr>
           </a:p>
         </p:txBody>
       </p:sp>
       <p:pic>
         <p:nvPicPr>
-          <p:cNvPr id="6" name="Picture 5">
+          <p:cNvPr id="7" name="Picture 6">
             <a:extLst>
               <a:ext uri="{FF2B5EF4-FFF2-40B4-BE49-F238E27FC236}">
-                <a16:creationId xmlns:a16="http://schemas.microsoft.com/office/drawing/2014/main" id="{A57C2ACC-D8DE-15FC-BB3E-6289648BA37C}"/>
+                <a16:creationId xmlns:a16="http://schemas.microsoft.com/office/drawing/2014/main" id="{AB967349-EB02-148D-4E92-DADE1661CDC7}"/>
               </a:ext>
             </a:extLst>
           </p:cNvPr>
@@ -3633,8 +6439,8 @@
         </p:blipFill>
         <p:spPr>
           <a:xfrm>
-            <a:off x="2856689" y="3733766"/>
-            <a:ext cx="2785308" cy="2723137"/>
+            <a:off x="4056433" y="3762780"/>
+            <a:ext cx="4319082" cy="2871478"/>
           </a:xfrm>
           <a:prstGeom prst="rect">
             <a:avLst/>
@@ -3683,7 +6489,7 @@
           <a:p>
             <a:r>
               <a:rPr dirty="0"/>
-              <a:t>Threshold Tuning</a:t>
+              <a:t>Feature Engineering</a:t>
             </a:r>
           </a:p>
         </p:txBody>
@@ -3700,8 +6506,129 @@
         </p:nvSpPr>
         <p:spPr>
           <a:xfrm>
-            <a:off x="457200" y="1600201"/>
-            <a:ext cx="8229600" cy="2465961"/>
+            <a:off x="457200" y="1714500"/>
+            <a:ext cx="8229600" cy="1687749"/>
+          </a:xfrm>
+        </p:spPr>
+        <p:txBody>
+          <a:bodyPr>
+            <a:normAutofit fontScale="92500" lnSpcReduction="20000"/>
+          </a:bodyPr>
+          <a:lstStyle/>
+          <a:p>
+            <a:r>
+              <a:rPr dirty="0"/>
+              <a:t>HOMA-IR: Insulin resistance indicator.</a:t>
+            </a:r>
+            <a:endParaRPr lang="en-US" dirty="0">
+              <a:ea typeface="Calibri"/>
+              <a:cs typeface="Calibri"/>
+            </a:endParaRPr>
+          </a:p>
+          <a:p>
+            <a:r>
+              <a:rPr dirty="0"/>
+              <a:t>Glucose risk levels.</a:t>
+            </a:r>
+          </a:p>
+          <a:p>
+            <a:r>
+              <a:rPr dirty="0"/>
+              <a:t>BMI categories.</a:t>
+            </a:r>
+          </a:p>
+          <a:p>
+            <a:r>
+              <a:rPr dirty="0"/>
+              <a:t>Combined metabolic indicators.</a:t>
+            </a:r>
+          </a:p>
+          <a:p>
+            <a:pPr>
+              <a:buClr>
+                <a:srgbClr val="FFFFFF"/>
+              </a:buClr>
+            </a:pPr>
+            <a:r>
+              <a:rPr lang="en-US" dirty="0">
+                <a:ea typeface="Calibri" panose="020F0502020204030204"/>
+                <a:cs typeface="Calibri" panose="020F0502020204030204"/>
+              </a:rPr>
+              <a:t>Polynomial features</a:t>
+            </a:r>
+          </a:p>
+        </p:txBody>
+      </p:sp>
+    </p:spTree>
+  </p:cSld>
+  <p:clrMapOvr>
+    <a:masterClrMapping/>
+  </p:clrMapOvr>
+</p:sld>
+</file>
+
+<file path=ppt/slides/slide12.xml><?xml version="1.0" encoding="utf-8"?>
+<p:sld xmlns:a="http://schemas.openxmlformats.org/drawingml/2006/main" xmlns:r="http://schemas.openxmlformats.org/officeDocument/2006/relationships" xmlns:p="http://schemas.openxmlformats.org/presentationml/2006/main">
+  <p:cSld>
+    <p:spTree>
+      <p:nvGrpSpPr>
+        <p:cNvPr id="1" name=""/>
+        <p:cNvGrpSpPr/>
+        <p:nvPr/>
+      </p:nvGrpSpPr>
+      <p:grpSpPr>
+        <a:xfrm>
+          <a:off x="0" y="0"/>
+          <a:ext cx="0" cy="0"/>
+          <a:chOff x="0" y="0"/>
+          <a:chExt cx="0" cy="0"/>
+        </a:xfrm>
+      </p:grpSpPr>
+      <p:sp>
+        <p:nvSpPr>
+          <p:cNvPr id="2" name="Title 1"/>
+          <p:cNvSpPr>
+            <a:spLocks noGrp="1"/>
+          </p:cNvSpPr>
+          <p:nvPr>
+            <p:ph type="title"/>
+          </p:nvPr>
+        </p:nvSpPr>
+        <p:spPr>
+          <a:xfrm>
+            <a:off x="384464" y="339437"/>
+            <a:ext cx="7772400" cy="1456267"/>
+          </a:xfrm>
+        </p:spPr>
+        <p:txBody>
+          <a:bodyPr/>
+          <a:lstStyle/>
+          <a:p>
+            <a:r>
+              <a:rPr b="1" dirty="0"/>
+              <a:t>Train / Validation / Test Split</a:t>
+            </a:r>
+            <a:endParaRPr lang="en-US" b="1" dirty="0">
+              <a:ea typeface="Calibri Light"/>
+              <a:cs typeface="Calibri Light"/>
+            </a:endParaRPr>
+          </a:p>
+        </p:txBody>
+      </p:sp>
+      <p:sp>
+        <p:nvSpPr>
+          <p:cNvPr id="3" name="Content Placeholder 2"/>
+          <p:cNvSpPr>
+            <a:spLocks noGrp="1"/>
+          </p:cNvSpPr>
+          <p:nvPr>
+            <p:ph idx="1"/>
+          </p:nvPr>
+        </p:nvSpPr>
+        <p:spPr>
+          <a:xfrm>
+            <a:off x="301336" y="1818409"/>
+            <a:ext cx="8229600" cy="1609928"/>
           </a:xfrm>
         </p:spPr>
         <p:txBody>
@@ -3711,45 +6638,42 @@
           <a:lstStyle/>
           <a:p>
             <a:r>
-              <a:rPr lang="en-US" sz="2200" dirty="0"/>
-              <a:t>Default classification threshold is 0.5</a:t>
-            </a:r>
-          </a:p>
-          <a:p>
-            <a:r>
-              <a:rPr lang="en-US" sz="2200" dirty="0"/>
-              <a:t>But in medical screening, false negatives are dangerous</a:t>
-            </a:r>
-          </a:p>
-          <a:p>
-            <a:r>
-              <a:rPr lang="en-US" sz="2200" dirty="0"/>
-              <a:t>Lowering the threshold increases recall (catch more positive cases)</a:t>
-            </a:r>
-          </a:p>
-          <a:p>
-            <a:r>
-              <a:rPr lang="en-US" sz="2200" dirty="0"/>
-              <a:t>Trade-off: higher recall → lower precision (more false positives)</a:t>
-            </a:r>
-          </a:p>
-          <a:p>
-            <a:r>
-              <a:rPr lang="en-US" sz="2400" dirty="0"/>
-              <a:t>Final threshold chosen based on maximizing recall while keeping precision acceptable</a:t>
-            </a:r>
-          </a:p>
-          <a:p>
-            <a:endParaRPr lang="en-US" sz="2200" dirty="0"/>
+              <a:rPr lang="en-US" sz="2600" dirty="0"/>
+              <a:t>Dataset was split into training, validation, and testing subsets</a:t>
+            </a:r>
+            <a:endParaRPr lang="en-US" sz="2600" dirty="0">
+              <a:ea typeface="Calibri"/>
+              <a:cs typeface="Calibri"/>
+            </a:endParaRPr>
+          </a:p>
+          <a:p>
+            <a:r>
+              <a:rPr lang="en-US" sz="2600" dirty="0"/>
+              <a:t>Ensures fair evaluation and prevents overfitting</a:t>
+            </a:r>
+            <a:endParaRPr lang="en-US" sz="2600" dirty="0">
+              <a:ea typeface="Calibri"/>
+              <a:cs typeface="Calibri"/>
+            </a:endParaRPr>
+          </a:p>
+          <a:p>
+            <a:r>
+              <a:rPr lang="en-US" sz="2600" dirty="0"/>
+              <a:t>Validation used for tuning; test set used for final performance check</a:t>
+            </a:r>
+            <a:endParaRPr lang="en-US" sz="2600" dirty="0">
+              <a:ea typeface="Calibri"/>
+              <a:cs typeface="Calibri"/>
+            </a:endParaRPr>
           </a:p>
         </p:txBody>
       </p:sp>
       <p:pic>
         <p:nvPicPr>
-          <p:cNvPr id="7" name="Picture 6">
+          <p:cNvPr id="14" name="Picture 13">
             <a:extLst>
               <a:ext uri="{FF2B5EF4-FFF2-40B4-BE49-F238E27FC236}">
-                <a16:creationId xmlns:a16="http://schemas.microsoft.com/office/drawing/2014/main" id="{F84E6C70-8DB8-002E-89C4-3A7EFF43D967}"/>
+                <a16:creationId xmlns:a16="http://schemas.microsoft.com/office/drawing/2014/main" id="{4A376852-128F-488D-E765-8F81749E5ACB}"/>
               </a:ext>
             </a:extLst>
           </p:cNvPr>
@@ -3766,8 +6690,8 @@
         </p:blipFill>
         <p:spPr>
           <a:xfrm>
-            <a:off x="4830390" y="3822970"/>
-            <a:ext cx="3856409" cy="2910361"/>
+            <a:off x="829973" y="4236838"/>
+            <a:ext cx="7172325" cy="1571625"/>
           </a:xfrm>
           <a:prstGeom prst="rect">
             <a:avLst/>
@@ -3782,18 +6706,12 @@
 </p:sld>
 </file>
 
-<file path=ppt/slides/slide12.xml><?xml version="1.0" encoding="utf-8"?>
+<file path=ppt/slides/slide13.xml><?xml version="1.0" encoding="utf-8"?>
 <p:sld xmlns:a="http://schemas.openxmlformats.org/drawingml/2006/main" xmlns:r="http://schemas.openxmlformats.org/officeDocument/2006/relationships" xmlns:p="http://schemas.openxmlformats.org/presentationml/2006/main">
   <p:cSld>
     <p:spTree>
       <p:nvGrpSpPr>
-        <p:cNvPr id="1" name="">
-          <a:extLst>
-            <a:ext uri="{FF2B5EF4-FFF2-40B4-BE49-F238E27FC236}">
-              <a16:creationId xmlns:a16="http://schemas.microsoft.com/office/drawing/2014/main" id="{D30C05DE-57D8-77BC-190D-3B555FDC65FE}"/>
-            </a:ext>
-          </a:extLst>
-        </p:cNvPr>
+        <p:cNvPr id="1" name=""/>
         <p:cNvGrpSpPr/>
         <p:nvPr/>
       </p:nvGrpSpPr>
@@ -3807,39 +6725,154 @@
       </p:grpSpPr>
       <p:sp>
         <p:nvSpPr>
-          <p:cNvPr id="2" name="Title 1">
+          <p:cNvPr id="2" name="Title 1"/>
+          <p:cNvSpPr>
+            <a:spLocks noGrp="1"/>
+          </p:cNvSpPr>
+          <p:nvPr>
+            <p:ph type="title"/>
+          </p:nvPr>
+        </p:nvSpPr>
+        <p:spPr/>
+        <p:txBody>
+          <a:bodyPr/>
+          <a:lstStyle/>
+          <a:p>
+            <a:r>
+              <a:rPr dirty="0"/>
+              <a:t>Models Evaluated</a:t>
+            </a:r>
+          </a:p>
+        </p:txBody>
+      </p:sp>
+      <p:sp>
+        <p:nvSpPr>
+          <p:cNvPr id="3" name="Content Placeholder 2"/>
+          <p:cNvSpPr>
+            <a:spLocks noGrp="1"/>
+          </p:cNvSpPr>
+          <p:nvPr>
+            <p:ph idx="1"/>
+          </p:nvPr>
+        </p:nvSpPr>
+        <p:spPr/>
+        <p:txBody>
+          <a:bodyPr>
+            <a:normAutofit fontScale="92500" lnSpcReduction="20000"/>
+          </a:bodyPr>
+          <a:lstStyle/>
+          <a:p>
+            <a:r>
+              <a:rPr dirty="0"/>
+              <a:t>Logistic Regression</a:t>
+            </a:r>
+            <a:endParaRPr lang="en-US" dirty="0"/>
+          </a:p>
+          <a:p>
+            <a:r>
+              <a:rPr lang="en-AE" dirty="0"/>
+              <a:t>Decision Trees</a:t>
+            </a:r>
+          </a:p>
+          <a:p>
+            <a:r>
+              <a:rPr lang="en-US" dirty="0"/>
+              <a:t>SVM</a:t>
+            </a:r>
+          </a:p>
+          <a:p>
+            <a:r>
+              <a:rPr lang="en-US" dirty="0"/>
+              <a:t>Random Forest</a:t>
+            </a:r>
+            <a:endParaRPr lang="en-AE" dirty="0"/>
+          </a:p>
+          <a:p>
+            <a:r>
+              <a:rPr lang="en-AE" dirty="0"/>
+              <a:t>Voting Classifier</a:t>
+            </a:r>
+          </a:p>
+          <a:p>
+            <a:r>
+              <a:rPr lang="en-US" dirty="0"/>
+              <a:t>AdaBoost</a:t>
+            </a:r>
+            <a:endParaRPr dirty="0"/>
+          </a:p>
+          <a:p>
+            <a:r>
+              <a:rPr dirty="0"/>
+              <a:t>HistGradientBoosting</a:t>
+            </a:r>
+          </a:p>
+          <a:p>
+            <a:r>
+              <a:rPr err="1"/>
+              <a:t>XGBoost</a:t>
+            </a:r>
+            <a:endParaRPr>
+              <a:ea typeface="Calibri"/>
+              <a:cs typeface="Calibri"/>
+            </a:endParaRPr>
+          </a:p>
+          <a:p>
+            <a:pPr>
+              <a:buClr>
+                <a:srgbClr val="FFFFFF"/>
+              </a:buClr>
+            </a:pPr>
+            <a:r>
+              <a:rPr lang="en-US" err="1">
+                <a:ea typeface="Calibri" panose="020F0502020204030204"/>
+                <a:cs typeface="Calibri" panose="020F0502020204030204"/>
+              </a:rPr>
+              <a:t>GradientBoosting</a:t>
+            </a:r>
+            <a:endParaRPr lang="en-US">
+              <a:ea typeface="Calibri" panose="020F0502020204030204"/>
+              <a:cs typeface="Calibri" panose="020F0502020204030204"/>
+            </a:endParaRPr>
+          </a:p>
+          <a:p>
+            <a:pPr>
+              <a:buClr>
+                <a:srgbClr val="FFFFFF"/>
+              </a:buClr>
+            </a:pPr>
+            <a:r>
+              <a:rPr lang="en-US" dirty="0">
+                <a:solidFill>
+                  <a:srgbClr val="FFFFFF"/>
+                </a:solidFill>
+                <a:ea typeface="+mn-lt"/>
+                <a:cs typeface="+mn-lt"/>
+              </a:rPr>
+              <a:t>Light Gradient Boosting Machine (LGBM)</a:t>
+            </a:r>
+          </a:p>
+          <a:p>
+            <a:pPr>
+              <a:buClr>
+                <a:srgbClr val="FFFFFF"/>
+              </a:buClr>
+            </a:pPr>
+            <a:r>
+              <a:rPr lang="en-US" dirty="0">
+                <a:ea typeface="Calibri" panose="020F0502020204030204"/>
+                <a:cs typeface="Calibri" panose="020F0502020204030204"/>
+              </a:rPr>
+              <a:t>Scaled Model</a:t>
+            </a:r>
+          </a:p>
+        </p:txBody>
+      </p:sp>
+      <p:pic>
+        <p:nvPicPr>
+          <p:cNvPr id="6" name="Picture 5">
             <a:extLst>
               <a:ext uri="{FF2B5EF4-FFF2-40B4-BE49-F238E27FC236}">
-                <a16:creationId xmlns:a16="http://schemas.microsoft.com/office/drawing/2014/main" id="{D36BE833-8AF1-B4D6-F8DC-0DD1608B1A9C}"/>
-              </a:ext>
-            </a:extLst>
-          </p:cNvPr>
-          <p:cNvSpPr>
-            <a:spLocks noGrp="1"/>
-          </p:cNvSpPr>
-          <p:nvPr>
-            <p:ph type="title"/>
-          </p:nvPr>
-        </p:nvSpPr>
-        <p:spPr/>
-        <p:txBody>
-          <a:bodyPr/>
-          <a:lstStyle/>
-          <a:p>
-            <a:r>
-              <a:rPr lang="en-US" dirty="0"/>
-              <a:t>Model Performance Comparison</a:t>
-            </a:r>
-            <a:endParaRPr dirty="0"/>
-          </a:p>
-        </p:txBody>
-      </p:sp>
-      <p:pic>
-        <p:nvPicPr>
-          <p:cNvPr id="8" name="Picture 7">
-            <a:extLst>
-              <a:ext uri="{FF2B5EF4-FFF2-40B4-BE49-F238E27FC236}">
-                <a16:creationId xmlns:a16="http://schemas.microsoft.com/office/drawing/2014/main" id="{5176D7FD-B976-A4CB-AA8F-102BB9EAC96E}"/>
+                <a16:creationId xmlns:a16="http://schemas.microsoft.com/office/drawing/2014/main" id="{C37B87E8-0C5B-A87F-52EC-2C6E0E5F9BA1}"/>
               </a:ext>
             </a:extLst>
           </p:cNvPr>
@@ -3856,169 +6889,15 @@
         </p:blipFill>
         <p:spPr>
           <a:xfrm>
-            <a:off x="843280" y="2726790"/>
-            <a:ext cx="7442200" cy="4007740"/>
+            <a:off x="5332115" y="1417638"/>
+            <a:ext cx="2950433" cy="4525964"/>
           </a:xfrm>
           <a:prstGeom prst="rect">
             <a:avLst/>
           </a:prstGeom>
         </p:spPr>
       </p:pic>
-      <p:sp>
-        <p:nvSpPr>
-          <p:cNvPr id="11" name="TextBox 10">
-            <a:extLst>
-              <a:ext uri="{FF2B5EF4-FFF2-40B4-BE49-F238E27FC236}">
-                <a16:creationId xmlns:a16="http://schemas.microsoft.com/office/drawing/2014/main" id="{1F5E8E0A-25C8-1EEE-FE8A-58420859C088}"/>
-              </a:ext>
-            </a:extLst>
-          </p:cNvPr>
-          <p:cNvSpPr txBox="1"/>
-          <p:nvPr/>
-        </p:nvSpPr>
-        <p:spPr>
-          <a:xfrm>
-            <a:off x="843280" y="1417638"/>
-            <a:ext cx="7112000" cy="1200329"/>
-          </a:xfrm>
-          <a:prstGeom prst="rect">
-            <a:avLst/>
-          </a:prstGeom>
-          <a:noFill/>
-        </p:spPr>
-        <p:txBody>
-          <a:bodyPr wrap="square" rtlCol="0">
-            <a:spAutoFit/>
-          </a:bodyPr>
-          <a:lstStyle/>
-          <a:p>
-            <a:pPr marL="285750" indent="-285750">
-              <a:buFont typeface="Arial" panose="020B0604020202020204" pitchFamily="34" charset="0"/>
-              <a:buChar char="•"/>
-            </a:pPr>
-            <a:r>
-              <a:rPr lang="en-US" dirty="0"/>
-              <a:t>We compared several models including Random Forest, </a:t>
-            </a:r>
-            <a:r>
-              <a:rPr lang="en-US" dirty="0" err="1"/>
-              <a:t>LightGBM</a:t>
-            </a:r>
-            <a:r>
-              <a:rPr lang="en-US" dirty="0"/>
-              <a:t>, HistGradientBoosting, and an ensemble Voting Classifier.</a:t>
-            </a:r>
-            <a:br>
-              <a:rPr lang="en-US" dirty="0"/>
-            </a:br>
-            <a:r>
-              <a:rPr lang="en-US" dirty="0"/>
-              <a:t>Random Forest achieved the best balance across accuracy, recall, and F1.</a:t>
-            </a:r>
-          </a:p>
-        </p:txBody>
-      </p:sp>
     </p:spTree>
-    <p:extLst>
-      <p:ext uri="{BB962C8B-B14F-4D97-AF65-F5344CB8AC3E}">
-        <p14:creationId xmlns:p14="http://schemas.microsoft.com/office/powerpoint/2010/main" val="1487857731"/>
-      </p:ext>
-    </p:extLst>
-  </p:cSld>
-  <p:clrMapOvr>
-    <a:masterClrMapping/>
-  </p:clrMapOvr>
-</p:sld>
-</file>
-
-<file path=ppt/slides/slide13.xml><?xml version="1.0" encoding="utf-8"?>
-<p:sld xmlns:a="http://schemas.openxmlformats.org/drawingml/2006/main" xmlns:r="http://schemas.openxmlformats.org/officeDocument/2006/relationships" xmlns:p="http://schemas.openxmlformats.org/presentationml/2006/main">
-  <p:cSld>
-    <p:spTree>
-      <p:nvGrpSpPr>
-        <p:cNvPr id="1" name="">
-          <a:extLst>
-            <a:ext uri="{FF2B5EF4-FFF2-40B4-BE49-F238E27FC236}">
-              <a16:creationId xmlns:a16="http://schemas.microsoft.com/office/drawing/2014/main" id="{CAC6429E-9F4B-3F7B-21C4-C92F56760A74}"/>
-            </a:ext>
-          </a:extLst>
-        </p:cNvPr>
-        <p:cNvGrpSpPr/>
-        <p:nvPr/>
-      </p:nvGrpSpPr>
-      <p:grpSpPr>
-        <a:xfrm>
-          <a:off x="0" y="0"/>
-          <a:ext cx="0" cy="0"/>
-          <a:chOff x="0" y="0"/>
-          <a:chExt cx="0" cy="0"/>
-        </a:xfrm>
-      </p:grpSpPr>
-      <p:sp>
-        <p:nvSpPr>
-          <p:cNvPr id="2" name="Title 1">
-            <a:extLst>
-              <a:ext uri="{FF2B5EF4-FFF2-40B4-BE49-F238E27FC236}">
-                <a16:creationId xmlns:a16="http://schemas.microsoft.com/office/drawing/2014/main" id="{3E9A0D4E-6068-645E-1B51-3FC4F4F3FBC3}"/>
-              </a:ext>
-            </a:extLst>
-          </p:cNvPr>
-          <p:cNvSpPr>
-            <a:spLocks noGrp="1"/>
-          </p:cNvSpPr>
-          <p:nvPr>
-            <p:ph type="title"/>
-          </p:nvPr>
-        </p:nvSpPr>
-        <p:spPr/>
-        <p:txBody>
-          <a:bodyPr/>
-          <a:lstStyle/>
-          <a:p>
-            <a:r>
-              <a:rPr lang="en-US" dirty="0"/>
-              <a:t>Detailed Metrics Breakdown</a:t>
-            </a:r>
-            <a:endParaRPr dirty="0"/>
-          </a:p>
-        </p:txBody>
-      </p:sp>
-      <p:pic>
-        <p:nvPicPr>
-          <p:cNvPr id="4" name="Picture 3">
-            <a:extLst>
-              <a:ext uri="{FF2B5EF4-FFF2-40B4-BE49-F238E27FC236}">
-                <a16:creationId xmlns:a16="http://schemas.microsoft.com/office/drawing/2014/main" id="{AF4F8607-E0B3-0954-55E6-9EC0843E742E}"/>
-              </a:ext>
-            </a:extLst>
-          </p:cNvPr>
-          <p:cNvPicPr>
-            <a:picLocks noChangeAspect="1"/>
-          </p:cNvPicPr>
-          <p:nvPr/>
-        </p:nvPicPr>
-        <p:blipFill>
-          <a:blip r:embed="rId2"/>
-          <a:stretch>
-            <a:fillRect/>
-          </a:stretch>
-        </p:blipFill>
-        <p:spPr>
-          <a:xfrm>
-            <a:off x="533748" y="1417638"/>
-            <a:ext cx="8274972" cy="5210657"/>
-          </a:xfrm>
-          <a:prstGeom prst="rect">
-            <a:avLst/>
-          </a:prstGeom>
-        </p:spPr>
-      </p:pic>
-    </p:spTree>
-    <p:extLst>
-      <p:ext uri="{BB962C8B-B14F-4D97-AF65-F5344CB8AC3E}">
-        <p14:creationId xmlns:p14="http://schemas.microsoft.com/office/powerpoint/2010/main" val="2937559039"/>
-      </p:ext>
-    </p:extLst>
   </p:cSld>
   <p:clrMapOvr>
     <a:masterClrMapping/>
@@ -4059,9 +6938,13 @@
           <a:lstStyle/>
           <a:p>
             <a:r>
-              <a:rPr dirty="0"/>
-              <a:t>Unsupervised Learning</a:t>
-            </a:r>
+              <a:rPr b="1" dirty="0"/>
+              <a:t>Evaluation Metrics</a:t>
+            </a:r>
+            <a:endParaRPr lang="en-US" b="1" dirty="0">
+              <a:ea typeface="Calibri Light"/>
+              <a:cs typeface="Calibri Light"/>
+            </a:endParaRPr>
           </a:p>
         </p:txBody>
       </p:sp>
@@ -4077,41 +6960,42 @@
         </p:nvSpPr>
         <p:spPr>
           <a:xfrm>
-            <a:off x="457200" y="1600200"/>
-            <a:ext cx="8229600" cy="2158999"/>
+            <a:off x="457200" y="1600201"/>
+            <a:ext cx="8229600" cy="1828800"/>
           </a:xfrm>
         </p:spPr>
         <p:txBody>
           <a:bodyPr>
-            <a:noAutofit/>
+            <a:normAutofit fontScale="85000" lnSpcReduction="10000"/>
           </a:bodyPr>
           <a:lstStyle/>
           <a:p>
             <a:r>
-              <a:rPr lang="en-US" sz="2200" dirty="0"/>
-              <a:t>We experimented with advanced optimization methods, including Selective Retraining.</a:t>
-            </a:r>
-          </a:p>
-          <a:p>
-            <a:r>
-              <a:rPr lang="en-US" sz="2200" dirty="0"/>
-              <a:t>These methods did not improve performance on our dataset due to data size, noise, and feature variability.</a:t>
-            </a:r>
-          </a:p>
-          <a:p>
-            <a:r>
-              <a:rPr lang="en-US" sz="2200" dirty="0"/>
-              <a:t>We removed this step from the final pipeline to keep the model simpler, more stable, and easier to interpret.</a:t>
-            </a:r>
+              <a:rPr lang="en-US" dirty="0"/>
+              <a:t>Compared models using accuracy, precision, recall, and F1-score</a:t>
+            </a:r>
+          </a:p>
+          <a:p>
+            <a:r>
+              <a:rPr lang="en-US" dirty="0"/>
+              <a:t>Recall prioritized due to medical risk of false negatives</a:t>
+            </a:r>
+          </a:p>
+          <a:p>
+            <a:r>
+              <a:rPr lang="en-US" dirty="0"/>
+              <a:t>Confusion matrix used to interpret error types</a:t>
+            </a:r>
+            <a:endParaRPr dirty="0"/>
           </a:p>
         </p:txBody>
       </p:sp>
       <p:pic>
         <p:nvPicPr>
-          <p:cNvPr id="7" name="Picture 6">
+          <p:cNvPr id="6" name="Picture 5">
             <a:extLst>
               <a:ext uri="{FF2B5EF4-FFF2-40B4-BE49-F238E27FC236}">
-                <a16:creationId xmlns:a16="http://schemas.microsoft.com/office/drawing/2014/main" id="{B1C1C46F-F07C-2BF3-AE08-36FA5176714C}"/>
+                <a16:creationId xmlns:a16="http://schemas.microsoft.com/office/drawing/2014/main" id="{A57C2ACC-D8DE-15FC-BB3E-6289648BA37C}"/>
               </a:ext>
             </a:extLst>
           </p:cNvPr>
@@ -4128,20 +7012,378 @@
         </p:blipFill>
         <p:spPr>
           <a:xfrm>
-            <a:off x="262649" y="4096765"/>
-            <a:ext cx="2743200" cy="2809875"/>
+            <a:off x="2856689" y="3733766"/>
+            <a:ext cx="2785308" cy="2723137"/>
           </a:xfrm>
           <a:prstGeom prst="rect">
             <a:avLst/>
           </a:prstGeom>
         </p:spPr>
       </p:pic>
+    </p:spTree>
+  </p:cSld>
+  <p:clrMapOvr>
+    <a:masterClrMapping/>
+  </p:clrMapOvr>
+</p:sld>
+</file>
+
+<file path=ppt/slides/slide15.xml><?xml version="1.0" encoding="utf-8"?>
+<p:sld xmlns:a="http://schemas.openxmlformats.org/drawingml/2006/main" xmlns:r="http://schemas.openxmlformats.org/officeDocument/2006/relationships" xmlns:p="http://schemas.openxmlformats.org/presentationml/2006/main">
+  <p:cSld>
+    <p:spTree>
+      <p:nvGrpSpPr>
+        <p:cNvPr id="1" name="">
+          <a:extLst>
+            <a:ext uri="{FF2B5EF4-FFF2-40B4-BE49-F238E27FC236}">
+              <a16:creationId xmlns:a16="http://schemas.microsoft.com/office/drawing/2014/main" id="{D30C05DE-57D8-77BC-190D-3B555FDC65FE}"/>
+            </a:ext>
+          </a:extLst>
+        </p:cNvPr>
+        <p:cNvGrpSpPr/>
+        <p:nvPr/>
+      </p:nvGrpSpPr>
+      <p:grpSpPr>
+        <a:xfrm>
+          <a:off x="0" y="0"/>
+          <a:ext cx="0" cy="0"/>
+          <a:chOff x="0" y="0"/>
+          <a:chExt cx="0" cy="0"/>
+        </a:xfrm>
+      </p:grpSpPr>
+      <p:sp>
+        <p:nvSpPr>
+          <p:cNvPr id="2" name="Title 1">
+            <a:extLst>
+              <a:ext uri="{FF2B5EF4-FFF2-40B4-BE49-F238E27FC236}">
+                <a16:creationId xmlns:a16="http://schemas.microsoft.com/office/drawing/2014/main" id="{D36BE833-8AF1-B4D6-F8DC-0DD1608B1A9C}"/>
+              </a:ext>
+            </a:extLst>
+          </p:cNvPr>
+          <p:cNvSpPr>
+            <a:spLocks noGrp="1"/>
+          </p:cNvSpPr>
+          <p:nvPr>
+            <p:ph type="title"/>
+          </p:nvPr>
+        </p:nvSpPr>
+        <p:spPr>
+          <a:xfrm>
+            <a:off x="415636" y="256310"/>
+            <a:ext cx="7772400" cy="1456267"/>
+          </a:xfrm>
+        </p:spPr>
+        <p:txBody>
+          <a:bodyPr/>
+          <a:lstStyle/>
+          <a:p>
+            <a:r>
+              <a:rPr lang="en-US" b="1" dirty="0"/>
+              <a:t>Model Performance Comparison</a:t>
+            </a:r>
+            <a:endParaRPr lang="en-US" b="1">
+              <a:ea typeface="Calibri Light"/>
+              <a:cs typeface="Calibri Light"/>
+            </a:endParaRPr>
+          </a:p>
+        </p:txBody>
+      </p:sp>
+      <p:sp>
+        <p:nvSpPr>
+          <p:cNvPr id="11" name="TextBox 10">
+            <a:extLst>
+              <a:ext uri="{FF2B5EF4-FFF2-40B4-BE49-F238E27FC236}">
+                <a16:creationId xmlns:a16="http://schemas.microsoft.com/office/drawing/2014/main" id="{1F5E8E0A-25C8-1EEE-FE8A-58420859C088}"/>
+              </a:ext>
+            </a:extLst>
+          </p:cNvPr>
+          <p:cNvSpPr txBox="1"/>
+          <p:nvPr/>
+        </p:nvSpPr>
+        <p:spPr>
+          <a:xfrm>
+            <a:off x="417253" y="1376074"/>
+            <a:ext cx="7112000" cy="1200329"/>
+          </a:xfrm>
+          <a:prstGeom prst="rect">
+            <a:avLst/>
+          </a:prstGeom>
+          <a:noFill/>
+        </p:spPr>
+        <p:txBody>
+          <a:bodyPr wrap="square" rtlCol="0">
+            <a:spAutoFit/>
+          </a:bodyPr>
+          <a:lstStyle/>
+          <a:p>
+            <a:pPr marL="285750" indent="-285750">
+              <a:buFont typeface="Arial" panose="020B0604020202020204" pitchFamily="34" charset="0"/>
+              <a:buChar char="•"/>
+            </a:pPr>
+            <a:r>
+              <a:rPr lang="en-US" dirty="0"/>
+              <a:t>We compared several models including Random Forest, </a:t>
+            </a:r>
+            <a:r>
+              <a:rPr lang="en-US" dirty="0" err="1"/>
+              <a:t>LightGBM</a:t>
+            </a:r>
+            <a:r>
+              <a:rPr lang="en-US" dirty="0"/>
+              <a:t>, HistGradientBoosting, and an ensemble Voting Classifier.</a:t>
+            </a:r>
+            <a:br>
+              <a:rPr lang="en-US" dirty="0"/>
+            </a:br>
+            <a:r>
+              <a:rPr lang="en-US" dirty="0"/>
+              <a:t>Random Forest achieved the best balance across accuracy, recall, and F1.</a:t>
+            </a:r>
+          </a:p>
+        </p:txBody>
+      </p:sp>
       <p:pic>
         <p:nvPicPr>
-          <p:cNvPr id="9" name="Picture 8">
+          <p:cNvPr id="3" name="Picture 2" descr="A graph of different colored bars&#10;&#10;AI-generated content may be incorrect.">
             <a:extLst>
               <a:ext uri="{FF2B5EF4-FFF2-40B4-BE49-F238E27FC236}">
-                <a16:creationId xmlns:a16="http://schemas.microsoft.com/office/drawing/2014/main" id="{259942C9-3E8A-1A04-944E-A3C2B2E4820D}"/>
+                <a16:creationId xmlns:a16="http://schemas.microsoft.com/office/drawing/2014/main" id="{1493CDE7-FC75-6CF6-2311-103353B506B1}"/>
+              </a:ext>
+            </a:extLst>
+          </p:cNvPr>
+          <p:cNvPicPr>
+            <a:picLocks noChangeAspect="1"/>
+          </p:cNvPicPr>
+          <p:nvPr/>
+        </p:nvPicPr>
+        <p:blipFill>
+          <a:blip r:embed="rId2"/>
+          <a:stretch>
+            <a:fillRect/>
+          </a:stretch>
+        </p:blipFill>
+        <p:spPr>
+          <a:xfrm>
+            <a:off x="415636" y="2717665"/>
+            <a:ext cx="8572500" cy="3885316"/>
+          </a:xfrm>
+          <a:prstGeom prst="rect">
+            <a:avLst/>
+          </a:prstGeom>
+        </p:spPr>
+      </p:pic>
+    </p:spTree>
+    <p:extLst>
+      <p:ext uri="{BB962C8B-B14F-4D97-AF65-F5344CB8AC3E}">
+        <p14:creationId xmlns:p14="http://schemas.microsoft.com/office/powerpoint/2010/main" val="1487857731"/>
+      </p:ext>
+    </p:extLst>
+  </p:cSld>
+  <p:clrMapOvr>
+    <a:masterClrMapping/>
+  </p:clrMapOvr>
+</p:sld>
+</file>
+
+<file path=ppt/slides/slide16.xml><?xml version="1.0" encoding="utf-8"?>
+<p:sld xmlns:a="http://schemas.openxmlformats.org/drawingml/2006/main" xmlns:r="http://schemas.openxmlformats.org/officeDocument/2006/relationships" xmlns:p="http://schemas.openxmlformats.org/presentationml/2006/main">
+  <p:cSld>
+    <p:spTree>
+      <p:nvGrpSpPr>
+        <p:cNvPr id="1" name="">
+          <a:extLst>
+            <a:ext uri="{FF2B5EF4-FFF2-40B4-BE49-F238E27FC236}">
+              <a16:creationId xmlns:a16="http://schemas.microsoft.com/office/drawing/2014/main" id="{67E08196-8E86-32E5-1803-ADCD0C4BFE82}"/>
+            </a:ext>
+          </a:extLst>
+        </p:cNvPr>
+        <p:cNvGrpSpPr/>
+        <p:nvPr/>
+      </p:nvGrpSpPr>
+      <p:grpSpPr>
+        <a:xfrm>
+          <a:off x="0" y="0"/>
+          <a:ext cx="0" cy="0"/>
+          <a:chOff x="0" y="0"/>
+          <a:chExt cx="0" cy="0"/>
+        </a:xfrm>
+      </p:grpSpPr>
+      <p:sp>
+        <p:nvSpPr>
+          <p:cNvPr id="2" name="Title 1">
+            <a:extLst>
+              <a:ext uri="{FF2B5EF4-FFF2-40B4-BE49-F238E27FC236}">
+                <a16:creationId xmlns:a16="http://schemas.microsoft.com/office/drawing/2014/main" id="{EA8A603F-4ED3-A9EB-FD3E-AD68E61FD820}"/>
+              </a:ext>
+            </a:extLst>
+          </p:cNvPr>
+          <p:cNvSpPr>
+            <a:spLocks noGrp="1"/>
+          </p:cNvSpPr>
+          <p:nvPr>
+            <p:ph type="title"/>
+          </p:nvPr>
+        </p:nvSpPr>
+        <p:spPr>
+          <a:xfrm>
+            <a:off x="415636" y="256310"/>
+            <a:ext cx="7772400" cy="1456267"/>
+          </a:xfrm>
+        </p:spPr>
+        <p:txBody>
+          <a:bodyPr/>
+          <a:lstStyle/>
+          <a:p>
+            <a:r>
+              <a:rPr lang="en-US" b="1" dirty="0"/>
+              <a:t>Model Performance Comparison</a:t>
+            </a:r>
+            <a:endParaRPr lang="en-US" b="1">
+              <a:ea typeface="Calibri Light"/>
+              <a:cs typeface="Calibri Light"/>
+            </a:endParaRPr>
+          </a:p>
+        </p:txBody>
+      </p:sp>
+      <p:pic>
+        <p:nvPicPr>
+          <p:cNvPr id="4" name="Picture 3" descr="A graph of different colored lines&#10;&#10;AI-generated content may be incorrect.">
+            <a:extLst>
+              <a:ext uri="{FF2B5EF4-FFF2-40B4-BE49-F238E27FC236}">
+                <a16:creationId xmlns:a16="http://schemas.microsoft.com/office/drawing/2014/main" id="{B2F63E83-CE49-6570-4A2E-7C64D513DCE4}"/>
+              </a:ext>
+            </a:extLst>
+          </p:cNvPr>
+          <p:cNvPicPr>
+            <a:picLocks noChangeAspect="1"/>
+          </p:cNvPicPr>
+          <p:nvPr/>
+        </p:nvPicPr>
+        <p:blipFill>
+          <a:blip r:embed="rId2"/>
+          <a:stretch>
+            <a:fillRect/>
+          </a:stretch>
+        </p:blipFill>
+        <p:spPr>
+          <a:xfrm>
+            <a:off x="415635" y="1547195"/>
+            <a:ext cx="8343901" cy="3264846"/>
+          </a:xfrm>
+          <a:prstGeom prst="rect">
+            <a:avLst/>
+          </a:prstGeom>
+        </p:spPr>
+      </p:pic>
+    </p:spTree>
+    <p:extLst>
+      <p:ext uri="{BB962C8B-B14F-4D97-AF65-F5344CB8AC3E}">
+        <p14:creationId xmlns:p14="http://schemas.microsoft.com/office/powerpoint/2010/main" val="4253963714"/>
+      </p:ext>
+    </p:extLst>
+  </p:cSld>
+  <p:clrMapOvr>
+    <a:masterClrMapping/>
+  </p:clrMapOvr>
+</p:sld>
+</file>
+
+<file path=ppt/slides/slide17.xml><?xml version="1.0" encoding="utf-8"?>
+<p:sld xmlns:a="http://schemas.openxmlformats.org/drawingml/2006/main" xmlns:r="http://schemas.openxmlformats.org/officeDocument/2006/relationships" xmlns:p="http://schemas.openxmlformats.org/presentationml/2006/main">
+  <p:cSld>
+    <p:spTree>
+      <p:nvGrpSpPr>
+        <p:cNvPr id="1" name="">
+          <a:extLst>
+            <a:ext uri="{FF2B5EF4-FFF2-40B4-BE49-F238E27FC236}">
+              <a16:creationId xmlns:a16="http://schemas.microsoft.com/office/drawing/2014/main" id="{2C83C2AA-2F67-DFE6-4EE0-BD806DABE842}"/>
+            </a:ext>
+          </a:extLst>
+        </p:cNvPr>
+        <p:cNvGrpSpPr/>
+        <p:nvPr/>
+      </p:nvGrpSpPr>
+      <p:grpSpPr>
+        <a:xfrm>
+          <a:off x="0" y="0"/>
+          <a:ext cx="0" cy="0"/>
+          <a:chOff x="0" y="0"/>
+          <a:chExt cx="0" cy="0"/>
+        </a:xfrm>
+      </p:grpSpPr>
+      <p:sp>
+        <p:nvSpPr>
+          <p:cNvPr id="2" name="Title 1">
+            <a:extLst>
+              <a:ext uri="{FF2B5EF4-FFF2-40B4-BE49-F238E27FC236}">
+                <a16:creationId xmlns:a16="http://schemas.microsoft.com/office/drawing/2014/main" id="{AF06718C-0C9E-2B6F-563E-C581AD9022CB}"/>
+              </a:ext>
+            </a:extLst>
+          </p:cNvPr>
+          <p:cNvSpPr>
+            <a:spLocks noGrp="1"/>
+          </p:cNvSpPr>
+          <p:nvPr>
+            <p:ph type="title"/>
+          </p:nvPr>
+        </p:nvSpPr>
+        <p:spPr>
+          <a:xfrm>
+            <a:off x="415636" y="256310"/>
+            <a:ext cx="7772400" cy="1456267"/>
+          </a:xfrm>
+        </p:spPr>
+        <p:txBody>
+          <a:bodyPr/>
+          <a:lstStyle/>
+          <a:p>
+            <a:r>
+              <a:rPr lang="en-US" b="1" dirty="0"/>
+              <a:t>Model Performance Comparison</a:t>
+            </a:r>
+            <a:endParaRPr lang="en-US" b="1">
+              <a:ea typeface="Calibri Light"/>
+              <a:cs typeface="Calibri Light"/>
+            </a:endParaRPr>
+          </a:p>
+        </p:txBody>
+      </p:sp>
+      <p:pic>
+        <p:nvPicPr>
+          <p:cNvPr id="3" name="Picture 2" descr="A graph with a line drawn on it&#10;&#10;AI-generated content may be incorrect.">
+            <a:extLst>
+              <a:ext uri="{FF2B5EF4-FFF2-40B4-BE49-F238E27FC236}">
+                <a16:creationId xmlns:a16="http://schemas.microsoft.com/office/drawing/2014/main" id="{1B6EEC22-CC51-C726-FF02-80E120847410}"/>
+              </a:ext>
+            </a:extLst>
+          </p:cNvPr>
+          <p:cNvPicPr>
+            <a:picLocks noChangeAspect="1"/>
+          </p:cNvPicPr>
+          <p:nvPr/>
+        </p:nvPicPr>
+        <p:blipFill>
+          <a:blip r:embed="rId2"/>
+          <a:stretch>
+            <a:fillRect/>
+          </a:stretch>
+        </p:blipFill>
+        <p:spPr>
+          <a:xfrm>
+            <a:off x="415636" y="1411315"/>
+            <a:ext cx="8717973" cy="2372824"/>
+          </a:xfrm>
+          <a:prstGeom prst="rect">
+            <a:avLst/>
+          </a:prstGeom>
+        </p:spPr>
+      </p:pic>
+      <p:pic>
+        <p:nvPicPr>
+          <p:cNvPr id="5" name="Picture 4" descr="A graph of different colored bars&#10;&#10;AI-generated content may be incorrect.">
+            <a:extLst>
+              <a:ext uri="{FF2B5EF4-FFF2-40B4-BE49-F238E27FC236}">
+                <a16:creationId xmlns:a16="http://schemas.microsoft.com/office/drawing/2014/main" id="{0D2D8E39-9F96-435A-01AE-9CEE6169D357}"/>
               </a:ext>
             </a:extLst>
           </p:cNvPr>
@@ -4158,301 +7400,20 @@
         </p:blipFill>
         <p:spPr>
           <a:xfrm>
-            <a:off x="3597882" y="4048125"/>
-            <a:ext cx="1700646" cy="2644505"/>
+            <a:off x="2844511" y="3404322"/>
+            <a:ext cx="4286250" cy="3457575"/>
           </a:xfrm>
           <a:prstGeom prst="rect">
             <a:avLst/>
           </a:prstGeom>
         </p:spPr>
       </p:pic>
-      <p:pic>
-        <p:nvPicPr>
-          <p:cNvPr id="11" name="Picture 10">
-            <a:extLst>
-              <a:ext uri="{FF2B5EF4-FFF2-40B4-BE49-F238E27FC236}">
-                <a16:creationId xmlns:a16="http://schemas.microsoft.com/office/drawing/2014/main" id="{916D198B-BFA1-BF45-E1AD-81373639E3DE}"/>
-              </a:ext>
-            </a:extLst>
-          </p:cNvPr>
-          <p:cNvPicPr>
-            <a:picLocks noChangeAspect="1"/>
-          </p:cNvPicPr>
-          <p:nvPr/>
-        </p:nvPicPr>
-        <p:blipFill>
-          <a:blip r:embed="rId4"/>
-          <a:stretch>
-            <a:fillRect/>
-          </a:stretch>
-        </p:blipFill>
-        <p:spPr>
-          <a:xfrm>
-            <a:off x="5550845" y="4022417"/>
-            <a:ext cx="3252686" cy="2695920"/>
-          </a:xfrm>
-          <a:prstGeom prst="rect">
-            <a:avLst/>
-          </a:prstGeom>
-        </p:spPr>
-      </p:pic>
     </p:spTree>
-  </p:cSld>
-  <p:clrMapOvr>
-    <a:masterClrMapping/>
-  </p:clrMapOvr>
-</p:sld>
-</file>
-
-<file path=ppt/slides/slide15.xml><?xml version="1.0" encoding="utf-8"?>
-<p:sld xmlns:a="http://schemas.openxmlformats.org/drawingml/2006/main" xmlns:r="http://schemas.openxmlformats.org/officeDocument/2006/relationships" xmlns:p="http://schemas.openxmlformats.org/presentationml/2006/main">
-  <p:cSld>
-    <p:spTree>
-      <p:nvGrpSpPr>
-        <p:cNvPr id="1" name=""/>
-        <p:cNvGrpSpPr/>
-        <p:nvPr/>
-      </p:nvGrpSpPr>
-      <p:grpSpPr>
-        <a:xfrm>
-          <a:off x="0" y="0"/>
-          <a:ext cx="0" cy="0"/>
-          <a:chOff x="0" y="0"/>
-          <a:chExt cx="0" cy="0"/>
-        </a:xfrm>
-      </p:grpSpPr>
-      <p:sp>
-        <p:nvSpPr>
-          <p:cNvPr id="2" name="Title 1"/>
-          <p:cNvSpPr>
-            <a:spLocks noGrp="1"/>
-          </p:cNvSpPr>
-          <p:nvPr>
-            <p:ph type="title"/>
-          </p:nvPr>
-        </p:nvSpPr>
-        <p:spPr/>
-        <p:txBody>
-          <a:bodyPr/>
-          <a:lstStyle/>
-          <a:p>
-            <a:r>
-              <a:t>Ethical Considerations</a:t>
-            </a:r>
-          </a:p>
-        </p:txBody>
-      </p:sp>
-      <p:sp>
-        <p:nvSpPr>
-          <p:cNvPr id="3" name="Content Placeholder 2"/>
-          <p:cNvSpPr>
-            <a:spLocks noGrp="1"/>
-          </p:cNvSpPr>
-          <p:nvPr>
-            <p:ph idx="1"/>
-          </p:nvPr>
-        </p:nvSpPr>
-        <p:spPr/>
-        <p:txBody>
-          <a:bodyPr/>
-          <a:lstStyle/>
-          <a:p>
-            <a:r>
-              <a:rPr dirty="0"/>
-              <a:t>Dataset represents only one demographic group.</a:t>
-            </a:r>
-          </a:p>
-          <a:p>
-            <a:r>
-              <a:rPr dirty="0"/>
-              <a:t>Risk of bias and uneven predictions.</a:t>
-            </a:r>
-          </a:p>
-          <a:p>
-            <a:r>
-              <a:rPr dirty="0"/>
-              <a:t>False negatives can delay treatment.</a:t>
-            </a:r>
-          </a:p>
-          <a:p>
-            <a:r>
-              <a:rPr dirty="0"/>
-              <a:t>Transparency is important for trust.</a:t>
-            </a:r>
-          </a:p>
-          <a:p>
-            <a:r>
-              <a:rPr dirty="0"/>
-              <a:t>Model should support—not replace—clinicians.</a:t>
-            </a:r>
-          </a:p>
-        </p:txBody>
-      </p:sp>
-    </p:spTree>
-  </p:cSld>
-  <p:clrMapOvr>
-    <a:masterClrMapping/>
-  </p:clrMapOvr>
-</p:sld>
-</file>
-
-<file path=ppt/slides/slide16.xml><?xml version="1.0" encoding="utf-8"?>
-<p:sld xmlns:a="http://schemas.openxmlformats.org/drawingml/2006/main" xmlns:r="http://schemas.openxmlformats.org/officeDocument/2006/relationships" xmlns:p="http://schemas.openxmlformats.org/presentationml/2006/main">
-  <p:cSld>
-    <p:spTree>
-      <p:nvGrpSpPr>
-        <p:cNvPr id="1" name=""/>
-        <p:cNvGrpSpPr/>
-        <p:nvPr/>
-      </p:nvGrpSpPr>
-      <p:grpSpPr>
-        <a:xfrm>
-          <a:off x="0" y="0"/>
-          <a:ext cx="0" cy="0"/>
-          <a:chOff x="0" y="0"/>
-          <a:chExt cx="0" cy="0"/>
-        </a:xfrm>
-      </p:grpSpPr>
-      <p:sp>
-        <p:nvSpPr>
-          <p:cNvPr id="2" name="Title 1"/>
-          <p:cNvSpPr>
-            <a:spLocks noGrp="1"/>
-          </p:cNvSpPr>
-          <p:nvPr>
-            <p:ph type="title"/>
-          </p:nvPr>
-        </p:nvSpPr>
-        <p:spPr/>
-        <p:txBody>
-          <a:bodyPr/>
-          <a:lstStyle/>
-          <a:p>
-            <a:r>
-              <a:t>Conclusions</a:t>
-            </a:r>
-          </a:p>
-        </p:txBody>
-      </p:sp>
-      <p:sp>
-        <p:nvSpPr>
-          <p:cNvPr id="3" name="Content Placeholder 2"/>
-          <p:cNvSpPr>
-            <a:spLocks noGrp="1"/>
-          </p:cNvSpPr>
-          <p:nvPr>
-            <p:ph idx="1"/>
-          </p:nvPr>
-        </p:nvSpPr>
-        <p:spPr/>
-        <p:txBody>
-          <a:bodyPr/>
-          <a:lstStyle/>
-          <a:p>
-            <a:r>
-              <a:t>Best models achieved strong recall and balanced F1.</a:t>
-            </a:r>
-          </a:p>
-          <a:p>
-            <a:r>
-              <a:t>Feature engineering and cleaning improved results significantly.</a:t>
-            </a:r>
-          </a:p>
-          <a:p>
-            <a:r>
-              <a:t>Threshold tuning made the model more clinically useful.</a:t>
-            </a:r>
-          </a:p>
-          <a:p>
-            <a:r>
-              <a:t>Unsupervised methods helped uncover hidden patterns.</a:t>
-            </a:r>
-          </a:p>
-        </p:txBody>
-      </p:sp>
-    </p:spTree>
-  </p:cSld>
-  <p:clrMapOvr>
-    <a:masterClrMapping/>
-  </p:clrMapOvr>
-</p:sld>
-</file>
-
-<file path=ppt/slides/slide17.xml><?xml version="1.0" encoding="utf-8"?>
-<p:sld xmlns:a="http://schemas.openxmlformats.org/drawingml/2006/main" xmlns:r="http://schemas.openxmlformats.org/officeDocument/2006/relationships" xmlns:p="http://schemas.openxmlformats.org/presentationml/2006/main">
-  <p:cSld>
-    <p:spTree>
-      <p:nvGrpSpPr>
-        <p:cNvPr id="1" name=""/>
-        <p:cNvGrpSpPr/>
-        <p:nvPr/>
-      </p:nvGrpSpPr>
-      <p:grpSpPr>
-        <a:xfrm>
-          <a:off x="0" y="0"/>
-          <a:ext cx="0" cy="0"/>
-          <a:chOff x="0" y="0"/>
-          <a:chExt cx="0" cy="0"/>
-        </a:xfrm>
-      </p:grpSpPr>
-      <p:sp>
-        <p:nvSpPr>
-          <p:cNvPr id="2" name="Title 1"/>
-          <p:cNvSpPr>
-            <a:spLocks noGrp="1"/>
-          </p:cNvSpPr>
-          <p:nvPr>
-            <p:ph type="title"/>
-          </p:nvPr>
-        </p:nvSpPr>
-        <p:spPr/>
-        <p:txBody>
-          <a:bodyPr/>
-          <a:lstStyle/>
-          <a:p>
-            <a:r>
-              <a:t>Future Work</a:t>
-            </a:r>
-          </a:p>
-        </p:txBody>
-      </p:sp>
-      <p:sp>
-        <p:nvSpPr>
-          <p:cNvPr id="3" name="Content Placeholder 2"/>
-          <p:cNvSpPr>
-            <a:spLocks noGrp="1"/>
-          </p:cNvSpPr>
-          <p:nvPr>
-            <p:ph idx="1"/>
-          </p:nvPr>
-        </p:nvSpPr>
-        <p:spPr/>
-        <p:txBody>
-          <a:bodyPr/>
-          <a:lstStyle/>
-          <a:p>
-            <a:r>
-              <a:t>Use more diverse datasets.</a:t>
-            </a:r>
-          </a:p>
-          <a:p>
-            <a:r>
-              <a:t>Incorporate SHAP for explainability.</a:t>
-            </a:r>
-          </a:p>
-          <a:p>
-            <a:r>
-              <a:t>Clinical validation with healthcare professionals.</a:t>
-            </a:r>
-          </a:p>
-          <a:p>
-            <a:r>
-              <a:t>Deploy models in controlled environments for testing.</a:t>
-            </a:r>
-          </a:p>
-        </p:txBody>
-      </p:sp>
-    </p:spTree>
+    <p:extLst>
+      <p:ext uri="{BB962C8B-B14F-4D97-AF65-F5344CB8AC3E}">
+        <p14:creationId xmlns:p14="http://schemas.microsoft.com/office/powerpoint/2010/main" val="1978504734"/>
+      </p:ext>
+    </p:extLst>
   </p:cSld>
   <p:clrMapOvr>
     <a:masterClrMapping/>
@@ -4465,7 +7426,13 @@
   <p:cSld>
     <p:spTree>
       <p:nvGrpSpPr>
-        <p:cNvPr id="1" name=""/>
+        <p:cNvPr id="1" name="">
+          <a:extLst>
+            <a:ext uri="{FF2B5EF4-FFF2-40B4-BE49-F238E27FC236}">
+              <a16:creationId xmlns:a16="http://schemas.microsoft.com/office/drawing/2014/main" id="{CAC6429E-9F4B-3F7B-21C4-C92F56760A74}"/>
+            </a:ext>
+          </a:extLst>
+        </p:cNvPr>
         <p:cNvGrpSpPr/>
         <p:nvPr/>
       </p:nvGrpSpPr>
@@ -4479,7 +7446,13 @@
       </p:grpSpPr>
       <p:sp>
         <p:nvSpPr>
-          <p:cNvPr id="2" name="Title 1"/>
+          <p:cNvPr id="2" name="Title 1">
+            <a:extLst>
+              <a:ext uri="{FF2B5EF4-FFF2-40B4-BE49-F238E27FC236}">
+                <a16:creationId xmlns:a16="http://schemas.microsoft.com/office/drawing/2014/main" id="{3E9A0D4E-6068-645E-1B51-3FC4F4F3FBC3}"/>
+              </a:ext>
+            </a:extLst>
+          </p:cNvPr>
           <p:cNvSpPr>
             <a:spLocks noGrp="1"/>
           </p:cNvSpPr>
@@ -4487,39 +7460,166 @@
             <p:ph type="title"/>
           </p:nvPr>
         </p:nvSpPr>
-        <p:spPr/>
+        <p:spPr>
+          <a:xfrm>
+            <a:off x="301336" y="256310"/>
+            <a:ext cx="7772400" cy="1456267"/>
+          </a:xfrm>
+        </p:spPr>
         <p:txBody>
           <a:bodyPr/>
           <a:lstStyle/>
           <a:p>
             <a:r>
-              <a:t>Thank You</a:t>
-            </a:r>
-          </a:p>
-        </p:txBody>
-      </p:sp>
-      <p:sp>
-        <p:nvSpPr>
-          <p:cNvPr id="3" name="Content Placeholder 2"/>
-          <p:cNvSpPr>
-            <a:spLocks noGrp="1"/>
-          </p:cNvSpPr>
-          <p:nvPr>
-            <p:ph idx="1"/>
-          </p:nvPr>
-        </p:nvSpPr>
-        <p:spPr/>
+              <a:rPr lang="en-US" b="1" dirty="0"/>
+              <a:t>Detailed Metrics Breakdown</a:t>
+            </a:r>
+            <a:endParaRPr lang="en-US" b="1">
+              <a:ea typeface="Calibri Light"/>
+              <a:cs typeface="Calibri Light"/>
+            </a:endParaRPr>
+          </a:p>
+        </p:txBody>
+      </p:sp>
+      <p:pic>
+        <p:nvPicPr>
+          <p:cNvPr id="3" name="Picture 2">
+            <a:extLst>
+              <a:ext uri="{FF2B5EF4-FFF2-40B4-BE49-F238E27FC236}">
+                <a16:creationId xmlns:a16="http://schemas.microsoft.com/office/drawing/2014/main" id="{6445A7E9-9746-AA95-4703-C60D9871C4B7}"/>
+              </a:ext>
+            </a:extLst>
+          </p:cNvPr>
+          <p:cNvPicPr>
+            <a:picLocks noChangeAspect="1"/>
+          </p:cNvPicPr>
+          <p:nvPr/>
+        </p:nvPicPr>
+        <p:blipFill>
+          <a:blip r:embed="rId2"/>
+          <a:stretch>
+            <a:fillRect/>
+          </a:stretch>
+        </p:blipFill>
+        <p:spPr>
+          <a:xfrm>
+            <a:off x="301336" y="1384207"/>
+            <a:ext cx="8541328" cy="3403787"/>
+          </a:xfrm>
+          <a:prstGeom prst="rect">
+            <a:avLst/>
+          </a:prstGeom>
+        </p:spPr>
+      </p:pic>
+    </p:spTree>
+    <p:extLst>
+      <p:ext uri="{BB962C8B-B14F-4D97-AF65-F5344CB8AC3E}">
+        <p14:creationId xmlns:p14="http://schemas.microsoft.com/office/powerpoint/2010/main" val="2937559039"/>
+      </p:ext>
+    </p:extLst>
+  </p:cSld>
+  <p:clrMapOvr>
+    <a:masterClrMapping/>
+  </p:clrMapOvr>
+</p:sld>
+</file>
+
+<file path=ppt/slides/slide19.xml><?xml version="1.0" encoding="utf-8"?>
+<p:sld xmlns:a="http://schemas.openxmlformats.org/drawingml/2006/main" xmlns:r="http://schemas.openxmlformats.org/officeDocument/2006/relationships" xmlns:p="http://schemas.openxmlformats.org/presentationml/2006/main">
+  <p:cSld>
+    <p:spTree>
+      <p:nvGrpSpPr>
+        <p:cNvPr id="1" name="">
+          <a:extLst>
+            <a:ext uri="{FF2B5EF4-FFF2-40B4-BE49-F238E27FC236}">
+              <a16:creationId xmlns:a16="http://schemas.microsoft.com/office/drawing/2014/main" id="{BD59B9B1-4347-2B25-4A3B-3B7FED01A91C}"/>
+            </a:ext>
+          </a:extLst>
+        </p:cNvPr>
+        <p:cNvGrpSpPr/>
+        <p:nvPr/>
+      </p:nvGrpSpPr>
+      <p:grpSpPr>
+        <a:xfrm>
+          <a:off x="0" y="0"/>
+          <a:ext cx="0" cy="0"/>
+          <a:chOff x="0" y="0"/>
+          <a:chExt cx="0" cy="0"/>
+        </a:xfrm>
+      </p:grpSpPr>
+      <p:sp>
+        <p:nvSpPr>
+          <p:cNvPr id="2" name="Title 1">
+            <a:extLst>
+              <a:ext uri="{FF2B5EF4-FFF2-40B4-BE49-F238E27FC236}">
+                <a16:creationId xmlns:a16="http://schemas.microsoft.com/office/drawing/2014/main" id="{11AF7BF6-4575-7408-89E4-0B307A712C50}"/>
+              </a:ext>
+            </a:extLst>
+          </p:cNvPr>
+          <p:cNvSpPr>
+            <a:spLocks noGrp="1"/>
+          </p:cNvSpPr>
+          <p:nvPr>
+            <p:ph type="title"/>
+          </p:nvPr>
+        </p:nvSpPr>
+        <p:spPr>
+          <a:xfrm>
+            <a:off x="301336" y="256310"/>
+            <a:ext cx="7772400" cy="1456267"/>
+          </a:xfrm>
+        </p:spPr>
         <p:txBody>
           <a:bodyPr/>
           <a:lstStyle/>
           <a:p>
             <a:r>
-              <a:t>Questions?</a:t>
-            </a:r>
-          </a:p>
-        </p:txBody>
-      </p:sp>
+              <a:rPr lang="en-US" b="1" dirty="0"/>
+              <a:t>Detailed Metrics Breakdown</a:t>
+            </a:r>
+            <a:endParaRPr lang="en-US" b="1">
+              <a:ea typeface="Calibri Light"/>
+              <a:cs typeface="Calibri Light"/>
+            </a:endParaRPr>
+          </a:p>
+        </p:txBody>
+      </p:sp>
+      <p:pic>
+        <p:nvPicPr>
+          <p:cNvPr id="4" name="Picture 3" descr="A comparison of a graph&#10;&#10;AI-generated content may be incorrect.">
+            <a:extLst>
+              <a:ext uri="{FF2B5EF4-FFF2-40B4-BE49-F238E27FC236}">
+                <a16:creationId xmlns:a16="http://schemas.microsoft.com/office/drawing/2014/main" id="{6E3F78AA-FBF6-E696-D12D-B33AF6E670E4}"/>
+              </a:ext>
+            </a:extLst>
+          </p:cNvPr>
+          <p:cNvPicPr>
+            <a:picLocks noChangeAspect="1"/>
+          </p:cNvPicPr>
+          <p:nvPr/>
+        </p:nvPicPr>
+        <p:blipFill>
+          <a:blip r:embed="rId2"/>
+          <a:stretch>
+            <a:fillRect/>
+          </a:stretch>
+        </p:blipFill>
+        <p:spPr>
+          <a:xfrm>
+            <a:off x="128095" y="1820517"/>
+            <a:ext cx="8323119" cy="3039603"/>
+          </a:xfrm>
+          <a:prstGeom prst="rect">
+            <a:avLst/>
+          </a:prstGeom>
+        </p:spPr>
+      </p:pic>
     </p:spTree>
+    <p:extLst>
+      <p:ext uri="{BB962C8B-B14F-4D97-AF65-F5344CB8AC3E}">
+        <p14:creationId xmlns:p14="http://schemas.microsoft.com/office/powerpoint/2010/main" val="3369096256"/>
+      </p:ext>
+    </p:extLst>
   </p:cSld>
   <p:clrMapOvr>
     <a:masterClrMapping/>
@@ -4560,8 +7660,11 @@
           <a:lstStyle/>
           <a:p>
             <a:r>
-              <a:rPr dirty="0"/>
-              <a:t>Problem &amp; Motivation</a:t>
+              <a:rPr lang="en-US" b="1" dirty="0">
+                <a:ea typeface="Calibri Light"/>
+                <a:cs typeface="Calibri Light"/>
+              </a:rPr>
+              <a:t>agenda</a:t>
             </a:r>
           </a:p>
         </p:txBody>
@@ -4576,24 +7679,963 @@
             <p:ph idx="1"/>
           </p:nvPr>
         </p:nvSpPr>
-        <p:spPr/>
+        <p:spPr>
+          <a:xfrm>
+            <a:off x="-613063" y="2277151"/>
+            <a:ext cx="7772400" cy="4470014"/>
+          </a:xfrm>
+        </p:spPr>
+        <p:txBody>
+          <a:bodyPr>
+            <a:normAutofit/>
+          </a:bodyPr>
+          <a:lstStyle/>
+          <a:p>
+            <a:pPr marL="0" indent="0">
+              <a:buNone/>
+            </a:pPr>
+            <a:endParaRPr lang="en-US" sz="3200" dirty="0">
+              <a:ea typeface="Calibri"/>
+              <a:cs typeface="Calibri"/>
+            </a:endParaRPr>
+          </a:p>
+          <a:p>
+            <a:pPr marL="0" indent="0">
+              <a:buNone/>
+            </a:pPr>
+            <a:endParaRPr lang="en-US" sz="3200" dirty="0">
+              <a:ea typeface="Calibri"/>
+              <a:cs typeface="Calibri"/>
+            </a:endParaRPr>
+          </a:p>
+          <a:p>
+            <a:pPr marL="0" indent="0">
+              <a:buNone/>
+            </a:pPr>
+            <a:endParaRPr lang="en-US" sz="3200" dirty="0">
+              <a:ea typeface="Calibri"/>
+              <a:cs typeface="Calibri"/>
+            </a:endParaRPr>
+          </a:p>
+          <a:p>
+            <a:pPr marL="0" indent="0">
+              <a:buNone/>
+            </a:pPr>
+            <a:endParaRPr lang="en-US" sz="3200" dirty="0">
+              <a:ea typeface="Calibri"/>
+              <a:cs typeface="Calibri"/>
+            </a:endParaRPr>
+          </a:p>
+          <a:p>
+            <a:pPr marL="0" indent="0">
+              <a:buNone/>
+            </a:pPr>
+            <a:endParaRPr lang="en-US" sz="3200" dirty="0">
+              <a:ea typeface="Calibri"/>
+              <a:cs typeface="Calibri"/>
+            </a:endParaRPr>
+          </a:p>
+          <a:p>
+            <a:pPr marL="0" indent="0">
+              <a:buNone/>
+            </a:pPr>
+            <a:endParaRPr lang="en-US" sz="3200" dirty="0">
+              <a:ea typeface="Calibri"/>
+              <a:cs typeface="Calibri"/>
+            </a:endParaRPr>
+          </a:p>
+        </p:txBody>
+      </p:sp>
+      <p:sp>
+        <p:nvSpPr>
+          <p:cNvPr id="381" name="Content Placeholder 2">
+            <a:extLst>
+              <a:ext uri="{FF2B5EF4-FFF2-40B4-BE49-F238E27FC236}">
+                <a16:creationId xmlns:a16="http://schemas.microsoft.com/office/drawing/2014/main" id="{89A44EB2-80E7-EA29-43E9-D5931CA9FE45}"/>
+              </a:ext>
+            </a:extLst>
+          </p:cNvPr>
+          <p:cNvSpPr txBox="1">
+            <a:spLocks/>
+          </p:cNvSpPr>
+          <p:nvPr/>
+        </p:nvSpPr>
+        <p:spPr>
+          <a:xfrm>
+            <a:off x="357505" y="2063404"/>
+            <a:ext cx="5486400" cy="2788603"/>
+          </a:xfrm>
+          <a:prstGeom prst="rect">
+            <a:avLst/>
+          </a:prstGeom>
+        </p:spPr>
+        <p:txBody>
+          <a:bodyPr vert="horz" lIns="91440" tIns="45720" rIns="91440" bIns="45720" rtlCol="0" anchor="ctr">
+            <a:normAutofit/>
+          </a:bodyPr>
+          <a:lstStyle>
+            <a:lvl1pPr marL="182880" indent="-182880" algn="l" defTabSz="914400" rtl="0" eaLnBrk="1" latinLnBrk="0" hangingPunct="1">
+              <a:lnSpc>
+                <a:spcPct val="90000"/>
+              </a:lnSpc>
+              <a:spcBef>
+                <a:spcPts val="1200"/>
+              </a:spcBef>
+              <a:buClr>
+                <a:schemeClr val="accent1"/>
+              </a:buClr>
+              <a:buFont typeface="Wingdings 2" pitchFamily="18" charset="2"/>
+              <a:buChar char=""/>
+              <a:defRPr sz="1900" kern="1200">
+                <a:solidFill>
+                  <a:schemeClr val="tx1">
+                    <a:lumMod val="65000"/>
+                    <a:lumOff val="35000"/>
+                  </a:schemeClr>
+                </a:solidFill>
+                <a:latin typeface="+mn-lt"/>
+                <a:ea typeface="+mn-ea"/>
+                <a:cs typeface="+mn-cs"/>
+              </a:defRPr>
+            </a:lvl1pPr>
+            <a:lvl2pPr marL="685800" indent="-182880" algn="l" defTabSz="914400" rtl="0" eaLnBrk="1" latinLnBrk="0" hangingPunct="1">
+              <a:lnSpc>
+                <a:spcPct val="90000"/>
+              </a:lnSpc>
+              <a:spcBef>
+                <a:spcPts val="250"/>
+              </a:spcBef>
+              <a:spcAft>
+                <a:spcPts val="250"/>
+              </a:spcAft>
+              <a:buClr>
+                <a:schemeClr val="accent1"/>
+              </a:buClr>
+              <a:buFont typeface="Wingdings 2" pitchFamily="18" charset="2"/>
+              <a:buChar char=""/>
+              <a:defRPr sz="1700" kern="1200">
+                <a:solidFill>
+                  <a:schemeClr val="tx1">
+                    <a:lumMod val="65000"/>
+                    <a:lumOff val="35000"/>
+                  </a:schemeClr>
+                </a:solidFill>
+                <a:latin typeface="+mn-lt"/>
+                <a:ea typeface="+mn-ea"/>
+                <a:cs typeface="+mn-cs"/>
+              </a:defRPr>
+            </a:lvl2pPr>
+            <a:lvl3pPr marL="1143000" indent="-182880" algn="l" defTabSz="914400" rtl="0" eaLnBrk="1" latinLnBrk="0" hangingPunct="1">
+              <a:lnSpc>
+                <a:spcPct val="90000"/>
+              </a:lnSpc>
+              <a:spcBef>
+                <a:spcPts val="250"/>
+              </a:spcBef>
+              <a:spcAft>
+                <a:spcPts val="250"/>
+              </a:spcAft>
+              <a:buClr>
+                <a:schemeClr val="accent1"/>
+              </a:buClr>
+              <a:buFont typeface="Wingdings 2" pitchFamily="18" charset="2"/>
+              <a:buChar char=""/>
+              <a:defRPr sz="1500" kern="1200">
+                <a:solidFill>
+                  <a:schemeClr val="tx1">
+                    <a:lumMod val="65000"/>
+                    <a:lumOff val="35000"/>
+                  </a:schemeClr>
+                </a:solidFill>
+                <a:latin typeface="+mn-lt"/>
+                <a:ea typeface="+mn-ea"/>
+                <a:cs typeface="+mn-cs"/>
+              </a:defRPr>
+            </a:lvl3pPr>
+            <a:lvl4pPr marL="1600200" indent="-182880" algn="l" defTabSz="914400" rtl="0" eaLnBrk="1" latinLnBrk="0" hangingPunct="1">
+              <a:lnSpc>
+                <a:spcPct val="90000"/>
+              </a:lnSpc>
+              <a:spcBef>
+                <a:spcPts val="250"/>
+              </a:spcBef>
+              <a:spcAft>
+                <a:spcPts val="250"/>
+              </a:spcAft>
+              <a:buClr>
+                <a:schemeClr val="accent1"/>
+              </a:buClr>
+              <a:buFont typeface="Wingdings 2" pitchFamily="18" charset="2"/>
+              <a:buChar char=""/>
+              <a:defRPr sz="1300" kern="1200">
+                <a:solidFill>
+                  <a:schemeClr val="tx1">
+                    <a:lumMod val="65000"/>
+                    <a:lumOff val="35000"/>
+                  </a:schemeClr>
+                </a:solidFill>
+                <a:latin typeface="+mn-lt"/>
+                <a:ea typeface="+mn-ea"/>
+                <a:cs typeface="+mn-cs"/>
+              </a:defRPr>
+            </a:lvl4pPr>
+            <a:lvl5pPr marL="2057400" indent="-182880" algn="l" defTabSz="914400" rtl="0" eaLnBrk="1" latinLnBrk="0" hangingPunct="1">
+              <a:lnSpc>
+                <a:spcPct val="90000"/>
+              </a:lnSpc>
+              <a:spcBef>
+                <a:spcPts val="250"/>
+              </a:spcBef>
+              <a:spcAft>
+                <a:spcPts val="250"/>
+              </a:spcAft>
+              <a:buClr>
+                <a:schemeClr val="accent1"/>
+              </a:buClr>
+              <a:buFont typeface="Wingdings 2" pitchFamily="18" charset="2"/>
+              <a:buChar char=""/>
+              <a:defRPr sz="1300" kern="1200">
+                <a:solidFill>
+                  <a:schemeClr val="tx1">
+                    <a:lumMod val="65000"/>
+                    <a:lumOff val="35000"/>
+                  </a:schemeClr>
+                </a:solidFill>
+                <a:latin typeface="+mn-lt"/>
+                <a:ea typeface="+mn-ea"/>
+                <a:cs typeface="+mn-cs"/>
+              </a:defRPr>
+            </a:lvl5pPr>
+            <a:lvl6pPr marL="2514600" indent="-228600" algn="l" defTabSz="914400" rtl="0" eaLnBrk="1" latinLnBrk="0" hangingPunct="1">
+              <a:lnSpc>
+                <a:spcPct val="90000"/>
+              </a:lnSpc>
+              <a:spcBef>
+                <a:spcPts val="250"/>
+              </a:spcBef>
+              <a:spcAft>
+                <a:spcPts val="250"/>
+              </a:spcAft>
+              <a:buClr>
+                <a:schemeClr val="accent1"/>
+              </a:buClr>
+              <a:buFont typeface="Wingdings 2" pitchFamily="18" charset="2"/>
+              <a:buChar char=""/>
+              <a:defRPr sz="1300" kern="1200">
+                <a:solidFill>
+                  <a:schemeClr val="tx1">
+                    <a:lumMod val="65000"/>
+                    <a:lumOff val="35000"/>
+                  </a:schemeClr>
+                </a:solidFill>
+                <a:latin typeface="+mn-lt"/>
+                <a:ea typeface="+mn-ea"/>
+                <a:cs typeface="+mn-cs"/>
+              </a:defRPr>
+            </a:lvl6pPr>
+            <a:lvl7pPr marL="2971800" indent="-228600" algn="l" defTabSz="914400" rtl="0" eaLnBrk="1" latinLnBrk="0" hangingPunct="1">
+              <a:lnSpc>
+                <a:spcPct val="90000"/>
+              </a:lnSpc>
+              <a:spcBef>
+                <a:spcPts val="250"/>
+              </a:spcBef>
+              <a:spcAft>
+                <a:spcPts val="250"/>
+              </a:spcAft>
+              <a:buClr>
+                <a:schemeClr val="accent1"/>
+              </a:buClr>
+              <a:buFont typeface="Wingdings 2" pitchFamily="18" charset="2"/>
+              <a:buChar char=""/>
+              <a:defRPr sz="1300" kern="1200">
+                <a:solidFill>
+                  <a:schemeClr val="tx1">
+                    <a:lumMod val="65000"/>
+                    <a:lumOff val="35000"/>
+                  </a:schemeClr>
+                </a:solidFill>
+                <a:latin typeface="+mn-lt"/>
+                <a:ea typeface="+mn-ea"/>
+                <a:cs typeface="+mn-cs"/>
+              </a:defRPr>
+            </a:lvl7pPr>
+            <a:lvl8pPr marL="3429000" indent="-228600" algn="l" defTabSz="914400" rtl="0" eaLnBrk="1" latinLnBrk="0" hangingPunct="1">
+              <a:lnSpc>
+                <a:spcPct val="90000"/>
+              </a:lnSpc>
+              <a:spcBef>
+                <a:spcPts val="250"/>
+              </a:spcBef>
+              <a:spcAft>
+                <a:spcPts val="250"/>
+              </a:spcAft>
+              <a:buClr>
+                <a:schemeClr val="accent1"/>
+              </a:buClr>
+              <a:buFont typeface="Wingdings 2" pitchFamily="18" charset="2"/>
+              <a:buChar char=""/>
+              <a:defRPr sz="1300" kern="1200">
+                <a:solidFill>
+                  <a:schemeClr val="tx1">
+                    <a:lumMod val="65000"/>
+                    <a:lumOff val="35000"/>
+                  </a:schemeClr>
+                </a:solidFill>
+                <a:latin typeface="+mn-lt"/>
+                <a:ea typeface="+mn-ea"/>
+                <a:cs typeface="+mn-cs"/>
+              </a:defRPr>
+            </a:lvl8pPr>
+            <a:lvl9pPr marL="3886200" indent="-228600" algn="l" defTabSz="914400" rtl="0" eaLnBrk="1" latinLnBrk="0" hangingPunct="1">
+              <a:lnSpc>
+                <a:spcPct val="90000"/>
+              </a:lnSpc>
+              <a:spcBef>
+                <a:spcPts val="250"/>
+              </a:spcBef>
+              <a:spcAft>
+                <a:spcPts val="250"/>
+              </a:spcAft>
+              <a:buClr>
+                <a:schemeClr val="accent1"/>
+              </a:buClr>
+              <a:buFont typeface="Wingdings 2" pitchFamily="18" charset="2"/>
+              <a:buChar char=""/>
+              <a:defRPr sz="1300" kern="1200">
+                <a:solidFill>
+                  <a:schemeClr val="tx1">
+                    <a:lumMod val="65000"/>
+                    <a:lumOff val="35000"/>
+                  </a:schemeClr>
+                </a:solidFill>
+                <a:latin typeface="+mn-lt"/>
+                <a:ea typeface="+mn-ea"/>
+                <a:cs typeface="+mn-cs"/>
+              </a:defRPr>
+            </a:lvl9pPr>
+          </a:lstStyle>
+          <a:p>
+            <a:pPr marL="514350" indent="-514350">
+              <a:buClr>
+                <a:srgbClr val="FFFFFF"/>
+              </a:buClr>
+              <a:buAutoNum type="arabicPeriod"/>
+            </a:pPr>
+            <a:r>
+              <a:rPr lang="en-US" sz="2600" b="1" dirty="0">
+                <a:solidFill>
+                  <a:schemeClr val="tx1"/>
+                </a:solidFill>
+                <a:ea typeface="+mn-lt"/>
+                <a:cs typeface="+mn-lt"/>
+              </a:rPr>
+              <a:t>Business &amp; Understanding</a:t>
+            </a:r>
+          </a:p>
+          <a:p>
+            <a:pPr marL="514350" indent="-514350">
+              <a:buClr>
+                <a:srgbClr val="FFFFFF"/>
+              </a:buClr>
+              <a:buAutoNum type="arabicPeriod"/>
+            </a:pPr>
+            <a:r>
+              <a:rPr lang="en-US" sz="2600" b="1" dirty="0">
+                <a:solidFill>
+                  <a:schemeClr val="tx1"/>
+                </a:solidFill>
+                <a:ea typeface="+mn-lt"/>
+                <a:cs typeface="+mn-lt"/>
+              </a:rPr>
+              <a:t>Data Preparation</a:t>
+            </a:r>
+          </a:p>
+          <a:p>
+            <a:pPr marL="514350" indent="-514350">
+              <a:buClr>
+                <a:srgbClr val="FFFFFF"/>
+              </a:buClr>
+              <a:buAutoNum type="arabicPeriod"/>
+            </a:pPr>
+            <a:r>
+              <a:rPr lang="en-US" sz="2600" b="1" dirty="0">
+                <a:solidFill>
+                  <a:schemeClr val="tx1"/>
+                </a:solidFill>
+                <a:ea typeface="+mn-lt"/>
+                <a:cs typeface="+mn-lt"/>
+              </a:rPr>
+              <a:t>Modeling</a:t>
+            </a:r>
+          </a:p>
+          <a:p>
+            <a:pPr marL="514350" indent="-514350">
+              <a:buClr>
+                <a:srgbClr val="FFFFFF"/>
+              </a:buClr>
+              <a:buAutoNum type="arabicPeriod"/>
+            </a:pPr>
+            <a:r>
+              <a:rPr lang="en-US" sz="2600" b="1" dirty="0">
+                <a:solidFill>
+                  <a:schemeClr val="tx1"/>
+                </a:solidFill>
+                <a:ea typeface="+mn-lt"/>
+                <a:cs typeface="+mn-lt"/>
+              </a:rPr>
+              <a:t>Evaluation</a:t>
+            </a:r>
+          </a:p>
+          <a:p>
+            <a:pPr marL="514350" indent="-514350">
+              <a:buClr>
+                <a:srgbClr val="FFFFFF"/>
+              </a:buClr>
+              <a:buAutoNum type="arabicPeriod"/>
+            </a:pPr>
+            <a:r>
+              <a:rPr lang="en-US" sz="2600" b="1" dirty="0">
+                <a:solidFill>
+                  <a:schemeClr val="tx1"/>
+                </a:solidFill>
+                <a:ea typeface="+mn-lt"/>
+                <a:cs typeface="+mn-lt"/>
+              </a:rPr>
+              <a:t>Deployment</a:t>
+            </a:r>
+          </a:p>
+        </p:txBody>
+      </p:sp>
+    </p:spTree>
+  </p:cSld>
+  <p:clrMapOvr>
+    <a:masterClrMapping/>
+  </p:clrMapOvr>
+</p:sld>
+</file>
+
+<file path=ppt/slides/slide20.xml><?xml version="1.0" encoding="utf-8"?>
+<p:sld xmlns:a="http://schemas.openxmlformats.org/drawingml/2006/main" xmlns:r="http://schemas.openxmlformats.org/officeDocument/2006/relationships" xmlns:p="http://schemas.openxmlformats.org/presentationml/2006/main">
+  <p:cSld>
+    <p:spTree>
+      <p:nvGrpSpPr>
+        <p:cNvPr id="1" name=""/>
+        <p:cNvGrpSpPr/>
+        <p:nvPr/>
+      </p:nvGrpSpPr>
+      <p:grpSpPr>
+        <a:xfrm>
+          <a:off x="0" y="0"/>
+          <a:ext cx="0" cy="0"/>
+          <a:chOff x="0" y="0"/>
+          <a:chExt cx="0" cy="0"/>
+        </a:xfrm>
+      </p:grpSpPr>
+      <p:sp>
+        <p:nvSpPr>
+          <p:cNvPr id="2" name="Title 1"/>
+          <p:cNvSpPr>
+            <a:spLocks noGrp="1"/>
+          </p:cNvSpPr>
+          <p:nvPr>
+            <p:ph type="title"/>
+          </p:nvPr>
+        </p:nvSpPr>
+        <p:spPr>
+          <a:xfrm>
+            <a:off x="259773" y="256310"/>
+            <a:ext cx="7772400" cy="1456267"/>
+          </a:xfrm>
+        </p:spPr>
         <p:txBody>
           <a:bodyPr/>
           <a:lstStyle/>
           <a:p>
             <a:r>
-              <a:t>Diabetes is widespread; early detection is essential.</a:t>
-            </a:r>
-          </a:p>
-          <a:p>
-            <a:r>
-              <a:t>Machine learning can support screening by identifying risk patterns.</a:t>
-            </a:r>
-          </a:p>
-          <a:p>
-            <a:r>
-              <a:t>Goal: Build reliable models for early diabetes risk estimation.</a:t>
-            </a:r>
+              <a:rPr b="1" dirty="0"/>
+              <a:t>Unsupervised Learning</a:t>
+            </a:r>
+          </a:p>
+        </p:txBody>
+      </p:sp>
+      <p:sp>
+        <p:nvSpPr>
+          <p:cNvPr id="3" name="Content Placeholder 2"/>
+          <p:cNvSpPr>
+            <a:spLocks noGrp="1"/>
+          </p:cNvSpPr>
+          <p:nvPr>
+            <p:ph idx="1"/>
+          </p:nvPr>
+        </p:nvSpPr>
+        <p:spPr>
+          <a:xfrm>
+            <a:off x="457200" y="1600200"/>
+            <a:ext cx="8229600" cy="2158999"/>
+          </a:xfrm>
+        </p:spPr>
+        <p:txBody>
+          <a:bodyPr>
+            <a:noAutofit/>
+          </a:bodyPr>
+          <a:lstStyle/>
+          <a:p>
+            <a:r>
+              <a:rPr lang="en-US" sz="2200" dirty="0"/>
+              <a:t>We experimented with advanced optimization methods, including Selective Retraining.</a:t>
+            </a:r>
+          </a:p>
+          <a:p>
+            <a:r>
+              <a:rPr lang="en-US" sz="2200" dirty="0"/>
+              <a:t>These methods did not improve performance on our dataset due to data size, noise, and feature variability.</a:t>
+            </a:r>
+          </a:p>
+          <a:p>
+            <a:r>
+              <a:rPr lang="en-US" sz="2200" dirty="0"/>
+              <a:t>We removed this step from the final pipeline to keep the model simpler, more stable, and easier to interpret.</a:t>
+            </a:r>
+          </a:p>
+        </p:txBody>
+      </p:sp>
+      <p:pic>
+        <p:nvPicPr>
+          <p:cNvPr id="7" name="Picture 6">
+            <a:extLst>
+              <a:ext uri="{FF2B5EF4-FFF2-40B4-BE49-F238E27FC236}">
+                <a16:creationId xmlns:a16="http://schemas.microsoft.com/office/drawing/2014/main" id="{B1C1C46F-F07C-2BF3-AE08-36FA5176714C}"/>
+              </a:ext>
+            </a:extLst>
+          </p:cNvPr>
+          <p:cNvPicPr>
+            <a:picLocks noChangeAspect="1"/>
+          </p:cNvPicPr>
+          <p:nvPr/>
+        </p:nvPicPr>
+        <p:blipFill>
+          <a:blip r:embed="rId2"/>
+          <a:stretch>
+            <a:fillRect/>
+          </a:stretch>
+        </p:blipFill>
+        <p:spPr>
+          <a:xfrm>
+            <a:off x="262649" y="4096765"/>
+            <a:ext cx="2743200" cy="2809875"/>
+          </a:xfrm>
+          <a:prstGeom prst="rect">
+            <a:avLst/>
+          </a:prstGeom>
+        </p:spPr>
+      </p:pic>
+      <p:pic>
+        <p:nvPicPr>
+          <p:cNvPr id="9" name="Picture 8">
+            <a:extLst>
+              <a:ext uri="{FF2B5EF4-FFF2-40B4-BE49-F238E27FC236}">
+                <a16:creationId xmlns:a16="http://schemas.microsoft.com/office/drawing/2014/main" id="{259942C9-3E8A-1A04-944E-A3C2B2E4820D}"/>
+              </a:ext>
+            </a:extLst>
+          </p:cNvPr>
+          <p:cNvPicPr>
+            <a:picLocks noChangeAspect="1"/>
+          </p:cNvPicPr>
+          <p:nvPr/>
+        </p:nvPicPr>
+        <p:blipFill>
+          <a:blip r:embed="rId3"/>
+          <a:stretch>
+            <a:fillRect/>
+          </a:stretch>
+        </p:blipFill>
+        <p:spPr>
+          <a:xfrm>
+            <a:off x="3597882" y="4048125"/>
+            <a:ext cx="1700646" cy="2644505"/>
+          </a:xfrm>
+          <a:prstGeom prst="rect">
+            <a:avLst/>
+          </a:prstGeom>
+        </p:spPr>
+      </p:pic>
+      <p:pic>
+        <p:nvPicPr>
+          <p:cNvPr id="11" name="Picture 10">
+            <a:extLst>
+              <a:ext uri="{FF2B5EF4-FFF2-40B4-BE49-F238E27FC236}">
+                <a16:creationId xmlns:a16="http://schemas.microsoft.com/office/drawing/2014/main" id="{916D198B-BFA1-BF45-E1AD-81373639E3DE}"/>
+              </a:ext>
+            </a:extLst>
+          </p:cNvPr>
+          <p:cNvPicPr>
+            <a:picLocks noChangeAspect="1"/>
+          </p:cNvPicPr>
+          <p:nvPr/>
+        </p:nvPicPr>
+        <p:blipFill>
+          <a:blip r:embed="rId4"/>
+          <a:stretch>
+            <a:fillRect/>
+          </a:stretch>
+        </p:blipFill>
+        <p:spPr>
+          <a:xfrm>
+            <a:off x="5550845" y="4022417"/>
+            <a:ext cx="3252686" cy="2695920"/>
+          </a:xfrm>
+          <a:prstGeom prst="rect">
+            <a:avLst/>
+          </a:prstGeom>
+        </p:spPr>
+      </p:pic>
+    </p:spTree>
+  </p:cSld>
+  <p:clrMapOvr>
+    <a:masterClrMapping/>
+  </p:clrMapOvr>
+</p:sld>
+</file>
+
+<file path=ppt/slides/slide21.xml><?xml version="1.0" encoding="utf-8"?>
+<p:sld xmlns:a="http://schemas.openxmlformats.org/drawingml/2006/main" xmlns:r="http://schemas.openxmlformats.org/officeDocument/2006/relationships" xmlns:p="http://schemas.openxmlformats.org/presentationml/2006/main">
+  <p:cSld>
+    <p:spTree>
+      <p:nvGrpSpPr>
+        <p:cNvPr id="1" name=""/>
+        <p:cNvGrpSpPr/>
+        <p:nvPr/>
+      </p:nvGrpSpPr>
+      <p:grpSpPr>
+        <a:xfrm>
+          <a:off x="0" y="0"/>
+          <a:ext cx="0" cy="0"/>
+          <a:chOff x="0" y="0"/>
+          <a:chExt cx="0" cy="0"/>
+        </a:xfrm>
+      </p:grpSpPr>
+      <p:sp>
+        <p:nvSpPr>
+          <p:cNvPr id="2" name="Title 1"/>
+          <p:cNvSpPr>
+            <a:spLocks noGrp="1"/>
+          </p:cNvSpPr>
+          <p:nvPr>
+            <p:ph type="title"/>
+          </p:nvPr>
+        </p:nvSpPr>
+        <p:spPr/>
+        <p:txBody>
+          <a:bodyPr/>
+          <a:lstStyle/>
+          <a:p>
+            <a:r>
+              <a:rPr b="1" dirty="0"/>
+              <a:t>Ethical Considerations</a:t>
+            </a:r>
+            <a:endParaRPr lang="en-US" b="1" dirty="0">
+              <a:ea typeface="Calibri Light"/>
+              <a:cs typeface="Calibri Light"/>
+            </a:endParaRPr>
+          </a:p>
+        </p:txBody>
+      </p:sp>
+      <p:sp>
+        <p:nvSpPr>
+          <p:cNvPr id="3" name="Content Placeholder 2"/>
+          <p:cNvSpPr>
+            <a:spLocks noGrp="1"/>
+          </p:cNvSpPr>
+          <p:nvPr>
+            <p:ph idx="1"/>
+          </p:nvPr>
+        </p:nvSpPr>
+        <p:spPr/>
+        <p:txBody>
+          <a:bodyPr vert="horz" lIns="91440" tIns="45720" rIns="91440" bIns="45720" rtlCol="0" anchor="t">
+            <a:normAutofit/>
+          </a:bodyPr>
+          <a:lstStyle/>
+          <a:p>
+            <a:r>
+              <a:rPr sz="2600" dirty="0"/>
+              <a:t>Dataset represents only one demographic group.</a:t>
+            </a:r>
+            <a:endParaRPr lang="en-US" sz="2600" dirty="0">
+              <a:ea typeface="Calibri"/>
+              <a:cs typeface="Calibri"/>
+            </a:endParaRPr>
+          </a:p>
+          <a:p>
+            <a:r>
+              <a:rPr sz="2600" dirty="0"/>
+              <a:t>Risk of bias and uneven predictions.</a:t>
+            </a:r>
+            <a:endParaRPr sz="2600" dirty="0">
+              <a:ea typeface="Calibri"/>
+              <a:cs typeface="Calibri"/>
+            </a:endParaRPr>
+          </a:p>
+          <a:p>
+            <a:r>
+              <a:rPr sz="2600" dirty="0"/>
+              <a:t>False negatives can delay treatment.</a:t>
+            </a:r>
+            <a:endParaRPr sz="2600" dirty="0">
+              <a:ea typeface="Calibri"/>
+              <a:cs typeface="Calibri"/>
+            </a:endParaRPr>
+          </a:p>
+          <a:p>
+            <a:r>
+              <a:rPr sz="2600" dirty="0"/>
+              <a:t>Transparency is important for trust.</a:t>
+            </a:r>
+            <a:endParaRPr sz="2600" dirty="0">
+              <a:ea typeface="Calibri"/>
+              <a:cs typeface="Calibri"/>
+            </a:endParaRPr>
+          </a:p>
+          <a:p>
+            <a:r>
+              <a:rPr sz="2600" dirty="0"/>
+              <a:t>Model should </a:t>
+            </a:r>
+            <a:r>
+              <a:rPr lang="en-US" sz="2600" dirty="0"/>
+              <a:t>support not</a:t>
+            </a:r>
+            <a:r>
+              <a:rPr sz="2600" dirty="0"/>
+              <a:t> </a:t>
+            </a:r>
+            <a:r>
+              <a:rPr lang="en-US" sz="2600" dirty="0"/>
+              <a:t>replace clinicians</a:t>
+            </a:r>
+            <a:r>
+              <a:rPr sz="2600" dirty="0"/>
+              <a:t>.</a:t>
+            </a:r>
+            <a:endParaRPr sz="2600">
+              <a:ea typeface="Calibri"/>
+              <a:cs typeface="Calibri"/>
+            </a:endParaRPr>
+          </a:p>
+        </p:txBody>
+      </p:sp>
+    </p:spTree>
+  </p:cSld>
+  <p:clrMapOvr>
+    <a:masterClrMapping/>
+  </p:clrMapOvr>
+</p:sld>
+</file>
+
+<file path=ppt/slides/slide22.xml><?xml version="1.0" encoding="utf-8"?>
+<p:sld xmlns:a="http://schemas.openxmlformats.org/drawingml/2006/main" xmlns:r="http://schemas.openxmlformats.org/officeDocument/2006/relationships" xmlns:p="http://schemas.openxmlformats.org/presentationml/2006/main">
+  <p:cSld>
+    <p:spTree>
+      <p:nvGrpSpPr>
+        <p:cNvPr id="1" name=""/>
+        <p:cNvGrpSpPr/>
+        <p:nvPr/>
+      </p:nvGrpSpPr>
+      <p:grpSpPr>
+        <a:xfrm>
+          <a:off x="0" y="0"/>
+          <a:ext cx="0" cy="0"/>
+          <a:chOff x="0" y="0"/>
+          <a:chExt cx="0" cy="0"/>
+        </a:xfrm>
+      </p:grpSpPr>
+      <p:sp>
+        <p:nvSpPr>
+          <p:cNvPr id="2" name="Title 1"/>
+          <p:cNvSpPr>
+            <a:spLocks noGrp="1"/>
+          </p:cNvSpPr>
+          <p:nvPr>
+            <p:ph type="title"/>
+          </p:nvPr>
+        </p:nvSpPr>
+        <p:spPr/>
+        <p:txBody>
+          <a:bodyPr/>
+          <a:lstStyle/>
+          <a:p>
+            <a:r>
+              <a:rPr b="1" dirty="0"/>
+              <a:t>Conclusions</a:t>
+            </a:r>
+            <a:endParaRPr lang="en-US" b="1" dirty="0">
+              <a:ea typeface="Calibri Light"/>
+              <a:cs typeface="Calibri Light"/>
+            </a:endParaRPr>
+          </a:p>
+        </p:txBody>
+      </p:sp>
+      <p:sp>
+        <p:nvSpPr>
+          <p:cNvPr id="3" name="Content Placeholder 2"/>
+          <p:cNvSpPr>
+            <a:spLocks noGrp="1"/>
+          </p:cNvSpPr>
+          <p:nvPr>
+            <p:ph idx="1"/>
+          </p:nvPr>
+        </p:nvSpPr>
+        <p:spPr/>
+        <p:txBody>
+          <a:bodyPr vert="horz" lIns="91440" tIns="45720" rIns="91440" bIns="45720" rtlCol="0" anchor="t">
+            <a:normAutofit/>
+          </a:bodyPr>
+          <a:lstStyle/>
+          <a:p>
+            <a:r>
+              <a:rPr sz="2600" dirty="0"/>
+              <a:t>Best models achieved strong recall and balanced F1.</a:t>
+            </a:r>
+            <a:endParaRPr lang="en-US" sz="2600">
+              <a:ea typeface="Calibri"/>
+              <a:cs typeface="Calibri"/>
+            </a:endParaRPr>
+          </a:p>
+          <a:p>
+            <a:r>
+              <a:rPr sz="2600" dirty="0"/>
+              <a:t>Feature engineering and cleaning improved results significantly.</a:t>
+            </a:r>
+            <a:endParaRPr sz="2600">
+              <a:ea typeface="Calibri"/>
+              <a:cs typeface="Calibri"/>
+            </a:endParaRPr>
+          </a:p>
+          <a:p>
+            <a:r>
+              <a:rPr sz="2600" dirty="0"/>
+              <a:t>Threshold tuning made the model more clinically useful.</a:t>
+            </a:r>
+            <a:endParaRPr sz="2600">
+              <a:ea typeface="Calibri"/>
+              <a:cs typeface="Calibri"/>
+            </a:endParaRPr>
+          </a:p>
+          <a:p>
+            <a:r>
+              <a:rPr sz="2600" dirty="0"/>
+              <a:t>Unsupervised methods</a:t>
+            </a:r>
+            <a:r>
+              <a:rPr lang="en-US" sz="2600" dirty="0"/>
+              <a:t> identified clusters but did not improved performance metrics.</a:t>
+            </a:r>
+            <a:endParaRPr lang="en-US" sz="2600">
+              <a:ea typeface="Calibri"/>
+              <a:cs typeface="Calibri"/>
+            </a:endParaRPr>
+          </a:p>
+        </p:txBody>
+      </p:sp>
+    </p:spTree>
+  </p:cSld>
+  <p:clrMapOvr>
+    <a:masterClrMapping/>
+  </p:clrMapOvr>
+</p:sld>
+</file>
+
+<file path=ppt/slides/slide23.xml><?xml version="1.0" encoding="utf-8"?>
+<p:sld xmlns:a="http://schemas.openxmlformats.org/drawingml/2006/main" xmlns:r="http://schemas.openxmlformats.org/officeDocument/2006/relationships" xmlns:p="http://schemas.openxmlformats.org/presentationml/2006/main">
+  <p:cSld>
+    <p:spTree>
+      <p:nvGrpSpPr>
+        <p:cNvPr id="1" name=""/>
+        <p:cNvGrpSpPr/>
+        <p:nvPr/>
+      </p:nvGrpSpPr>
+      <p:grpSpPr>
+        <a:xfrm>
+          <a:off x="0" y="0"/>
+          <a:ext cx="0" cy="0"/>
+          <a:chOff x="0" y="0"/>
+          <a:chExt cx="0" cy="0"/>
+        </a:xfrm>
+      </p:grpSpPr>
+      <p:sp>
+        <p:nvSpPr>
+          <p:cNvPr id="2" name="Title 1"/>
+          <p:cNvSpPr>
+            <a:spLocks noGrp="1"/>
+          </p:cNvSpPr>
+          <p:nvPr>
+            <p:ph type="title"/>
+          </p:nvPr>
+        </p:nvSpPr>
+        <p:spPr>
+          <a:xfrm>
+            <a:off x="2410691" y="2511138"/>
+            <a:ext cx="7772400" cy="1456267"/>
+          </a:xfrm>
+        </p:spPr>
+        <p:txBody>
+          <a:bodyPr>
+            <a:normAutofit/>
+          </a:bodyPr>
+          <a:lstStyle/>
+          <a:p>
+            <a:r>
+              <a:rPr sz="6000" b="1" dirty="0"/>
+              <a:t>Thank You</a:t>
+            </a:r>
+            <a:endParaRPr lang="en-US" sz="6000" b="1">
+              <a:ea typeface="Calibri Light"/>
+              <a:cs typeface="Calibri Light"/>
+            </a:endParaRPr>
+          </a:p>
+        </p:txBody>
+      </p:sp>
+      <p:sp>
+        <p:nvSpPr>
+          <p:cNvPr id="3" name="Content Placeholder 2"/>
+          <p:cNvSpPr>
+            <a:spLocks noGrp="1"/>
+          </p:cNvSpPr>
+          <p:nvPr>
+            <p:ph idx="1"/>
+          </p:nvPr>
+        </p:nvSpPr>
+        <p:spPr>
+          <a:xfrm>
+            <a:off x="1371601" y="2287541"/>
+            <a:ext cx="7772400" cy="3649133"/>
+          </a:xfrm>
+        </p:spPr>
+        <p:txBody>
+          <a:bodyPr>
+            <a:normAutofit/>
+          </a:bodyPr>
+          <a:lstStyle/>
+          <a:p>
+            <a:pPr marL="0" indent="0">
+              <a:buClr>
+                <a:srgbClr val="FFFFFF"/>
+              </a:buClr>
+              <a:buNone/>
+            </a:pPr>
+            <a:r>
+              <a:rPr lang="en-US" sz="4800" b="1" dirty="0"/>
+              <a:t>          </a:t>
+            </a:r>
+            <a:r>
+              <a:rPr lang="en-US" sz="3600" b="1" dirty="0"/>
+              <a:t>QUESTIONS?</a:t>
+            </a:r>
+            <a:endParaRPr lang="en-US" sz="3600" b="1">
+              <a:ea typeface="Calibri"/>
+              <a:cs typeface="Calibri"/>
+            </a:endParaRPr>
           </a:p>
         </p:txBody>
       </p:sp>
@@ -4643,9 +8685,13 @@
           <a:lstStyle/>
           <a:p>
             <a:r>
-              <a:rPr lang="en-US" dirty="0"/>
+              <a:rPr lang="en-US" b="1" dirty="0"/>
               <a:t>Dataset Background</a:t>
             </a:r>
+            <a:endParaRPr lang="en-US" b="1" dirty="0">
+              <a:ea typeface="Calibri Light"/>
+              <a:cs typeface="Calibri Light"/>
+            </a:endParaRPr>
           </a:p>
         </p:txBody>
       </p:sp>
@@ -4666,42 +8712,53 @@
           </a:xfrm>
         </p:spPr>
         <p:txBody>
-          <a:bodyPr>
+          <a:bodyPr vert="horz" lIns="91440" tIns="45720" rIns="91440" bIns="45720" rtlCol="0" anchor="t">
             <a:noAutofit/>
           </a:bodyPr>
           <a:lstStyle/>
           <a:p>
             <a:r>
               <a:rPr lang="en-US" sz="2600" dirty="0"/>
-              <a:t>Dataset from UCI repository.</a:t>
-            </a:r>
+              <a:t>Includes diagnostic data of women of Pima Indian heritage.</a:t>
+            </a:r>
+            <a:endParaRPr lang="en-US"/>
           </a:p>
           <a:p>
             <a:r>
               <a:rPr lang="en-US" sz="2600" dirty="0"/>
-              <a:t>Includes diagnostic data of women of Pima Indian heritage.</a:t>
-            </a:r>
-          </a:p>
-          <a:p>
+              <a:t>Features: Glucose, BMI, blood pressure, insulin, age, </a:t>
+            </a:r>
+            <a:r>
+              <a:rPr lang="en-US" sz="2600" dirty="0" err="1"/>
+              <a:t>pregnanciese</a:t>
+            </a:r>
             <a:r>
               <a:rPr lang="en-US" sz="2600" dirty="0"/>
-              <a:t>Features: Glucose, BMI, blood pressure, insulin, age, pregnancies.</a:t>
-            </a:r>
-          </a:p>
-          <a:p>
-            <a:r>
-              <a:rPr lang="en-US" sz="2600" dirty="0"/>
-              <a:t>Issues: Missing values, impossible zeros, class imbalance.</a:t>
-            </a:r>
+              <a:t> </a:t>
+            </a:r>
+            <a:r>
+              <a:rPr lang="en-US" sz="2600" dirty="0" err="1"/>
+              <a:t>etc</a:t>
+            </a:r>
+            <a:endParaRPr lang="en-US" sz="2600" dirty="0" err="1">
+              <a:ea typeface="Calibri"/>
+              <a:cs typeface="Calibri"/>
+            </a:endParaRPr>
+          </a:p>
+          <a:p>
+            <a:endParaRPr lang="en-US" sz="2600" dirty="0">
+              <a:ea typeface="Calibri"/>
+              <a:cs typeface="Calibri"/>
+            </a:endParaRPr>
           </a:p>
         </p:txBody>
       </p:sp>
       <p:pic>
         <p:nvPicPr>
-          <p:cNvPr id="7" name="Picture 6">
+          <p:cNvPr id="4" name="Picture 3" descr="A screenshot of a computer&#10;&#10;AI-generated content may be incorrect.">
             <a:extLst>
               <a:ext uri="{FF2B5EF4-FFF2-40B4-BE49-F238E27FC236}">
-                <a16:creationId xmlns:a16="http://schemas.microsoft.com/office/drawing/2014/main" id="{26515ED2-9597-5B9C-3FF7-E72F01F941AE}"/>
+                <a16:creationId xmlns:a16="http://schemas.microsoft.com/office/drawing/2014/main" id="{ED0FF32A-3CC6-2414-C407-89F41794AEE9}"/>
               </a:ext>
             </a:extLst>
           </p:cNvPr>
@@ -4718,38 +8775,8 @@
         </p:blipFill>
         <p:spPr>
           <a:xfrm>
-            <a:off x="5594622" y="4236566"/>
-            <a:ext cx="3121362" cy="2514430"/>
-          </a:xfrm>
-          <a:prstGeom prst="rect">
-            <a:avLst/>
-          </a:prstGeom>
-        </p:spPr>
-      </p:pic>
-      <p:pic>
-        <p:nvPicPr>
-          <p:cNvPr id="16" name="Picture 15">
-            <a:extLst>
-              <a:ext uri="{FF2B5EF4-FFF2-40B4-BE49-F238E27FC236}">
-                <a16:creationId xmlns:a16="http://schemas.microsoft.com/office/drawing/2014/main" id="{4E81F562-27BE-9974-57C2-4112678179A8}"/>
-              </a:ext>
-            </a:extLst>
-          </p:cNvPr>
-          <p:cNvPicPr>
-            <a:picLocks noChangeAspect="1"/>
-          </p:cNvPicPr>
-          <p:nvPr/>
-        </p:nvPicPr>
-        <p:blipFill>
-          <a:blip r:embed="rId3"/>
-          <a:stretch>
-            <a:fillRect/>
-          </a:stretch>
-        </p:blipFill>
-        <p:spPr>
-          <a:xfrm>
-            <a:off x="297957" y="4378883"/>
-            <a:ext cx="5120350" cy="2633323"/>
+            <a:off x="651739" y="2673812"/>
+            <a:ext cx="7917686" cy="3989287"/>
           </a:xfrm>
           <a:prstGeom prst="rect">
             <a:avLst/>
@@ -4793,7 +8820,7 @@
         </p:nvSpPr>
         <p:spPr>
           <a:xfrm>
-            <a:off x="457200" y="0"/>
+            <a:off x="322118" y="467591"/>
             <a:ext cx="8229600" cy="972766"/>
           </a:xfrm>
         </p:spPr>
@@ -4802,9 +8829,13 @@
           <a:lstStyle/>
           <a:p>
             <a:r>
-              <a:rPr dirty="0"/>
+              <a:rPr b="1" dirty="0"/>
               <a:t>Key EDA Insights</a:t>
             </a:r>
+            <a:endParaRPr lang="en-US" b="1" dirty="0">
+              <a:ea typeface="Calibri Light"/>
+              <a:cs typeface="Calibri Light"/>
+            </a:endParaRPr>
           </a:p>
         </p:txBody>
       </p:sp>
@@ -4820,38 +8851,100 @@
         </p:nvSpPr>
         <p:spPr>
           <a:xfrm>
-            <a:off x="325875" y="984756"/>
-            <a:ext cx="8229600" cy="3470512"/>
-          </a:xfrm>
-        </p:spPr>
-        <p:txBody>
-          <a:bodyPr>
+            <a:off x="325875" y="1567393"/>
+            <a:ext cx="8229600" cy="5177778"/>
+          </a:xfrm>
+        </p:spPr>
+        <p:txBody>
+          <a:bodyPr vert="horz" lIns="91440" tIns="45720" rIns="91440" bIns="45720" rtlCol="0" anchor="t">
             <a:noAutofit/>
           </a:bodyPr>
           <a:lstStyle/>
           <a:p>
             <a:r>
-              <a:rPr sz="3000" dirty="0"/>
+              <a:rPr sz="2600" dirty="0"/>
               <a:t>Diabetic patients show higher glucose and BMI.</a:t>
             </a:r>
-          </a:p>
-          <a:p>
-            <a:r>
-              <a:rPr sz="3000" dirty="0"/>
+            <a:endParaRPr lang="en-US" sz="2600" dirty="0">
+              <a:ea typeface="Calibri"/>
+              <a:cs typeface="Calibri"/>
+            </a:endParaRPr>
+          </a:p>
+          <a:p>
+            <a:r>
+              <a:rPr sz="2600" dirty="0"/>
               <a:t>Insulin, skin thickness, BMI contain many missing values.</a:t>
             </a:r>
-          </a:p>
-          <a:p>
-            <a:r>
-              <a:rPr sz="3000" dirty="0"/>
-              <a:t>28 duplicate entries removed.</a:t>
-            </a:r>
-          </a:p>
-          <a:p>
-            <a:r>
-              <a:rPr sz="3000" dirty="0"/>
+            <a:endParaRPr sz="2600">
+              <a:ea typeface="Calibri"/>
+              <a:cs typeface="Calibri"/>
+            </a:endParaRPr>
+          </a:p>
+          <a:p>
+            <a:r>
+              <a:rPr lang="en-US" sz="2600" dirty="0"/>
+              <a:t>Duplicate</a:t>
+            </a:r>
+            <a:r>
+              <a:rPr sz="2600" dirty="0"/>
+              <a:t> entries.</a:t>
+            </a:r>
+            <a:endParaRPr sz="2600">
+              <a:ea typeface="Calibri"/>
+              <a:cs typeface="Calibri"/>
+            </a:endParaRPr>
+          </a:p>
+          <a:p>
+            <a:r>
+              <a:rPr sz="2600" dirty="0"/>
               <a:t>Dataset is imbalanced (~1/3 diabetic).</a:t>
             </a:r>
+            <a:endParaRPr sz="2600">
+              <a:ea typeface="Calibri"/>
+              <a:cs typeface="Calibri"/>
+            </a:endParaRPr>
+          </a:p>
+          <a:p>
+            <a:r>
+              <a:rPr lang="en-US" sz="2600" dirty="0">
+                <a:ea typeface="Calibri"/>
+                <a:cs typeface="Calibri"/>
+              </a:rPr>
+              <a:t>Low number of records.</a:t>
+            </a:r>
+          </a:p>
+          <a:p>
+            <a:r>
+              <a:rPr lang="en-US" sz="2600" dirty="0">
+                <a:ea typeface="Calibri"/>
+                <a:cs typeface="Calibri"/>
+              </a:rPr>
+              <a:t>Missing Features(Demographics)</a:t>
+            </a:r>
+          </a:p>
+          <a:p>
+            <a:r>
+              <a:rPr lang="en-US" sz="2600" dirty="0">
+                <a:ea typeface="Calibri"/>
+                <a:cs typeface="Calibri"/>
+              </a:rPr>
+              <a:t>Data Skewness</a:t>
+            </a:r>
+          </a:p>
+          <a:p>
+            <a:r>
+              <a:rPr lang="en-US" sz="2600" dirty="0">
+                <a:ea typeface="Calibri"/>
+                <a:cs typeface="Calibri"/>
+              </a:rPr>
+              <a:t>Outliers</a:t>
+            </a:r>
+          </a:p>
+          <a:p>
+            <a:endParaRPr lang="en-US" sz="2600" dirty="0">
+              <a:ea typeface="Calibri"/>
+              <a:cs typeface="Calibri"/>
+            </a:endParaRPr>
           </a:p>
         </p:txBody>
       </p:sp>
@@ -4926,10 +9019,10 @@
       </p:sp>
       <p:pic>
         <p:nvPicPr>
-          <p:cNvPr id="5" name="Picture 4">
+          <p:cNvPr id="11" name="Picture 10">
             <a:extLst>
               <a:ext uri="{FF2B5EF4-FFF2-40B4-BE49-F238E27FC236}">
-                <a16:creationId xmlns:a16="http://schemas.microsoft.com/office/drawing/2014/main" id="{CE75471C-BCC3-6370-CD5C-D98879A36C4E}"/>
+                <a16:creationId xmlns:a16="http://schemas.microsoft.com/office/drawing/2014/main" id="{DAE70A93-4E62-F07D-711C-64448D9A8B6D}"/>
               </a:ext>
             </a:extLst>
           </p:cNvPr>
@@ -4946,8 +9039,8 @@
         </p:blipFill>
         <p:spPr>
           <a:xfrm>
-            <a:off x="0" y="1271587"/>
-            <a:ext cx="5273207" cy="4136991"/>
+            <a:off x="5710369" y="1844465"/>
+            <a:ext cx="3121362" cy="2514430"/>
           </a:xfrm>
           <a:prstGeom prst="rect">
             <a:avLst/>
@@ -4956,10 +9049,10 @@
       </p:pic>
       <p:pic>
         <p:nvPicPr>
-          <p:cNvPr id="8" name="Picture 7">
+          <p:cNvPr id="13" name="Picture 12">
             <a:extLst>
               <a:ext uri="{FF2B5EF4-FFF2-40B4-BE49-F238E27FC236}">
-                <a16:creationId xmlns:a16="http://schemas.microsoft.com/office/drawing/2014/main" id="{BA7A8AA6-24B7-F982-592D-8D9372CBF9A0}"/>
+                <a16:creationId xmlns:a16="http://schemas.microsoft.com/office/drawing/2014/main" id="{6C581FD1-E814-C77B-547F-BC681F91491B}"/>
               </a:ext>
             </a:extLst>
           </p:cNvPr>
@@ -4976,8 +9069,8 @@
         </p:blipFill>
         <p:spPr>
           <a:xfrm>
-            <a:off x="5183599" y="1271587"/>
-            <a:ext cx="3960401" cy="2901579"/>
+            <a:off x="340968" y="1841309"/>
+            <a:ext cx="5120350" cy="2633323"/>
           </a:xfrm>
           <a:prstGeom prst="rect">
             <a:avLst/>
@@ -5002,7 +9095,13 @@
   <p:cSld>
     <p:spTree>
       <p:nvGrpSpPr>
-        <p:cNvPr id="1" name=""/>
+        <p:cNvPr id="1" name="">
+          <a:extLst>
+            <a:ext uri="{FF2B5EF4-FFF2-40B4-BE49-F238E27FC236}">
+              <a16:creationId xmlns:a16="http://schemas.microsoft.com/office/drawing/2014/main" id="{B4E81D5C-E01B-AD43-A7D1-49A2866D1844}"/>
+            </a:ext>
+          </a:extLst>
+        </p:cNvPr>
         <p:cNvGrpSpPr/>
         <p:nvPr/>
       </p:nvGrpSpPr>
@@ -5016,7 +9115,13 @@
       </p:grpSpPr>
       <p:sp>
         <p:nvSpPr>
-          <p:cNvPr id="2" name="Title 1"/>
+          <p:cNvPr id="2" name="Title 1">
+            <a:extLst>
+              <a:ext uri="{FF2B5EF4-FFF2-40B4-BE49-F238E27FC236}">
+                <a16:creationId xmlns:a16="http://schemas.microsoft.com/office/drawing/2014/main" id="{C6F4921C-A7DF-5BA4-E65F-27A60B7DA8CE}"/>
+              </a:ext>
+            </a:extLst>
+          </p:cNvPr>
           <p:cNvSpPr>
             <a:spLocks noGrp="1"/>
           </p:cNvSpPr>
@@ -5024,77 +9129,34 @@
             <p:ph type="title"/>
           </p:nvPr>
         </p:nvSpPr>
-        <p:spPr/>
+        <p:spPr>
+          <a:xfrm>
+            <a:off x="457200" y="0"/>
+            <a:ext cx="8229600" cy="972766"/>
+          </a:xfrm>
+        </p:spPr>
         <p:txBody>
           <a:bodyPr/>
           <a:lstStyle/>
           <a:p>
             <a:r>
               <a:rPr dirty="0"/>
-              <a:t>Data Cleaning &amp; Preparation</a:t>
-            </a:r>
-          </a:p>
-        </p:txBody>
-      </p:sp>
-      <p:sp>
-        <p:nvSpPr>
-          <p:cNvPr id="3" name="Content Placeholder 2"/>
-          <p:cNvSpPr>
-            <a:spLocks noGrp="1"/>
-          </p:cNvSpPr>
-          <p:nvPr>
-            <p:ph idx="1"/>
-          </p:nvPr>
-        </p:nvSpPr>
-        <p:spPr>
-          <a:xfrm>
-            <a:off x="457200" y="1600200"/>
-            <a:ext cx="8229600" cy="1901757"/>
-          </a:xfrm>
-        </p:spPr>
-        <p:txBody>
-          <a:bodyPr>
-            <a:normAutofit fontScale="70000" lnSpcReduction="20000"/>
-          </a:bodyPr>
-          <a:lstStyle/>
-          <a:p>
-            <a:r>
-              <a:rPr dirty="0"/>
-              <a:t>Median imputation for missing values.</a:t>
-            </a:r>
-          </a:p>
-          <a:p>
-            <a:r>
-              <a:rPr dirty="0"/>
-              <a:t>Added quality-flag features.</a:t>
-            </a:r>
-          </a:p>
-          <a:p>
-            <a:r>
-              <a:rPr dirty="0"/>
-              <a:t>Categorical → numerical conversions.</a:t>
-            </a:r>
-          </a:p>
-          <a:p>
-            <a:r>
-              <a:rPr dirty="0"/>
-              <a:t>SMOTE used to handle imbalance.</a:t>
-            </a:r>
-          </a:p>
-          <a:p>
-            <a:r>
-              <a:rPr dirty="0"/>
-              <a:t>Engineered features: BMI category, glucose risk groups, HOMA-IR.</a:t>
-            </a:r>
+              <a:t>Key EDA Insights</a:t>
+            </a:r>
+            <a:r>
+              <a:rPr lang="en-US" dirty="0"/>
+              <a:t> – Cont.</a:t>
+            </a:r>
+            <a:endParaRPr dirty="0"/>
           </a:p>
         </p:txBody>
       </p:sp>
       <p:pic>
         <p:nvPicPr>
-          <p:cNvPr id="7" name="Picture 6">
+          <p:cNvPr id="3" name="Picture 2">
             <a:extLst>
               <a:ext uri="{FF2B5EF4-FFF2-40B4-BE49-F238E27FC236}">
-                <a16:creationId xmlns:a16="http://schemas.microsoft.com/office/drawing/2014/main" id="{AB967349-EB02-148D-4E92-DADE1661CDC7}"/>
+                <a16:creationId xmlns:a16="http://schemas.microsoft.com/office/drawing/2014/main" id="{D18E9F02-BCE6-3A07-1DD8-C8B88FBE38D7}"/>
               </a:ext>
             </a:extLst>
           </p:cNvPr>
@@ -5111,8 +9173,8 @@
         </p:blipFill>
         <p:spPr>
           <a:xfrm>
-            <a:off x="4056433" y="3762780"/>
-            <a:ext cx="4319082" cy="2871478"/>
+            <a:off x="356886" y="970512"/>
+            <a:ext cx="8333773" cy="3769153"/>
           </a:xfrm>
           <a:prstGeom prst="rect">
             <a:avLst/>
@@ -5120,6 +9182,11 @@
         </p:spPr>
       </p:pic>
     </p:spTree>
+    <p:extLst>
+      <p:ext uri="{BB962C8B-B14F-4D97-AF65-F5344CB8AC3E}">
+        <p14:creationId xmlns:p14="http://schemas.microsoft.com/office/powerpoint/2010/main" val="1430081828"/>
+      </p:ext>
+    </p:extLst>
   </p:cSld>
   <p:clrMapOvr>
     <a:masterClrMapping/>
@@ -5132,7 +9199,13 @@
   <p:cSld>
     <p:spTree>
       <p:nvGrpSpPr>
-        <p:cNvPr id="1" name=""/>
+        <p:cNvPr id="1" name="">
+          <a:extLst>
+            <a:ext uri="{FF2B5EF4-FFF2-40B4-BE49-F238E27FC236}">
+              <a16:creationId xmlns:a16="http://schemas.microsoft.com/office/drawing/2014/main" id="{84F20C55-61DB-B8BA-0F48-CA9FC9A3D3DE}"/>
+            </a:ext>
+          </a:extLst>
+        </p:cNvPr>
         <p:cNvGrpSpPr/>
         <p:nvPr/>
       </p:nvGrpSpPr>
@@ -5146,7 +9219,13 @@
       </p:grpSpPr>
       <p:sp>
         <p:nvSpPr>
-          <p:cNvPr id="2" name="Title 1"/>
+          <p:cNvPr id="2" name="Title 1">
+            <a:extLst>
+              <a:ext uri="{FF2B5EF4-FFF2-40B4-BE49-F238E27FC236}">
+                <a16:creationId xmlns:a16="http://schemas.microsoft.com/office/drawing/2014/main" id="{5435C241-F676-D4FF-533C-A1DA8D1EACA4}"/>
+              </a:ext>
+            </a:extLst>
+          </p:cNvPr>
           <p:cNvSpPr>
             <a:spLocks noGrp="1"/>
           </p:cNvSpPr>
@@ -5154,62 +9233,25 @@
             <p:ph type="title"/>
           </p:nvPr>
         </p:nvSpPr>
-        <p:spPr/>
+        <p:spPr>
+          <a:xfrm>
+            <a:off x="457200" y="0"/>
+            <a:ext cx="8229600" cy="972766"/>
+          </a:xfrm>
+        </p:spPr>
         <p:txBody>
           <a:bodyPr/>
           <a:lstStyle/>
           <a:p>
             <a:r>
               <a:rPr dirty="0"/>
-              <a:t>Feature Engineering</a:t>
-            </a:r>
-          </a:p>
-        </p:txBody>
-      </p:sp>
-      <p:sp>
-        <p:nvSpPr>
-          <p:cNvPr id="3" name="Content Placeholder 2"/>
-          <p:cNvSpPr>
-            <a:spLocks noGrp="1"/>
-          </p:cNvSpPr>
-          <p:nvPr>
-            <p:ph idx="1"/>
-          </p:nvPr>
-        </p:nvSpPr>
-        <p:spPr>
-          <a:xfrm>
-            <a:off x="457200" y="1600200"/>
-            <a:ext cx="8229600" cy="1687749"/>
-          </a:xfrm>
-        </p:spPr>
-        <p:txBody>
-          <a:bodyPr>
-            <a:normAutofit fontScale="85000" lnSpcReduction="20000"/>
-          </a:bodyPr>
-          <a:lstStyle/>
-          <a:p>
-            <a:r>
-              <a:rPr dirty="0"/>
-              <a:t>HOMA-IR: Insulin resistance indicator.</a:t>
-            </a:r>
-          </a:p>
-          <a:p>
-            <a:r>
-              <a:rPr dirty="0"/>
-              <a:t>Glucose risk levels.</a:t>
-            </a:r>
-          </a:p>
-          <a:p>
-            <a:r>
-              <a:rPr dirty="0"/>
-              <a:t>BMI categories.</a:t>
-            </a:r>
-          </a:p>
-          <a:p>
-            <a:r>
-              <a:rPr dirty="0"/>
-              <a:t>Combined metabolic indicators.</a:t>
-            </a:r>
+              <a:t>Key EDA Insights</a:t>
+            </a:r>
+            <a:r>
+              <a:rPr lang="en-US" dirty="0"/>
+              <a:t> – Cont.</a:t>
+            </a:r>
+            <a:endParaRPr dirty="0"/>
           </a:p>
         </p:txBody>
       </p:sp>
@@ -5218,7 +9260,7 @@
           <p:cNvPr id="5" name="Picture 4">
             <a:extLst>
               <a:ext uri="{FF2B5EF4-FFF2-40B4-BE49-F238E27FC236}">
-                <a16:creationId xmlns:a16="http://schemas.microsoft.com/office/drawing/2014/main" id="{18921211-E8C3-F222-CDE2-754A10109A63}"/>
+                <a16:creationId xmlns:a16="http://schemas.microsoft.com/office/drawing/2014/main" id="{5A1D2ABC-C64B-2EB6-095F-BE2A8897DDCF}"/>
               </a:ext>
             </a:extLst>
           </p:cNvPr>
@@ -5235,8 +9277,8 @@
         </p:blipFill>
         <p:spPr>
           <a:xfrm>
-            <a:off x="2956601" y="3748087"/>
-            <a:ext cx="5429250" cy="3019425"/>
+            <a:off x="259772" y="1445207"/>
+            <a:ext cx="8422836" cy="4933934"/>
           </a:xfrm>
           <a:prstGeom prst="rect">
             <a:avLst/>
@@ -5244,6 +9286,11 @@
         </p:spPr>
       </p:pic>
     </p:spTree>
+    <p:extLst>
+      <p:ext uri="{BB962C8B-B14F-4D97-AF65-F5344CB8AC3E}">
+        <p14:creationId xmlns:p14="http://schemas.microsoft.com/office/powerpoint/2010/main" val="35681758"/>
+      </p:ext>
+    </p:extLst>
   </p:cSld>
   <p:clrMapOvr>
     <a:masterClrMapping/>
@@ -5256,7 +9303,13 @@
   <p:cSld>
     <p:spTree>
       <p:nvGrpSpPr>
-        <p:cNvPr id="1" name=""/>
+        <p:cNvPr id="1" name="">
+          <a:extLst>
+            <a:ext uri="{FF2B5EF4-FFF2-40B4-BE49-F238E27FC236}">
+              <a16:creationId xmlns:a16="http://schemas.microsoft.com/office/drawing/2014/main" id="{6C2819DF-60BE-E1F0-C1FD-16AAA6447EB9}"/>
+            </a:ext>
+          </a:extLst>
+        </p:cNvPr>
         <p:cNvGrpSpPr/>
         <p:nvPr/>
       </p:nvGrpSpPr>
@@ -5270,7 +9323,13 @@
       </p:grpSpPr>
       <p:sp>
         <p:nvSpPr>
-          <p:cNvPr id="2" name="Title 1"/>
+          <p:cNvPr id="2" name="Title 1">
+            <a:extLst>
+              <a:ext uri="{FF2B5EF4-FFF2-40B4-BE49-F238E27FC236}">
+                <a16:creationId xmlns:a16="http://schemas.microsoft.com/office/drawing/2014/main" id="{303E1924-F7B3-0797-A890-BD02695E9547}"/>
+              </a:ext>
+            </a:extLst>
+          </p:cNvPr>
           <p:cNvSpPr>
             <a:spLocks noGrp="1"/>
           </p:cNvSpPr>
@@ -5278,65 +9337,34 @@
             <p:ph type="title"/>
           </p:nvPr>
         </p:nvSpPr>
-        <p:spPr/>
+        <p:spPr>
+          <a:xfrm>
+            <a:off x="457200" y="0"/>
+            <a:ext cx="8229600" cy="972766"/>
+          </a:xfrm>
+        </p:spPr>
         <p:txBody>
           <a:bodyPr/>
           <a:lstStyle/>
           <a:p>
             <a:r>
               <a:rPr dirty="0"/>
-              <a:t>Train / Validation / Test Split</a:t>
-            </a:r>
-          </a:p>
-        </p:txBody>
-      </p:sp>
-      <p:sp>
-        <p:nvSpPr>
-          <p:cNvPr id="3" name="Content Placeholder 2"/>
-          <p:cNvSpPr>
-            <a:spLocks noGrp="1"/>
-          </p:cNvSpPr>
-          <p:nvPr>
-            <p:ph idx="1"/>
-          </p:nvPr>
-        </p:nvSpPr>
-        <p:spPr>
-          <a:xfrm>
-            <a:off x="457200" y="1600200"/>
-            <a:ext cx="8229600" cy="1609928"/>
-          </a:xfrm>
-        </p:spPr>
-        <p:txBody>
-          <a:bodyPr>
-            <a:noAutofit/>
-          </a:bodyPr>
-          <a:lstStyle/>
-          <a:p>
-            <a:r>
-              <a:rPr lang="en-US" sz="2400" dirty="0"/>
-              <a:t>Dataset was split into training, validation, and testing subsets</a:t>
-            </a:r>
-          </a:p>
-          <a:p>
-            <a:r>
-              <a:rPr lang="en-US" sz="2400" dirty="0"/>
-              <a:t>Ensures fair evaluation and prevents overfitting</a:t>
-            </a:r>
-          </a:p>
-          <a:p>
-            <a:r>
-              <a:rPr lang="en-US" sz="2400" dirty="0"/>
-              <a:t>Validation used for tuning; test set used for final performance check</a:t>
-            </a:r>
+              <a:t>Key EDA Insights</a:t>
+            </a:r>
+            <a:r>
+              <a:rPr lang="en-US" dirty="0"/>
+              <a:t> – Cont.</a:t>
+            </a:r>
+            <a:endParaRPr dirty="0"/>
           </a:p>
         </p:txBody>
       </p:sp>
       <p:pic>
         <p:nvPicPr>
-          <p:cNvPr id="14" name="Picture 13">
+          <p:cNvPr id="4" name="Picture 3">
             <a:extLst>
               <a:ext uri="{FF2B5EF4-FFF2-40B4-BE49-F238E27FC236}">
-                <a16:creationId xmlns:a16="http://schemas.microsoft.com/office/drawing/2014/main" id="{4A376852-128F-488D-E765-8F81749E5ACB}"/>
+                <a16:creationId xmlns:a16="http://schemas.microsoft.com/office/drawing/2014/main" id="{19485196-365D-4377-5D79-7C23198839DB}"/>
               </a:ext>
             </a:extLst>
           </p:cNvPr>
@@ -5353,8 +9381,8 @@
         </p:blipFill>
         <p:spPr>
           <a:xfrm>
-            <a:off x="985837" y="3925111"/>
-            <a:ext cx="7172325" cy="1571625"/>
+            <a:off x="366532" y="846168"/>
+            <a:ext cx="8324127" cy="5483969"/>
           </a:xfrm>
           <a:prstGeom prst="rect">
             <a:avLst/>
@@ -5362,6 +9390,11 @@
         </p:spPr>
       </p:pic>
     </p:spTree>
+    <p:extLst>
+      <p:ext uri="{BB962C8B-B14F-4D97-AF65-F5344CB8AC3E}">
+        <p14:creationId xmlns:p14="http://schemas.microsoft.com/office/powerpoint/2010/main" val="4190629260"/>
+      </p:ext>
+    </p:extLst>
   </p:cSld>
   <p:clrMapOvr>
     <a:masterClrMapping/>
@@ -5374,7 +9407,13 @@
   <p:cSld>
     <p:spTree>
       <p:nvGrpSpPr>
-        <p:cNvPr id="1" name=""/>
+        <p:cNvPr id="1" name="">
+          <a:extLst>
+            <a:ext uri="{FF2B5EF4-FFF2-40B4-BE49-F238E27FC236}">
+              <a16:creationId xmlns:a16="http://schemas.microsoft.com/office/drawing/2014/main" id="{DE6546C9-05A6-88A3-7ED4-1A820A588A52}"/>
+            </a:ext>
+          </a:extLst>
+        </p:cNvPr>
         <p:cNvGrpSpPr/>
         <p:nvPr/>
       </p:nvGrpSpPr>
@@ -5388,7 +9427,13 @@
       </p:grpSpPr>
       <p:sp>
         <p:nvSpPr>
-          <p:cNvPr id="2" name="Title 1"/>
+          <p:cNvPr id="2" name="Title 1">
+            <a:extLst>
+              <a:ext uri="{FF2B5EF4-FFF2-40B4-BE49-F238E27FC236}">
+                <a16:creationId xmlns:a16="http://schemas.microsoft.com/office/drawing/2014/main" id="{2CA42069-D275-FE38-ED57-E5BE11AAA17B}"/>
+              </a:ext>
+            </a:extLst>
+          </p:cNvPr>
           <p:cNvSpPr>
             <a:spLocks noGrp="1"/>
           </p:cNvSpPr>
@@ -5396,83 +9441,23 @@
             <p:ph type="title"/>
           </p:nvPr>
         </p:nvSpPr>
-        <p:spPr/>
+        <p:spPr>
+          <a:xfrm>
+            <a:off x="457200" y="0"/>
+            <a:ext cx="8229600" cy="972766"/>
+          </a:xfrm>
+        </p:spPr>
         <p:txBody>
           <a:bodyPr/>
           <a:lstStyle/>
           <a:p>
             <a:r>
               <a:rPr dirty="0"/>
-              <a:t>Models Evaluated</a:t>
-            </a:r>
-          </a:p>
-        </p:txBody>
-      </p:sp>
-      <p:sp>
-        <p:nvSpPr>
-          <p:cNvPr id="3" name="Content Placeholder 2"/>
-          <p:cNvSpPr>
-            <a:spLocks noGrp="1"/>
-          </p:cNvSpPr>
-          <p:nvPr>
-            <p:ph idx="1"/>
-          </p:nvPr>
-        </p:nvSpPr>
-        <p:spPr/>
-        <p:txBody>
-          <a:bodyPr>
-            <a:normAutofit lnSpcReduction="10000"/>
-          </a:bodyPr>
-          <a:lstStyle/>
-          <a:p>
-            <a:r>
-              <a:rPr dirty="0"/>
-              <a:t>Logistic Regression</a:t>
-            </a:r>
-            <a:endParaRPr lang="en-US" dirty="0"/>
-          </a:p>
-          <a:p>
-            <a:r>
-              <a:rPr lang="en-AE" dirty="0"/>
-              <a:t>Decision Trees</a:t>
-            </a:r>
-          </a:p>
-          <a:p>
-            <a:r>
-              <a:rPr lang="en-US" dirty="0"/>
-              <a:t>SVM</a:t>
-            </a:r>
-          </a:p>
-          <a:p>
-            <a:r>
-              <a:rPr lang="en-US" dirty="0"/>
-              <a:t>Random Forest</a:t>
-            </a:r>
-            <a:endParaRPr lang="en-AE" dirty="0"/>
-          </a:p>
-          <a:p>
-            <a:r>
-              <a:rPr lang="en-AE" dirty="0"/>
-              <a:t>Voting Classifier</a:t>
-            </a:r>
-          </a:p>
-          <a:p>
-            <a:r>
-              <a:rPr lang="en-US" dirty="0"/>
-              <a:t>AdaBoost</a:t>
-            </a:r>
-            <a:endParaRPr dirty="0"/>
-          </a:p>
-          <a:p>
-            <a:r>
-              <a:rPr dirty="0"/>
-              <a:t>HistGradientBoosting</a:t>
-            </a:r>
-          </a:p>
-          <a:p>
-            <a:r>
-              <a:rPr dirty="0" err="1"/>
-              <a:t>XGBoost</a:t>
+              <a:t>Key EDA Insights</a:t>
+            </a:r>
+            <a:r>
+              <a:rPr lang="en-US" dirty="0"/>
+              <a:t> – Cont.</a:t>
             </a:r>
             <a:endParaRPr dirty="0"/>
           </a:p>
@@ -5480,10 +9465,10 @@
       </p:sp>
       <p:pic>
         <p:nvPicPr>
-          <p:cNvPr id="6" name="Picture 5">
+          <p:cNvPr id="3" name="Picture 2" descr="A diagram of skin thickness&#10;&#10;AI-generated content may be incorrect.">
             <a:extLst>
               <a:ext uri="{FF2B5EF4-FFF2-40B4-BE49-F238E27FC236}">
-                <a16:creationId xmlns:a16="http://schemas.microsoft.com/office/drawing/2014/main" id="{C37B87E8-0C5B-A87F-52EC-2C6E0E5F9BA1}"/>
+                <a16:creationId xmlns:a16="http://schemas.microsoft.com/office/drawing/2014/main" id="{0D9EEEFD-7A6A-78C3-AC9D-80620539DA6C}"/>
               </a:ext>
             </a:extLst>
           </p:cNvPr>
@@ -5500,15 +9485,80 @@
         </p:blipFill>
         <p:spPr>
           <a:xfrm>
-            <a:off x="5332115" y="1417638"/>
-            <a:ext cx="2950433" cy="4525964"/>
+            <a:off x="193098" y="977612"/>
+            <a:ext cx="4694959" cy="2762250"/>
           </a:xfrm>
           <a:prstGeom prst="rect">
             <a:avLst/>
           </a:prstGeom>
         </p:spPr>
       </p:pic>
+      <p:pic>
+        <p:nvPicPr>
+          <p:cNvPr id="5" name="Picture 4" descr="A graph of insulin&#10;&#10;AI-generated content may be incorrect.">
+            <a:extLst>
+              <a:ext uri="{FF2B5EF4-FFF2-40B4-BE49-F238E27FC236}">
+                <a16:creationId xmlns:a16="http://schemas.microsoft.com/office/drawing/2014/main" id="{58661B73-F2F2-38D9-B178-79220A6FC269}"/>
+              </a:ext>
+            </a:extLst>
+          </p:cNvPr>
+          <p:cNvPicPr>
+            <a:picLocks noChangeAspect="1"/>
+          </p:cNvPicPr>
+          <p:nvPr/>
+        </p:nvPicPr>
+        <p:blipFill>
+          <a:blip r:embed="rId3"/>
+          <a:stretch>
+            <a:fillRect/>
+          </a:stretch>
+        </p:blipFill>
+        <p:spPr>
+          <a:xfrm>
+            <a:off x="193098" y="3897456"/>
+            <a:ext cx="4611832" cy="2762250"/>
+          </a:xfrm>
+          <a:prstGeom prst="rect">
+            <a:avLst/>
+          </a:prstGeom>
+        </p:spPr>
+      </p:pic>
+      <p:pic>
+        <p:nvPicPr>
+          <p:cNvPr id="6" name="Picture 5" descr="A diagram of a box plot&#10;&#10;AI-generated content may be incorrect.">
+            <a:extLst>
+              <a:ext uri="{FF2B5EF4-FFF2-40B4-BE49-F238E27FC236}">
+                <a16:creationId xmlns:a16="http://schemas.microsoft.com/office/drawing/2014/main" id="{296BBC84-08F7-B7B4-B89A-2D4BE6131280}"/>
+              </a:ext>
+            </a:extLst>
+          </p:cNvPr>
+          <p:cNvPicPr>
+            <a:picLocks noChangeAspect="1"/>
+          </p:cNvPicPr>
+          <p:nvPr/>
+        </p:nvPicPr>
+        <p:blipFill>
+          <a:blip r:embed="rId4"/>
+          <a:stretch>
+            <a:fillRect/>
+          </a:stretch>
+        </p:blipFill>
+        <p:spPr>
+          <a:xfrm>
+            <a:off x="5056044" y="2359603"/>
+            <a:ext cx="3884468" cy="2762250"/>
+          </a:xfrm>
+          <a:prstGeom prst="rect">
+            <a:avLst/>
+          </a:prstGeom>
+        </p:spPr>
+      </p:pic>
     </p:spTree>
+    <p:extLst>
+      <p:ext uri="{BB962C8B-B14F-4D97-AF65-F5344CB8AC3E}">
+        <p14:creationId xmlns:p14="http://schemas.microsoft.com/office/powerpoint/2010/main" val="1756572147"/>
+      </p:ext>
+    </p:extLst>
   </p:cSld>
   <p:clrMapOvr>
     <a:masterClrMapping/>
@@ -5517,9 +9567,9 @@
 </file>
 
 <file path=ppt/theme/theme1.xml><?xml version="1.0" encoding="utf-8"?>
-<a:theme xmlns:a="http://schemas.openxmlformats.org/drawingml/2006/main" name="Office Theme">
+<a:theme xmlns:a="http://schemas.openxmlformats.org/drawingml/2006/main" name="Celestial">
   <a:themeElements>
-    <a:clrScheme name="Blue II">
+    <a:clrScheme name="Celestial">
       <a:dk1>
         <a:sysClr val="windowText" lastClr="000000"/>
       </a:dk1>
@@ -5527,39 +9577,39 @@
         <a:sysClr val="window" lastClr="FFFFFF"/>
       </a:lt1>
       <a:dk2>
-        <a:srgbClr val="335B74"/>
+        <a:srgbClr val="18276C"/>
       </a:dk2>
       <a:lt2>
-        <a:srgbClr val="DFE3E5"/>
+        <a:srgbClr val="EBEBEB"/>
       </a:lt2>
       <a:accent1>
-        <a:srgbClr val="1CADE4"/>
+        <a:srgbClr val="AC3EC1"/>
       </a:accent1>
       <a:accent2>
-        <a:srgbClr val="2683C6"/>
+        <a:srgbClr val="477BD1"/>
       </a:accent2>
       <a:accent3>
-        <a:srgbClr val="27CED7"/>
+        <a:srgbClr val="46B298"/>
       </a:accent3>
       <a:accent4>
-        <a:srgbClr val="42BA97"/>
+        <a:srgbClr val="90BA4C"/>
       </a:accent4>
       <a:accent5>
-        <a:srgbClr val="3E8853"/>
+        <a:srgbClr val="DD9D31"/>
       </a:accent5>
       <a:accent6>
-        <a:srgbClr val="62A39F"/>
+        <a:srgbClr val="E25247"/>
       </a:accent6>
       <a:hlink>
-        <a:srgbClr val="6EAC1C"/>
+        <a:srgbClr val="C573D2"/>
       </a:hlink>
       <a:folHlink>
-        <a:srgbClr val="B26B02"/>
+        <a:srgbClr val="CCAEE8"/>
       </a:folHlink>
     </a:clrScheme>
-    <a:fontScheme name="Office">
+    <a:fontScheme name="Celestial">
       <a:majorFont>
-        <a:latin typeface="Calibri"/>
+        <a:latin typeface="Calibri Light" panose="020F0302020204030204"/>
         <a:ea typeface=""/>
         <a:cs typeface=""/>
         <a:font script="Jpan" typeface="ＭＳ Ｐゴシック"/>
@@ -5594,7 +9644,7 @@
         <a:font script="Geor" typeface="Sylfaen"/>
       </a:majorFont>
       <a:minorFont>
-        <a:latin typeface="Calibri"/>
+        <a:latin typeface="Calibri" panose="020F0502020204030204"/>
         <a:ea typeface=""/>
         <a:cs typeface=""/>
         <a:font script="Jpan" typeface="ＭＳ Ｐゴシック"/>
@@ -5629,7 +9679,7 @@
         <a:font script="Geor" typeface="Sylfaen"/>
       </a:minorFont>
     </a:fontScheme>
-    <a:fmtScheme name="Office">
+    <a:fmtScheme name="Celestial">
       <a:fillStyleLst>
         <a:solidFill>
           <a:schemeClr val="phClr"/>
@@ -5638,62 +9688,51 @@
           <a:gsLst>
             <a:gs pos="0">
               <a:schemeClr val="phClr">
-                <a:tint val="50000"/>
-                <a:satMod val="300000"/>
-              </a:schemeClr>
-            </a:gs>
-            <a:gs pos="35000">
-              <a:schemeClr val="phClr">
-                <a:tint val="37000"/>
-                <a:satMod val="300000"/>
+                <a:tint val="70000"/>
+                <a:lumMod val="110000"/>
               </a:schemeClr>
             </a:gs>
             <a:gs pos="100000">
               <a:schemeClr val="phClr">
-                <a:tint val="15000"/>
-                <a:satMod val="350000"/>
+                <a:tint val="82000"/>
+                <a:alpha val="74000"/>
               </a:schemeClr>
             </a:gs>
           </a:gsLst>
-          <a:lin ang="16200000" scaled="1"/>
+          <a:lin ang="5400000" scaled="0"/>
         </a:gradFill>
         <a:gradFill rotWithShape="1">
           <a:gsLst>
             <a:gs pos="0">
               <a:schemeClr val="phClr">
-                <a:tint val="100000"/>
-                <a:shade val="100000"/>
-                <a:satMod val="130000"/>
+                <a:tint val="98000"/>
+                <a:lumMod val="100000"/>
               </a:schemeClr>
             </a:gs>
             <a:gs pos="100000">
               <a:schemeClr val="phClr">
-                <a:tint val="50000"/>
-                <a:shade val="100000"/>
-                <a:satMod val="350000"/>
+                <a:shade val="88000"/>
+                <a:lumMod val="88000"/>
               </a:schemeClr>
             </a:gs>
           </a:gsLst>
-          <a:lin ang="16200000" scaled="0"/>
+          <a:lin ang="5400000" scaled="1"/>
         </a:gradFill>
       </a:fillStyleLst>
       <a:lnStyleLst>
-        <a:ln w="9525" cap="flat" cmpd="sng" algn="ctr">
-          <a:solidFill>
-            <a:schemeClr val="phClr">
-              <a:shade val="95000"/>
-              <a:satMod val="105000"/>
-            </a:schemeClr>
-          </a:solidFill>
-          <a:prstDash val="solid"/>
-        </a:ln>
-        <a:ln w="25400" cap="flat" cmpd="sng" algn="ctr">
+        <a:ln w="9525" cap="rnd" cmpd="sng" algn="ctr">
           <a:solidFill>
             <a:schemeClr val="phClr"/>
           </a:solidFill>
           <a:prstDash val="solid"/>
         </a:ln>
-        <a:ln w="38100" cap="flat" cmpd="sng" algn="ctr">
+        <a:ln w="19050" cap="rnd" cmpd="sng" algn="ctr">
+          <a:solidFill>
+            <a:schemeClr val="phClr"/>
+          </a:solidFill>
+          <a:prstDash val="solid"/>
+        </a:ln>
+        <a:ln w="25400" cap="rnd" cmpd="sng" algn="ctr">
           <a:solidFill>
             <a:schemeClr val="phClr"/>
           </a:solidFill>
@@ -5702,17 +9741,11 @@
       </a:lnStyleLst>
       <a:effectStyleLst>
         <a:effectStyle>
-          <a:effectLst>
-            <a:outerShdw blurRad="40000" dist="20000" dir="5400000" rotWithShape="0">
-              <a:srgbClr val="000000">
-                <a:alpha val="38000"/>
-              </a:srgbClr>
-            </a:outerShdw>
-          </a:effectLst>
+          <a:effectLst/>
         </a:effectStyle>
         <a:effectStyle>
           <a:effectLst>
-            <a:outerShdw blurRad="40000" dist="23000" dir="5400000" rotWithShape="0">
+            <a:outerShdw blurRad="50800" dist="38100" dir="5400000" rotWithShape="0">
               <a:srgbClr val="000000">
                 <a:alpha val="35000"/>
               </a:srgbClr>
@@ -5721,9 +9754,9 @@
         </a:effectStyle>
         <a:effectStyle>
           <a:effectLst>
-            <a:outerShdw blurRad="40000" dist="23000" dir="5400000" rotWithShape="0">
+            <a:outerShdw blurRad="63500" dist="38100" dir="5400000" rotWithShape="0">
               <a:srgbClr val="000000">
-                <a:alpha val="35000"/>
+                <a:alpha val="65000"/>
               </a:srgbClr>
             </a:outerShdw>
           </a:effectLst>
@@ -5731,12 +9764,12 @@
             <a:camera prst="orthographicFront">
               <a:rot lat="0" lon="0" rev="0"/>
             </a:camera>
-            <a:lightRig rig="threePt" dir="t">
+            <a:lightRig rig="threePt" dir="tl">
               <a:rot lat="0" lon="0" rev="1200000"/>
             </a:lightRig>
           </a:scene3d>
           <a:sp3d>
-            <a:bevelT w="63500" h="25400"/>
+            <a:bevelT w="38100" h="12700"/>
           </a:sp3d>
         </a:effectStyle>
       </a:effectStyleLst>
@@ -5748,90 +9781,36 @@
           <a:gsLst>
             <a:gs pos="0">
               <a:schemeClr val="phClr">
-                <a:tint val="40000"/>
-                <a:satMod val="350000"/>
-              </a:schemeClr>
-            </a:gs>
-            <a:gs pos="40000">
-              <a:schemeClr val="phClr">
-                <a:tint val="45000"/>
-                <a:shade val="99000"/>
-                <a:satMod val="350000"/>
+                <a:tint val="90000"/>
+                <a:shade val="96000"/>
+                <a:hueMod val="100000"/>
+                <a:satMod val="180000"/>
+                <a:lumMod val="110000"/>
               </a:schemeClr>
             </a:gs>
             <a:gs pos="100000">
               <a:schemeClr val="phClr">
-                <a:shade val="20000"/>
-                <a:satMod val="255000"/>
+                <a:shade val="96000"/>
+                <a:satMod val="160000"/>
+                <a:lumMod val="100000"/>
               </a:schemeClr>
             </a:gs>
           </a:gsLst>
-          <a:path path="circle">
-            <a:fillToRect l="50000" t="-80000" r="50000" b="180000"/>
-          </a:path>
+          <a:lin ang="4740000" scaled="1"/>
         </a:gradFill>
-        <a:gradFill rotWithShape="1">
-          <a:gsLst>
-            <a:gs pos="0">
-              <a:schemeClr val="phClr">
-                <a:tint val="80000"/>
-                <a:satMod val="300000"/>
-              </a:schemeClr>
-            </a:gs>
-            <a:gs pos="100000">
-              <a:schemeClr val="phClr">
-                <a:shade val="30000"/>
-                <a:satMod val="200000"/>
-              </a:schemeClr>
-            </a:gs>
-          </a:gsLst>
-          <a:path path="circle">
-            <a:fillToRect l="50000" t="50000" r="50000" b="50000"/>
-          </a:path>
-        </a:gradFill>
+        <a:blipFill>
+          <a:blip xmlns:r="http://schemas.openxmlformats.org/officeDocument/2006/relationships" r:embed="rId1"/>
+          <a:stretch/>
+        </a:blipFill>
       </a:bgFillStyleLst>
     </a:fmtScheme>
   </a:themeElements>
-  <a:objectDefaults>
-    <a:spDef>
-      <a:spPr/>
-      <a:bodyPr/>
-      <a:lstStyle/>
-      <a:style>
-        <a:lnRef idx="1">
-          <a:schemeClr val="accent1"/>
-        </a:lnRef>
-        <a:fillRef idx="3">
-          <a:schemeClr val="accent1"/>
-        </a:fillRef>
-        <a:effectRef idx="2">
-          <a:schemeClr val="accent1"/>
-        </a:effectRef>
-        <a:fontRef idx="minor">
-          <a:schemeClr val="lt1"/>
-        </a:fontRef>
-      </a:style>
-    </a:spDef>
-    <a:lnDef>
-      <a:spPr/>
-      <a:bodyPr/>
-      <a:lstStyle/>
-      <a:style>
-        <a:lnRef idx="2">
-          <a:schemeClr val="accent1"/>
-        </a:lnRef>
-        <a:fillRef idx="0">
-          <a:schemeClr val="accent1"/>
-        </a:fillRef>
-        <a:effectRef idx="1">
-          <a:schemeClr val="accent1"/>
-        </a:effectRef>
-        <a:fontRef idx="minor">
-          <a:schemeClr val="tx1"/>
-        </a:fontRef>
-      </a:style>
-    </a:lnDef>
-  </a:objectDefaults>
+  <a:objectDefaults/>
   <a:extraClrSchemeLst/>
+  <a:extLst>
+    <a:ext uri="{05A4C25C-085E-4340-85A3-A5531E510DB2}">
+      <thm15:themeFamily xmlns:thm15="http://schemas.microsoft.com/office/thememl/2012/main" name="Celestial" id="{C4BB2A3D-0E93-4C5F-B0D2-9D3FCE089CC5}" vid="{42E5908D-19A2-46FD-89FA-638B126129EF}"/>
+    </a:ext>
+  </a:extLst>
 </a:theme>
 </file>